--- a/Presentations/presentation_2/SW-Lab_presentation2_TUM.pptx
+++ b/Presentations/presentation_2/SW-Lab_presentation2_TUM.pptx
@@ -16,10 +16,10 @@
     <p:sldMasterId id="2147483731" r:id="rId12"/>
   </p:sldMasterIdLst>
   <p:notesMasterIdLst>
-    <p:notesMasterId r:id="rId43"/>
+    <p:notesMasterId r:id="rId46"/>
   </p:notesMasterIdLst>
   <p:handoutMasterIdLst>
-    <p:handoutMasterId r:id="rId44"/>
+    <p:handoutMasterId r:id="rId47"/>
   </p:handoutMasterIdLst>
   <p:sldIdLst>
     <p:sldId id="355" r:id="rId13"/>
@@ -31,27 +31,30 @@
     <p:sldId id="398" r:id="rId19"/>
     <p:sldId id="399" r:id="rId20"/>
     <p:sldId id="400" r:id="rId21"/>
-    <p:sldId id="403" r:id="rId22"/>
-    <p:sldId id="401" r:id="rId23"/>
-    <p:sldId id="402" r:id="rId24"/>
-    <p:sldId id="370" r:id="rId25"/>
-    <p:sldId id="392" r:id="rId26"/>
-    <p:sldId id="371" r:id="rId27"/>
-    <p:sldId id="372" r:id="rId28"/>
-    <p:sldId id="373" r:id="rId29"/>
-    <p:sldId id="394" r:id="rId30"/>
-    <p:sldId id="375" r:id="rId31"/>
-    <p:sldId id="376" r:id="rId32"/>
-    <p:sldId id="393" r:id="rId33"/>
-    <p:sldId id="391" r:id="rId34"/>
-    <p:sldId id="390" r:id="rId35"/>
-    <p:sldId id="378" r:id="rId36"/>
-    <p:sldId id="377" r:id="rId37"/>
-    <p:sldId id="389" r:id="rId38"/>
-    <p:sldId id="379" r:id="rId39"/>
-    <p:sldId id="395" r:id="rId40"/>
-    <p:sldId id="380" r:id="rId41"/>
-    <p:sldId id="381" r:id="rId42"/>
+    <p:sldId id="404" r:id="rId22"/>
+    <p:sldId id="405" r:id="rId23"/>
+    <p:sldId id="408" r:id="rId24"/>
+    <p:sldId id="403" r:id="rId25"/>
+    <p:sldId id="401" r:id="rId26"/>
+    <p:sldId id="402" r:id="rId27"/>
+    <p:sldId id="370" r:id="rId28"/>
+    <p:sldId id="392" r:id="rId29"/>
+    <p:sldId id="371" r:id="rId30"/>
+    <p:sldId id="372" r:id="rId31"/>
+    <p:sldId id="373" r:id="rId32"/>
+    <p:sldId id="394" r:id="rId33"/>
+    <p:sldId id="375" r:id="rId34"/>
+    <p:sldId id="376" r:id="rId35"/>
+    <p:sldId id="393" r:id="rId36"/>
+    <p:sldId id="391" r:id="rId37"/>
+    <p:sldId id="390" r:id="rId38"/>
+    <p:sldId id="378" r:id="rId39"/>
+    <p:sldId id="377" r:id="rId40"/>
+    <p:sldId id="389" r:id="rId41"/>
+    <p:sldId id="379" r:id="rId42"/>
+    <p:sldId id="395" r:id="rId43"/>
+    <p:sldId id="380" r:id="rId44"/>
+    <p:sldId id="381" r:id="rId45"/>
   </p:sldIdLst>
   <p:sldSz cx="9144000" cy="6858000" type="screen4x3"/>
   <p:notesSz cx="9925050" cy="6665913"/>
@@ -424,11 +427,11 @@
           <c:showBubbleSize val="0"/>
         </c:dLbls>
         <c:gapWidth val="150"/>
-        <c:axId val="2009477344"/>
-        <c:axId val="2120724992"/>
+        <c:axId val="2145083168"/>
+        <c:axId val="2145091168"/>
       </c:barChart>
       <c:catAx>
-        <c:axId val="2009477344"/>
+        <c:axId val="2145083168"/>
         <c:scaling>
           <c:orientation val="maxMin"/>
         </c:scaling>
@@ -443,7 +446,7 @@
             <a:noFill/>
           </a:ln>
         </c:spPr>
-        <c:crossAx val="2120724992"/>
+        <c:crossAx val="2145091168"/>
         <c:crosses val="autoZero"/>
         <c:auto val="1"/>
         <c:lblAlgn val="ctr"/>
@@ -451,7 +454,7 @@
         <c:noMultiLvlLbl val="0"/>
       </c:catAx>
       <c:valAx>
-        <c:axId val="2120724992"/>
+        <c:axId val="2145091168"/>
         <c:scaling>
           <c:orientation val="minMax"/>
         </c:scaling>
@@ -461,7 +464,7 @@
         <c:majorTickMark val="out"/>
         <c:minorTickMark val="none"/>
         <c:tickLblPos val="none"/>
-        <c:crossAx val="2009477344"/>
+        <c:crossAx val="2145083168"/>
         <c:crosses val="autoZero"/>
         <c:crossBetween val="between"/>
       </c:valAx>
@@ -735,11 +738,11 @@
         </c:dLbls>
         <c:gapWidth val="219"/>
         <c:overlap val="-27"/>
-        <c:axId val="2044893216"/>
-        <c:axId val="2044896512"/>
+        <c:axId val="2145218688"/>
+        <c:axId val="2145222016"/>
       </c:barChart>
       <c:catAx>
-        <c:axId val="2044893216"/>
+        <c:axId val="2145218688"/>
         <c:scaling>
           <c:orientation val="minMax"/>
         </c:scaling>
@@ -782,7 +785,7 @@
             <a:endParaRPr lang="en-US"/>
           </a:p>
         </c:txPr>
-        <c:crossAx val="2044896512"/>
+        <c:crossAx val="2145222016"/>
         <c:crosses val="autoZero"/>
         <c:auto val="1"/>
         <c:lblAlgn val="ctr"/>
@@ -790,7 +793,7 @@
         <c:noMultiLvlLbl val="0"/>
       </c:catAx>
       <c:valAx>
-        <c:axId val="2044896512"/>
+        <c:axId val="2145222016"/>
         <c:scaling>
           <c:orientation val="minMax"/>
         </c:scaling>
@@ -841,7 +844,7 @@
             <a:endParaRPr lang="en-US"/>
           </a:p>
         </c:txPr>
-        <c:crossAx val="2044893216"/>
+        <c:crossAx val="2145218688"/>
         <c:crosses val="autoZero"/>
         <c:crossBetween val="between"/>
       </c:valAx>
@@ -1030,7 +1033,7 @@
               <a:pPr>
                 <a:defRPr/>
               </a:pPr>
-              <a:t>23/06/2016</a:t>
+              <a:t>25/06/2016</a:t>
             </a:fld>
             <a:endParaRPr lang="en-GB" dirty="0"/>
           </a:p>
@@ -1249,7 +1252,7 @@
               <a:pPr>
                 <a:defRPr/>
               </a:pPr>
-              <a:t>23/06/2016</a:t>
+              <a:t>25/06/2016</a:t>
             </a:fld>
             <a:endParaRPr lang="en-GB"/>
           </a:p>
@@ -1680,6 +1683,559 @@
 </p:notes>
 </file>
 
+<file path=ppt/notesSlides/notesSlide2.xml><?xml version="1.0" encoding="utf-8"?>
+<p:notes xmlns:a="http://schemas.openxmlformats.org/drawingml/2006/main" xmlns:r="http://schemas.openxmlformats.org/officeDocument/2006/relationships" xmlns:p="http://schemas.openxmlformats.org/presentationml/2006/main">
+  <p:cSld>
+    <p:spTree>
+      <p:nvGrpSpPr>
+        <p:cNvPr id="1" name=""/>
+        <p:cNvGrpSpPr/>
+        <p:nvPr/>
+      </p:nvGrpSpPr>
+      <p:grpSpPr>
+        <a:xfrm>
+          <a:off x="0" y="0"/>
+          <a:ext cx="0" cy="0"/>
+          <a:chOff x="0" y="0"/>
+          <a:chExt cx="0" cy="0"/>
+        </a:xfrm>
+      </p:grpSpPr>
+      <p:sp>
+        <p:nvSpPr>
+          <p:cNvPr id="2" name="Slide Image Placeholder 1"/>
+          <p:cNvSpPr>
+            <a:spLocks noGrp="1" noRot="1" noChangeAspect="1"/>
+          </p:cNvSpPr>
+          <p:nvPr>
+            <p:ph type="sldImg"/>
+          </p:nvPr>
+        </p:nvSpPr>
+        <p:spPr/>
+      </p:sp>
+      <p:sp>
+        <p:nvSpPr>
+          <p:cNvPr id="3" name="Notes Placeholder 2"/>
+          <p:cNvSpPr>
+            <a:spLocks noGrp="1"/>
+          </p:cNvSpPr>
+          <p:nvPr>
+            <p:ph type="body" idx="1"/>
+          </p:nvPr>
+        </p:nvSpPr>
+        <p:spPr/>
+        <p:txBody>
+          <a:bodyPr/>
+          <a:lstStyle/>
+          <a:p>
+            <a:r>
+              <a:rPr lang="en-GB" b="1" dirty="0" smtClean="0"/>
+              <a:t>How</a:t>
+            </a:r>
+            <a:r>
+              <a:rPr lang="en-GB" b="1" baseline="0" dirty="0" smtClean="0"/>
+              <a:t> to describe a solution?</a:t>
+            </a:r>
+          </a:p>
+          <a:p>
+            <a:r>
+              <a:rPr lang="en-GB" dirty="0" smtClean="0"/>
+              <a:t>When</a:t>
+            </a:r>
+            <a:r>
+              <a:rPr lang="en-GB" baseline="0" dirty="0" smtClean="0"/>
+              <a:t> we joined the solver code with the animation code, we need to define a common way to describe the solution, so that the output of the solver could be directly used as an input for the video generation</a:t>
+            </a:r>
+            <a:r>
+              <a:rPr lang="en-GB" baseline="0" dirty="0" smtClean="0"/>
+              <a:t>.</a:t>
+            </a:r>
+          </a:p>
+          <a:p>
+            <a:endParaRPr lang="en-GB" baseline="0" dirty="0" smtClean="0"/>
+          </a:p>
+          <a:p>
+            <a:r>
+              <a:rPr lang="en-GB" b="1" baseline="0" dirty="0" smtClean="0"/>
+              <a:t>We decided to describe the movement of each component INDEPENDENTLY</a:t>
+            </a:r>
+          </a:p>
+          <a:p>
+            <a:endParaRPr lang="en-GB" b="1" baseline="0" dirty="0" smtClean="0"/>
+          </a:p>
+          <a:p>
+            <a:r>
+              <a:rPr lang="en-GB" b="1" baseline="0" dirty="0" smtClean="0"/>
+              <a:t>The movement of each component is described by 2 data:</a:t>
+            </a:r>
+          </a:p>
+          <a:p>
+            <a:pPr marL="171450" indent="-171450">
+              <a:buFont typeface="Arial" charset="0"/>
+              <a:buChar char="•"/>
+            </a:pPr>
+            <a:r>
+              <a:rPr lang="en-GB" b="1" baseline="0" dirty="0" smtClean="0"/>
+              <a:t>Initial state</a:t>
+            </a:r>
+          </a:p>
+          <a:p>
+            <a:pPr marL="171450" indent="-171450">
+              <a:buFont typeface="Arial" charset="0"/>
+              <a:buChar char="•"/>
+            </a:pPr>
+            <a:r>
+              <a:rPr lang="en-GB" b="1" baseline="0" dirty="0" smtClean="0"/>
+              <a:t>Deformation history</a:t>
+            </a:r>
+            <a:endParaRPr lang="en-GB" b="1" dirty="0"/>
+          </a:p>
+        </p:txBody>
+      </p:sp>
+      <p:sp>
+        <p:nvSpPr>
+          <p:cNvPr id="4" name="Slide Number Placeholder 3"/>
+          <p:cNvSpPr>
+            <a:spLocks noGrp="1"/>
+          </p:cNvSpPr>
+          <p:nvPr>
+            <p:ph type="sldNum" sz="quarter" idx="10"/>
+          </p:nvPr>
+        </p:nvSpPr>
+        <p:spPr/>
+        <p:txBody>
+          <a:bodyPr/>
+          <a:lstStyle/>
+          <a:p>
+            <a:pPr>
+              <a:defRPr/>
+            </a:pPr>
+            <a:fld id="{00AFC6D0-44D5-4EB7-828F-6F464F83D79A}" type="slidenum">
+              <a:rPr lang="en-GB" smtClean="0"/>
+              <a:pPr>
+                <a:defRPr/>
+              </a:pPr>
+              <a:t>10</a:t>
+            </a:fld>
+            <a:endParaRPr lang="en-GB"/>
+          </a:p>
+        </p:txBody>
+      </p:sp>
+    </p:spTree>
+    <p:extLst>
+      <p:ext uri="{BB962C8B-B14F-4D97-AF65-F5344CB8AC3E}">
+        <p14:creationId xmlns:p14="http://schemas.microsoft.com/office/powerpoint/2010/main" val="1875804897"/>
+      </p:ext>
+    </p:extLst>
+  </p:cSld>
+  <p:clrMapOvr>
+    <a:masterClrMapping/>
+  </p:clrMapOvr>
+</p:notes>
+</file>
+
+<file path=ppt/notesSlides/notesSlide3.xml><?xml version="1.0" encoding="utf-8"?>
+<p:notes xmlns:a="http://schemas.openxmlformats.org/drawingml/2006/main" xmlns:r="http://schemas.openxmlformats.org/officeDocument/2006/relationships" xmlns:p="http://schemas.openxmlformats.org/presentationml/2006/main">
+  <p:cSld>
+    <p:spTree>
+      <p:nvGrpSpPr>
+        <p:cNvPr id="1" name=""/>
+        <p:cNvGrpSpPr/>
+        <p:nvPr/>
+      </p:nvGrpSpPr>
+      <p:grpSpPr>
+        <a:xfrm>
+          <a:off x="0" y="0"/>
+          <a:ext cx="0" cy="0"/>
+          <a:chOff x="0" y="0"/>
+          <a:chExt cx="0" cy="0"/>
+        </a:xfrm>
+      </p:grpSpPr>
+      <p:sp>
+        <p:nvSpPr>
+          <p:cNvPr id="2" name="Slide Image Placeholder 1"/>
+          <p:cNvSpPr>
+            <a:spLocks noGrp="1" noRot="1" noChangeAspect="1"/>
+          </p:cNvSpPr>
+          <p:nvPr>
+            <p:ph type="sldImg"/>
+          </p:nvPr>
+        </p:nvSpPr>
+        <p:spPr/>
+      </p:sp>
+      <p:sp>
+        <p:nvSpPr>
+          <p:cNvPr id="3" name="Notes Placeholder 2"/>
+          <p:cNvSpPr>
+            <a:spLocks noGrp="1"/>
+          </p:cNvSpPr>
+          <p:nvPr>
+            <p:ph type="body" idx="1"/>
+          </p:nvPr>
+        </p:nvSpPr>
+        <p:spPr/>
+        <p:txBody>
+          <a:bodyPr/>
+          <a:lstStyle/>
+          <a:p>
+            <a:r>
+              <a:rPr lang="en-GB" dirty="0" smtClean="0"/>
+              <a:t>These 2 data</a:t>
+            </a:r>
+            <a:r>
+              <a:rPr lang="en-GB" baseline="0" dirty="0" smtClean="0"/>
+              <a:t> are saved into 2 classes</a:t>
+            </a:r>
+          </a:p>
+          <a:p>
+            <a:endParaRPr lang="en-GB" baseline="0" dirty="0" smtClean="0"/>
+          </a:p>
+          <a:p>
+            <a:r>
+              <a:rPr lang="en-GB" baseline="0" dirty="0" smtClean="0"/>
+              <a:t>The initial state is saved in a class component </a:t>
+            </a:r>
+          </a:p>
+          <a:p>
+            <a:r>
+              <a:rPr lang="en-GB" baseline="0" dirty="0" smtClean="0"/>
+              <a:t>and is defined by the name of the component, the coordinate of the left node, …</a:t>
+            </a:r>
+          </a:p>
+          <a:p>
+            <a:endParaRPr lang="en-GB" baseline="0" dirty="0" smtClean="0"/>
+          </a:p>
+          <a:p>
+            <a:r>
+              <a:rPr lang="en-GB" baseline="0" dirty="0" smtClean="0"/>
+              <a:t>The Deformation history is saved as a sequence of deformation steps:</a:t>
+            </a:r>
+          </a:p>
+          <a:p>
+            <a:r>
+              <a:rPr lang="en-GB" baseline="0" dirty="0" smtClean="0"/>
+              <a:t>Each deformation step is saved in a class created ad-hoc</a:t>
+            </a:r>
+          </a:p>
+          <a:p>
+            <a:r>
+              <a:rPr lang="en-GB" baseline="0" dirty="0" smtClean="0"/>
+              <a:t>And is defined by the amount, …</a:t>
+            </a:r>
+            <a:endParaRPr lang="en-GB" dirty="0"/>
+          </a:p>
+        </p:txBody>
+      </p:sp>
+      <p:sp>
+        <p:nvSpPr>
+          <p:cNvPr id="4" name="Slide Number Placeholder 3"/>
+          <p:cNvSpPr>
+            <a:spLocks noGrp="1"/>
+          </p:cNvSpPr>
+          <p:nvPr>
+            <p:ph type="sldNum" sz="quarter" idx="10"/>
+          </p:nvPr>
+        </p:nvSpPr>
+        <p:spPr/>
+        <p:txBody>
+          <a:bodyPr/>
+          <a:lstStyle/>
+          <a:p>
+            <a:pPr>
+              <a:defRPr/>
+            </a:pPr>
+            <a:fld id="{00AFC6D0-44D5-4EB7-828F-6F464F83D79A}" type="slidenum">
+              <a:rPr lang="en-GB" smtClean="0"/>
+              <a:pPr>
+                <a:defRPr/>
+              </a:pPr>
+              <a:t>11</a:t>
+            </a:fld>
+            <a:endParaRPr lang="en-GB"/>
+          </a:p>
+        </p:txBody>
+      </p:sp>
+    </p:spTree>
+    <p:extLst>
+      <p:ext uri="{BB962C8B-B14F-4D97-AF65-F5344CB8AC3E}">
+        <p14:creationId xmlns:p14="http://schemas.microsoft.com/office/powerpoint/2010/main" val="459549810"/>
+      </p:ext>
+    </p:extLst>
+  </p:cSld>
+  <p:clrMapOvr>
+    <a:masterClrMapping/>
+  </p:clrMapOvr>
+</p:notes>
+</file>
+
+<file path=ppt/notesSlides/notesSlide4.xml><?xml version="1.0" encoding="utf-8"?>
+<p:notes xmlns:a="http://schemas.openxmlformats.org/drawingml/2006/main" xmlns:r="http://schemas.openxmlformats.org/officeDocument/2006/relationships" xmlns:p="http://schemas.openxmlformats.org/presentationml/2006/main">
+  <p:cSld>
+    <p:spTree>
+      <p:nvGrpSpPr>
+        <p:cNvPr id="1" name=""/>
+        <p:cNvGrpSpPr/>
+        <p:nvPr/>
+      </p:nvGrpSpPr>
+      <p:grpSpPr>
+        <a:xfrm>
+          <a:off x="0" y="0"/>
+          <a:ext cx="0" cy="0"/>
+          <a:chOff x="0" y="0"/>
+          <a:chExt cx="0" cy="0"/>
+        </a:xfrm>
+      </p:grpSpPr>
+      <p:sp>
+        <p:nvSpPr>
+          <p:cNvPr id="2" name="Slide Image Placeholder 1"/>
+          <p:cNvSpPr>
+            <a:spLocks noGrp="1" noRot="1" noChangeAspect="1"/>
+          </p:cNvSpPr>
+          <p:nvPr>
+            <p:ph type="sldImg"/>
+          </p:nvPr>
+        </p:nvSpPr>
+        <p:spPr/>
+      </p:sp>
+      <p:sp>
+        <p:nvSpPr>
+          <p:cNvPr id="3" name="Notes Placeholder 2"/>
+          <p:cNvSpPr>
+            <a:spLocks noGrp="1"/>
+          </p:cNvSpPr>
+          <p:nvPr>
+            <p:ph type="body" idx="1"/>
+          </p:nvPr>
+        </p:nvSpPr>
+        <p:spPr/>
+        <p:txBody>
+          <a:bodyPr>
+            <a:normAutofit fontScale="92500" lnSpcReduction="10000"/>
+          </a:bodyPr>
+          <a:lstStyle/>
+          <a:p>
+            <a:r>
+              <a:rPr lang="en-GB" b="1" dirty="0" smtClean="0"/>
+              <a:t>Our</a:t>
+            </a:r>
+            <a:r>
+              <a:rPr lang="en-GB" b="1" baseline="0" dirty="0" smtClean="0"/>
+              <a:t> code is divided into 3 sub-packages:</a:t>
+            </a:r>
+          </a:p>
+          <a:p>
+            <a:pPr marL="171450" indent="-171450">
+              <a:buFont typeface="Arial" charset="0"/>
+              <a:buChar char="•"/>
+            </a:pPr>
+            <a:r>
+              <a:rPr lang="en-GB" b="1" baseline="0" dirty="0" smtClean="0"/>
+              <a:t>Solver</a:t>
+            </a:r>
+          </a:p>
+          <a:p>
+            <a:pPr marL="171450" indent="-171450">
+              <a:buFont typeface="Arial" charset="0"/>
+              <a:buChar char="•"/>
+            </a:pPr>
+            <a:r>
+              <a:rPr lang="en-GB" b="1" baseline="0" dirty="0" err="1" smtClean="0"/>
+              <a:t>Isdh</a:t>
+            </a:r>
+            <a:r>
+              <a:rPr lang="en-GB" b="1" baseline="0" dirty="0" smtClean="0"/>
+              <a:t> (which stands for Initial State …)</a:t>
+            </a:r>
+          </a:p>
+          <a:p>
+            <a:pPr marL="171450" indent="-171450">
+              <a:buFont typeface="Arial" charset="0"/>
+              <a:buChar char="•"/>
+            </a:pPr>
+            <a:r>
+              <a:rPr lang="en-GB" b="1" baseline="0" dirty="0" smtClean="0"/>
+              <a:t>Animation</a:t>
+            </a:r>
+          </a:p>
+          <a:p>
+            <a:pPr marL="0" indent="0">
+              <a:buFont typeface="Arial" charset="0"/>
+              <a:buNone/>
+            </a:pPr>
+            <a:endParaRPr lang="en-GB" b="1" baseline="0" dirty="0" smtClean="0"/>
+          </a:p>
+          <a:p>
+            <a:pPr marL="0" indent="0">
+              <a:buFont typeface="Arial" charset="0"/>
+              <a:buNone/>
+            </a:pPr>
+            <a:r>
+              <a:rPr lang="en-GB" b="0" baseline="0" dirty="0" smtClean="0"/>
+              <a:t>The solver takes an .xml file and outputs 2 lists </a:t>
+            </a:r>
+          </a:p>
+          <a:p>
+            <a:pPr marL="171450" indent="-171450">
+              <a:buFont typeface="Arial" charset="0"/>
+              <a:buChar char="•"/>
+            </a:pPr>
+            <a:r>
+              <a:rPr lang="en-GB" b="0" baseline="0" dirty="0" err="1" smtClean="0"/>
+              <a:t>i_s</a:t>
+            </a:r>
+            <a:r>
+              <a:rPr lang="en-GB" b="0" baseline="0" dirty="0" smtClean="0"/>
+              <a:t> for the initial state</a:t>
+            </a:r>
+          </a:p>
+          <a:p>
+            <a:pPr marL="171450" indent="-171450">
+              <a:buFont typeface="Arial" charset="0"/>
+              <a:buChar char="•"/>
+            </a:pPr>
+            <a:r>
+              <a:rPr lang="en-GB" b="0" baseline="0" dirty="0" err="1" smtClean="0"/>
+              <a:t>D_h</a:t>
+            </a:r>
+            <a:r>
+              <a:rPr lang="en-GB" b="0" baseline="0" dirty="0" smtClean="0"/>
+              <a:t> for the deformation history</a:t>
+            </a:r>
+          </a:p>
+          <a:p>
+            <a:pPr marL="0" indent="0">
+              <a:buFont typeface="Arial" charset="0"/>
+              <a:buNone/>
+            </a:pPr>
+            <a:endParaRPr lang="en-GB" b="0" baseline="0" dirty="0" smtClean="0"/>
+          </a:p>
+          <a:p>
+            <a:pPr marL="0" indent="0">
+              <a:buFont typeface="Arial" charset="0"/>
+              <a:buNone/>
+            </a:pPr>
+            <a:r>
+              <a:rPr lang="en-GB" b="0" baseline="0" dirty="0" smtClean="0"/>
+              <a:t>Then these lists are passed to the animation that outputs a video</a:t>
+            </a:r>
+          </a:p>
+          <a:p>
+            <a:pPr marL="0" indent="0">
+              <a:buFont typeface="Arial" charset="0"/>
+              <a:buNone/>
+            </a:pPr>
+            <a:endParaRPr lang="en-GB" b="0" baseline="0" dirty="0" smtClean="0"/>
+          </a:p>
+          <a:p>
+            <a:pPr marL="0" indent="0">
+              <a:buFont typeface="Arial" charset="0"/>
+              <a:buNone/>
+            </a:pPr>
+            <a:r>
+              <a:rPr lang="en-GB" b="0" baseline="0" dirty="0" smtClean="0"/>
+              <a:t>––––––– RUN ANIMATION ––––––––</a:t>
+            </a:r>
+          </a:p>
+          <a:p>
+            <a:pPr marL="0" indent="0">
+              <a:buFont typeface="Arial" charset="0"/>
+              <a:buNone/>
+            </a:pPr>
+            <a:endParaRPr lang="en-GB" b="0" baseline="0" dirty="0" smtClean="0"/>
+          </a:p>
+          <a:p>
+            <a:pPr marL="0" indent="0">
+              <a:buFont typeface="Arial" charset="0"/>
+              <a:buNone/>
+            </a:pPr>
+            <a:r>
+              <a:rPr lang="en-GB" b="0" baseline="0" dirty="0" smtClean="0"/>
+              <a:t>The </a:t>
+            </a:r>
+            <a:r>
+              <a:rPr lang="en-GB" b="0" baseline="0" dirty="0" err="1" smtClean="0"/>
+              <a:t>i_s</a:t>
+            </a:r>
+            <a:r>
+              <a:rPr lang="en-GB" b="0" baseline="0" dirty="0" smtClean="0"/>
+              <a:t> list is a list of components as defined before</a:t>
+            </a:r>
+          </a:p>
+          <a:p>
+            <a:pPr marL="0" indent="0">
+              <a:buFont typeface="Arial" charset="0"/>
+              <a:buNone/>
+            </a:pPr>
+            <a:r>
+              <a:rPr lang="en-GB" b="0" baseline="0" dirty="0" smtClean="0"/>
+              <a:t>The </a:t>
+            </a:r>
+            <a:r>
+              <a:rPr lang="en-GB" b="0" baseline="0" dirty="0" err="1" smtClean="0"/>
+              <a:t>d_h</a:t>
+            </a:r>
+            <a:r>
+              <a:rPr lang="en-GB" b="0" baseline="0" dirty="0" smtClean="0"/>
+              <a:t> list is a list of dictionaries. Each dictionary corresponds to a solution.</a:t>
+            </a:r>
+          </a:p>
+          <a:p>
+            <a:pPr marL="0" indent="0">
+              <a:buFont typeface="Arial" charset="0"/>
+              <a:buNone/>
+            </a:pPr>
+            <a:r>
+              <a:rPr lang="en-GB" b="0" baseline="0" dirty="0" err="1" smtClean="0"/>
+              <a:t>Whitin</a:t>
+            </a:r>
+            <a:r>
+              <a:rPr lang="en-GB" b="0" baseline="0" dirty="0" smtClean="0"/>
+              <a:t> each dictionary a list of deformation steps is associated to its component</a:t>
+            </a:r>
+          </a:p>
+        </p:txBody>
+      </p:sp>
+      <p:sp>
+        <p:nvSpPr>
+          <p:cNvPr id="4" name="Slide Number Placeholder 3"/>
+          <p:cNvSpPr>
+            <a:spLocks noGrp="1"/>
+          </p:cNvSpPr>
+          <p:nvPr>
+            <p:ph type="sldNum" sz="quarter" idx="10"/>
+          </p:nvPr>
+        </p:nvSpPr>
+        <p:spPr/>
+        <p:txBody>
+          <a:bodyPr/>
+          <a:lstStyle/>
+          <a:p>
+            <a:pPr>
+              <a:defRPr/>
+            </a:pPr>
+            <a:fld id="{00AFC6D0-44D5-4EB7-828F-6F464F83D79A}" type="slidenum">
+              <a:rPr lang="en-GB" smtClean="0"/>
+              <a:pPr>
+                <a:defRPr/>
+              </a:pPr>
+              <a:t>12</a:t>
+            </a:fld>
+            <a:endParaRPr lang="en-GB"/>
+          </a:p>
+        </p:txBody>
+      </p:sp>
+    </p:spTree>
+    <p:extLst>
+      <p:ext uri="{BB962C8B-B14F-4D97-AF65-F5344CB8AC3E}">
+        <p14:creationId xmlns:p14="http://schemas.microsoft.com/office/powerpoint/2010/main" val="697672893"/>
+      </p:ext>
+    </p:extLst>
+  </p:cSld>
+  <p:clrMapOvr>
+    <a:masterClrMapping/>
+  </p:clrMapOvr>
+</p:notes>
+</file>
+
 <file path=ppt/slideLayouts/slideLayout1.xml><?xml version="1.0" encoding="utf-8"?>
 <p:sldLayout xmlns:a="http://schemas.openxmlformats.org/drawingml/2006/main" xmlns:r="http://schemas.openxmlformats.org/officeDocument/2006/relationships" xmlns:p="http://schemas.openxmlformats.org/presentationml/2006/main" preserve="1" userDrawn="1">
   <p:cSld name="Start">
@@ -16008,104 +16564,90 @@
           <a:chExt cx="0" cy="0"/>
         </a:xfrm>
       </p:grpSpPr>
+      <p:pic>
+        <p:nvPicPr>
+          <p:cNvPr id="9" name="Content Placeholder 8"/>
+          <p:cNvPicPr>
+            <a:picLocks noGrp="1" noChangeAspect="1"/>
+          </p:cNvPicPr>
+          <p:nvPr>
+            <p:ph idx="14"/>
+          </p:nvPr>
+        </p:nvPicPr>
+        <p:blipFill>
+          <a:blip r:embed="rId3">
+            <a:extLst>
+              <a:ext uri="{28A0092B-C50C-407E-A947-70E740481C1C}">
+                <a14:useLocalDpi xmlns:a14="http://schemas.microsoft.com/office/drawing/2010/main" val="0"/>
+              </a:ext>
+            </a:extLst>
+          </a:blip>
+          <a:stretch>
+            <a:fillRect/>
+          </a:stretch>
+        </p:blipFill>
+        <p:spPr>
+          <a:xfrm>
+            <a:off x="319088" y="3019738"/>
+            <a:ext cx="4181475" cy="2172662"/>
+          </a:xfrm>
+        </p:spPr>
+      </p:pic>
+      <p:pic>
+        <p:nvPicPr>
+          <p:cNvPr id="10" name="Content Placeholder 9"/>
+          <p:cNvPicPr>
+            <a:picLocks noGrp="1" noChangeAspect="1"/>
+          </p:cNvPicPr>
+          <p:nvPr>
+            <p:ph idx="15"/>
+          </p:nvPr>
+        </p:nvPicPr>
+        <p:blipFill>
+          <a:blip r:embed="rId4">
+            <a:extLst>
+              <a:ext uri="{28A0092B-C50C-407E-A947-70E740481C1C}">
+                <a14:useLocalDpi xmlns:a14="http://schemas.microsoft.com/office/drawing/2010/main" val="0"/>
+              </a:ext>
+            </a:extLst>
+          </a:blip>
+          <a:stretch>
+            <a:fillRect/>
+          </a:stretch>
+        </p:blipFill>
+        <p:spPr>
+          <a:xfrm>
+            <a:off x="4832683" y="1871081"/>
+            <a:ext cx="3720800" cy="4578932"/>
+          </a:xfrm>
+        </p:spPr>
+      </p:pic>
       <p:sp>
         <p:nvSpPr>
-          <p:cNvPr id="2" name="Inhaltsplatzhalter 1"/>
+          <p:cNvPr id="3" name="Footer Placeholder 2"/>
           <p:cNvSpPr>
             <a:spLocks noGrp="1"/>
           </p:cNvSpPr>
           <p:nvPr>
-            <p:ph idx="10"/>
+            <p:ph type="ftr" sz="quarter" idx="17"/>
           </p:nvPr>
         </p:nvSpPr>
-        <p:spPr>
-          <a:xfrm>
-            <a:off x="319088" y="1978720"/>
-            <a:ext cx="8508999" cy="2307530"/>
-          </a:xfrm>
-        </p:spPr>
+        <p:spPr/>
         <p:txBody>
           <a:bodyPr/>
           <a:lstStyle/>
           <a:p>
-            <a:pPr marL="342900" indent="-342900">
-              <a:buFont typeface="Arial" charset="0"/>
-              <a:buChar char="•"/>
-            </a:pPr>
-            <a:r>
-              <a:rPr lang="de-DE" sz="2200" dirty="0" smtClean="0"/>
-              <a:t>Initial </a:t>
-            </a:r>
-            <a:r>
-              <a:rPr lang="de-DE" sz="2200" dirty="0" err="1" smtClean="0"/>
-              <a:t>state</a:t>
-            </a:r>
-            <a:r>
-              <a:rPr lang="de-DE" sz="2200" dirty="0" smtClean="0"/>
-              <a:t> – Deformation </a:t>
-            </a:r>
-            <a:r>
-              <a:rPr lang="de-DE" sz="2200" dirty="0" err="1" smtClean="0"/>
-              <a:t>History</a:t>
-            </a:r>
-            <a:r>
-              <a:rPr lang="de-DE" sz="2200" dirty="0" smtClean="0"/>
-              <a:t> </a:t>
-            </a:r>
-            <a:r>
-              <a:rPr lang="de-DE" sz="2200" dirty="0" err="1" smtClean="0"/>
-              <a:t>interface</a:t>
-            </a:r>
-            <a:endParaRPr lang="de-DE" sz="2200" dirty="0" smtClean="0"/>
-          </a:p>
-          <a:p>
-            <a:pPr marL="342900" indent="-342900">
-              <a:buFont typeface="Arial" charset="0"/>
-              <a:buChar char="•"/>
-            </a:pPr>
-            <a:r>
-              <a:rPr lang="de-DE" sz="2200" dirty="0" smtClean="0">
-                <a:solidFill>
-                  <a:schemeClr val="bg2"/>
-                </a:solidFill>
-              </a:rPr>
-              <a:t>Video </a:t>
-            </a:r>
-            <a:r>
-              <a:rPr lang="de-DE" sz="2200" dirty="0" err="1" smtClean="0">
-                <a:solidFill>
-                  <a:schemeClr val="bg2"/>
-                </a:solidFill>
-              </a:rPr>
-              <a:t>generation</a:t>
-            </a:r>
-            <a:r>
-              <a:rPr lang="de-DE" sz="2200" dirty="0" smtClean="0">
-                <a:solidFill>
-                  <a:schemeClr val="bg2"/>
-                </a:solidFill>
-              </a:rPr>
-              <a:t> </a:t>
-            </a:r>
-            <a:r>
-              <a:rPr lang="de-DE" sz="2200" dirty="0" err="1" smtClean="0">
-                <a:solidFill>
-                  <a:schemeClr val="bg2"/>
-                </a:solidFill>
-              </a:rPr>
-              <a:t>process</a:t>
-            </a:r>
-            <a:endParaRPr lang="de-DE" sz="2200" dirty="0" smtClean="0">
-              <a:solidFill>
-                <a:schemeClr val="bg2"/>
-              </a:solidFill>
-            </a:endParaRPr>
+            <a:r>
+              <a:rPr lang="de-DE" smtClean="0"/>
+              <a:t>Dr. rer. nat. Erika Mustermann (TUM) | kann beliebig erweitert werden | Infos mit Strich trennen</a:t>
+            </a:r>
+            <a:endParaRPr lang="en-US" dirty="0" smtClean="0"/>
           </a:p>
         </p:txBody>
       </p:sp>
       <p:sp>
         <p:nvSpPr>
-          <p:cNvPr id="3" name="Titel 2"/>
+          <p:cNvPr id="4" name="Title 3"/>
           <p:cNvSpPr>
             <a:spLocks noGrp="1"/>
           </p:cNvSpPr>
@@ -16114,59 +16656,183 @@
           </p:nvPr>
         </p:nvSpPr>
         <p:spPr>
-          <a:prstGeom prst="rect">
-            <a:avLst/>
-          </a:prstGeom>
+          <a:xfrm>
+            <a:off x="319091" y="279959"/>
+            <a:ext cx="8508999" cy="410369"/>
+          </a:xfrm>
         </p:spPr>
         <p:txBody>
           <a:bodyPr/>
           <a:lstStyle/>
           <a:p>
-            <a:pPr algn="ctr"/>
-            <a:r>
-              <a:rPr lang="de-DE" sz="3000" dirty="0" smtClean="0"/>
-              <a:t>Progress </a:t>
-            </a:r>
-            <a:r>
-              <a:rPr lang="de-DE" sz="3000" dirty="0" err="1" smtClean="0"/>
-              <a:t>status</a:t>
-            </a:r>
-            <a:r>
-              <a:rPr lang="de-DE" sz="3000" dirty="0" smtClean="0"/>
+            <a:r>
+              <a:rPr lang="de-DE" sz="1800" dirty="0">
+                <a:solidFill>
+                  <a:schemeClr val="bg2"/>
+                </a:solidFill>
+              </a:rPr>
+              <a:t>Initial </a:t>
+            </a:r>
+            <a:r>
+              <a:rPr lang="de-DE" sz="1800" dirty="0" err="1">
+                <a:solidFill>
+                  <a:schemeClr val="bg2"/>
+                </a:solidFill>
+              </a:rPr>
+              <a:t>state</a:t>
+            </a:r>
+            <a:r>
+              <a:rPr lang="de-DE" sz="1800" dirty="0">
+                <a:solidFill>
+                  <a:schemeClr val="bg2"/>
+                </a:solidFill>
+              </a:rPr>
+              <a:t> – Deformation </a:t>
+            </a:r>
+            <a:r>
+              <a:rPr lang="de-DE" sz="1800" dirty="0" err="1">
+                <a:solidFill>
+                  <a:schemeClr val="bg2"/>
+                </a:solidFill>
+              </a:rPr>
+              <a:t>History</a:t>
+            </a:r>
+            <a:r>
+              <a:rPr lang="de-DE" sz="1800" dirty="0">
+                <a:solidFill>
+                  <a:schemeClr val="bg2"/>
+                </a:solidFill>
+              </a:rPr>
               <a:t> </a:t>
             </a:r>
             <a:r>
-              <a:rPr lang="de-DE" sz="3000" dirty="0" err="1" smtClean="0"/>
-              <a:t>of</a:t>
-            </a:r>
-            <a:r>
-              <a:rPr lang="de-DE" sz="3000" dirty="0" smtClean="0"/>
-              <a:t> </a:t>
-            </a:r>
-            <a:r>
-              <a:rPr lang="de-DE" dirty="0" err="1" smtClean="0"/>
-              <a:t>t</a:t>
-            </a:r>
-            <a:r>
-              <a:rPr lang="de-DE" sz="3000" dirty="0" err="1" smtClean="0"/>
-              <a:t>ask</a:t>
-            </a:r>
-            <a:r>
-              <a:rPr lang="de-DE" sz="3000" dirty="0" smtClean="0"/>
-              <a:t> </a:t>
-            </a:r>
-            <a:r>
-              <a:rPr lang="de-DE" dirty="0"/>
-              <a:t>3</a:t>
-            </a:r>
-            <a:endParaRPr lang="de-DE" sz="3000" dirty="0"/>
+              <a:rPr lang="de-DE" sz="1800" dirty="0" err="1" smtClean="0">
+                <a:solidFill>
+                  <a:schemeClr val="bg2"/>
+                </a:solidFill>
+              </a:rPr>
+              <a:t>interface</a:t>
+            </a:r>
+            <a:endParaRPr lang="en-GB" sz="1800" dirty="0">
+              <a:solidFill>
+                <a:schemeClr val="bg2"/>
+              </a:solidFill>
+            </a:endParaRPr>
+          </a:p>
+        </p:txBody>
+      </p:sp>
+      <p:sp>
+        <p:nvSpPr>
+          <p:cNvPr id="6" name="TextBox 5"/>
+          <p:cNvSpPr txBox="1"/>
+          <p:nvPr/>
+        </p:nvSpPr>
+        <p:spPr>
+          <a:xfrm>
+            <a:off x="311161" y="804486"/>
+            <a:ext cx="8516927" cy="526298"/>
+          </a:xfrm>
+          <a:prstGeom prst="rect">
+            <a:avLst/>
+          </a:prstGeom>
+          <a:noFill/>
+        </p:spPr>
+        <p:txBody>
+          <a:bodyPr wrap="square" lIns="0" tIns="0" rIns="0" bIns="0" rtlCol="0">
+            <a:spAutoFit/>
+          </a:bodyPr>
+          <a:lstStyle/>
+          <a:p>
+            <a:pPr>
+              <a:lnSpc>
+                <a:spcPct val="114000"/>
+              </a:lnSpc>
+            </a:pPr>
+            <a:r>
+              <a:rPr lang="en-GB" sz="3000" dirty="0" smtClean="0">
+                <a:latin typeface="+mn-lt"/>
+              </a:rPr>
+              <a:t>Description of a solution</a:t>
+            </a:r>
+          </a:p>
+        </p:txBody>
+      </p:sp>
+      <p:sp>
+        <p:nvSpPr>
+          <p:cNvPr id="7" name="TextBox 6"/>
+          <p:cNvSpPr txBox="1"/>
+          <p:nvPr/>
+        </p:nvSpPr>
+        <p:spPr>
+          <a:xfrm>
+            <a:off x="311161" y="1450068"/>
+            <a:ext cx="4188839" cy="421013"/>
+          </a:xfrm>
+          <a:prstGeom prst="rect">
+            <a:avLst/>
+          </a:prstGeom>
+          <a:noFill/>
+        </p:spPr>
+        <p:txBody>
+          <a:bodyPr wrap="square" lIns="0" tIns="0" rIns="0" bIns="0" rtlCol="0">
+            <a:spAutoFit/>
+          </a:bodyPr>
+          <a:lstStyle/>
+          <a:p>
+            <a:pPr>
+              <a:lnSpc>
+                <a:spcPct val="114000"/>
+              </a:lnSpc>
+            </a:pPr>
+            <a:r>
+              <a:rPr lang="en-GB" sz="2400" dirty="0" smtClean="0">
+                <a:latin typeface="+mn-lt"/>
+              </a:rPr>
+              <a:t>Initial State</a:t>
+            </a:r>
+          </a:p>
+        </p:txBody>
+      </p:sp>
+      <p:sp>
+        <p:nvSpPr>
+          <p:cNvPr id="8" name="TextBox 7"/>
+          <p:cNvSpPr txBox="1"/>
+          <p:nvPr/>
+        </p:nvSpPr>
+        <p:spPr>
+          <a:xfrm>
+            <a:off x="4500000" y="1450068"/>
+            <a:ext cx="4188839" cy="421013"/>
+          </a:xfrm>
+          <a:prstGeom prst="rect">
+            <a:avLst/>
+          </a:prstGeom>
+          <a:noFill/>
+        </p:spPr>
+        <p:txBody>
+          <a:bodyPr wrap="square" lIns="0" tIns="0" rIns="0" bIns="0" rtlCol="0">
+            <a:spAutoFit/>
+          </a:bodyPr>
+          <a:lstStyle/>
+          <a:p>
+            <a:pPr>
+              <a:lnSpc>
+                <a:spcPct val="114000"/>
+              </a:lnSpc>
+            </a:pPr>
+            <a:r>
+              <a:rPr lang="en-GB" sz="2400" dirty="0" smtClean="0">
+                <a:latin typeface="+mn-lt"/>
+              </a:rPr>
+              <a:t>Deformation History</a:t>
+            </a:r>
           </a:p>
         </p:txBody>
       </p:sp>
     </p:spTree>
     <p:extLst>
       <p:ext uri="{BB962C8B-B14F-4D97-AF65-F5344CB8AC3E}">
-        <p14:creationId xmlns:p14="http://schemas.microsoft.com/office/powerpoint/2010/main" val="1270808142"/>
+        <p14:creationId xmlns:p14="http://schemas.microsoft.com/office/powerpoint/2010/main" val="1028111143"/>
       </p:ext>
     </p:extLst>
   </p:cSld>
@@ -16202,50 +16868,30 @@
       </p:grpSpPr>
       <p:sp>
         <p:nvSpPr>
-          <p:cNvPr id="2" name="Inhaltsplatzhalter 1"/>
+          <p:cNvPr id="3" name="Footer Placeholder 2"/>
           <p:cNvSpPr>
             <a:spLocks noGrp="1"/>
           </p:cNvSpPr>
           <p:nvPr>
-            <p:ph idx="10"/>
+            <p:ph type="ftr" sz="quarter" idx="17"/>
           </p:nvPr>
         </p:nvSpPr>
-        <p:spPr>
-          <a:xfrm>
-            <a:off x="319088" y="1978720"/>
-            <a:ext cx="8508999" cy="2307530"/>
-          </a:xfrm>
-        </p:spPr>
+        <p:spPr/>
         <p:txBody>
           <a:bodyPr/>
           <a:lstStyle/>
           <a:p>
-            <a:pPr marL="342900" indent="-342900">
-              <a:buFont typeface="Arial" charset="0"/>
-              <a:buChar char="•"/>
-            </a:pPr>
-            <a:r>
-              <a:rPr lang="de-DE" sz="2200" dirty="0" smtClean="0"/>
-              <a:t>Task </a:t>
-            </a:r>
-            <a:r>
-              <a:rPr lang="de-DE" sz="2200" dirty="0" err="1" smtClean="0"/>
-              <a:t>description</a:t>
-            </a:r>
-            <a:endParaRPr lang="de-DE" sz="2200" dirty="0" smtClean="0"/>
-          </a:p>
-          <a:p>
-            <a:pPr marL="342900" indent="-342900">
-              <a:buFont typeface="Arial" charset="0"/>
-              <a:buChar char="•"/>
-            </a:pPr>
-            <a:endParaRPr lang="de-DE" sz="2200" dirty="0" smtClean="0"/>
+            <a:r>
+              <a:rPr lang="de-DE" smtClean="0"/>
+              <a:t>Dr. rer. nat. Erika Mustermann (TUM) | kann beliebig erweitert werden | Infos mit Strich trennen</a:t>
+            </a:r>
+            <a:endParaRPr lang="en-US" dirty="0" smtClean="0"/>
           </a:p>
         </p:txBody>
       </p:sp>
       <p:sp>
         <p:nvSpPr>
-          <p:cNvPr id="3" name="Titel 2"/>
+          <p:cNvPr id="4" name="Title 3"/>
           <p:cNvSpPr>
             <a:spLocks noGrp="1"/>
           </p:cNvSpPr>
@@ -16254,31 +16900,241 @@
           </p:nvPr>
         </p:nvSpPr>
         <p:spPr>
-          <a:prstGeom prst="rect">
-            <a:avLst/>
-          </a:prstGeom>
+          <a:xfrm>
+            <a:off x="319091" y="279959"/>
+            <a:ext cx="8508999" cy="410369"/>
+          </a:xfrm>
         </p:spPr>
         <p:txBody>
           <a:bodyPr/>
           <a:lstStyle/>
           <a:p>
-            <a:pPr algn="ctr"/>
-            <a:r>
-              <a:rPr lang="de-DE" dirty="0"/>
-              <a:t>T</a:t>
-            </a:r>
-            <a:r>
-              <a:rPr lang="de-DE" dirty="0" smtClean="0"/>
-              <a:t>ask 2</a:t>
-            </a:r>
-            <a:endParaRPr lang="de-DE" sz="3000" dirty="0"/>
+            <a:r>
+              <a:rPr lang="de-DE" sz="1800" dirty="0">
+                <a:solidFill>
+                  <a:schemeClr val="bg2"/>
+                </a:solidFill>
+              </a:rPr>
+              <a:t>Initial </a:t>
+            </a:r>
+            <a:r>
+              <a:rPr lang="de-DE" sz="1800" dirty="0" err="1">
+                <a:solidFill>
+                  <a:schemeClr val="bg2"/>
+                </a:solidFill>
+              </a:rPr>
+              <a:t>state</a:t>
+            </a:r>
+            <a:r>
+              <a:rPr lang="de-DE" sz="1800" dirty="0">
+                <a:solidFill>
+                  <a:schemeClr val="bg2"/>
+                </a:solidFill>
+              </a:rPr>
+              <a:t> – Deformation </a:t>
+            </a:r>
+            <a:r>
+              <a:rPr lang="de-DE" sz="1800" dirty="0" err="1">
+                <a:solidFill>
+                  <a:schemeClr val="bg2"/>
+                </a:solidFill>
+              </a:rPr>
+              <a:t>History</a:t>
+            </a:r>
+            <a:r>
+              <a:rPr lang="de-DE" sz="1800" dirty="0">
+                <a:solidFill>
+                  <a:schemeClr val="bg2"/>
+                </a:solidFill>
+              </a:rPr>
+              <a:t> </a:t>
+            </a:r>
+            <a:r>
+              <a:rPr lang="de-DE" sz="1800" dirty="0" err="1" smtClean="0">
+                <a:solidFill>
+                  <a:schemeClr val="bg2"/>
+                </a:solidFill>
+              </a:rPr>
+              <a:t>interface</a:t>
+            </a:r>
+            <a:endParaRPr lang="en-GB" sz="1800" dirty="0">
+              <a:solidFill>
+                <a:schemeClr val="bg2"/>
+              </a:solidFill>
+            </a:endParaRPr>
           </a:p>
         </p:txBody>
       </p:sp>
+      <p:sp>
+        <p:nvSpPr>
+          <p:cNvPr id="6" name="TextBox 5"/>
+          <p:cNvSpPr txBox="1"/>
+          <p:nvPr/>
+        </p:nvSpPr>
+        <p:spPr>
+          <a:xfrm>
+            <a:off x="311161" y="804486"/>
+            <a:ext cx="8516927" cy="526298"/>
+          </a:xfrm>
+          <a:prstGeom prst="rect">
+            <a:avLst/>
+          </a:prstGeom>
+          <a:noFill/>
+        </p:spPr>
+        <p:txBody>
+          <a:bodyPr wrap="square" lIns="0" tIns="0" rIns="0" bIns="0" rtlCol="0">
+            <a:spAutoFit/>
+          </a:bodyPr>
+          <a:lstStyle/>
+          <a:p>
+            <a:pPr>
+              <a:lnSpc>
+                <a:spcPct val="114000"/>
+              </a:lnSpc>
+            </a:pPr>
+            <a:r>
+              <a:rPr lang="en-GB" sz="3000" dirty="0" smtClean="0">
+                <a:latin typeface="+mn-lt"/>
+              </a:rPr>
+              <a:t>Description of a solution</a:t>
+            </a:r>
+          </a:p>
+        </p:txBody>
+      </p:sp>
+      <p:sp>
+        <p:nvSpPr>
+          <p:cNvPr id="7" name="TextBox 6"/>
+          <p:cNvSpPr txBox="1"/>
+          <p:nvPr/>
+        </p:nvSpPr>
+        <p:spPr>
+          <a:xfrm>
+            <a:off x="311161" y="1450068"/>
+            <a:ext cx="4188839" cy="421013"/>
+          </a:xfrm>
+          <a:prstGeom prst="rect">
+            <a:avLst/>
+          </a:prstGeom>
+          <a:noFill/>
+        </p:spPr>
+        <p:txBody>
+          <a:bodyPr wrap="square" lIns="0" tIns="0" rIns="0" bIns="0" rtlCol="0">
+            <a:spAutoFit/>
+          </a:bodyPr>
+          <a:lstStyle/>
+          <a:p>
+            <a:pPr>
+              <a:lnSpc>
+                <a:spcPct val="114000"/>
+              </a:lnSpc>
+            </a:pPr>
+            <a:r>
+              <a:rPr lang="en-GB" sz="2400" dirty="0" smtClean="0">
+                <a:latin typeface="+mn-lt"/>
+              </a:rPr>
+              <a:t>Initial State</a:t>
+            </a:r>
+          </a:p>
+        </p:txBody>
+      </p:sp>
+      <p:sp>
+        <p:nvSpPr>
+          <p:cNvPr id="8" name="TextBox 7"/>
+          <p:cNvSpPr txBox="1"/>
+          <p:nvPr/>
+        </p:nvSpPr>
+        <p:spPr>
+          <a:xfrm>
+            <a:off x="4500000" y="1450068"/>
+            <a:ext cx="4188839" cy="421013"/>
+          </a:xfrm>
+          <a:prstGeom prst="rect">
+            <a:avLst/>
+          </a:prstGeom>
+          <a:noFill/>
+        </p:spPr>
+        <p:txBody>
+          <a:bodyPr wrap="square" lIns="0" tIns="0" rIns="0" bIns="0" rtlCol="0">
+            <a:spAutoFit/>
+          </a:bodyPr>
+          <a:lstStyle/>
+          <a:p>
+            <a:pPr>
+              <a:lnSpc>
+                <a:spcPct val="114000"/>
+              </a:lnSpc>
+            </a:pPr>
+            <a:r>
+              <a:rPr lang="en-GB" sz="2400" dirty="0" smtClean="0">
+                <a:latin typeface="+mn-lt"/>
+              </a:rPr>
+              <a:t>Deformation History</a:t>
+            </a:r>
+          </a:p>
+        </p:txBody>
+      </p:sp>
+      <p:pic>
+        <p:nvPicPr>
+          <p:cNvPr id="5" name="Content Placeholder 4"/>
+          <p:cNvPicPr>
+            <a:picLocks noGrp="1" noChangeAspect="1"/>
+          </p:cNvPicPr>
+          <p:nvPr>
+            <p:ph idx="14"/>
+          </p:nvPr>
+        </p:nvPicPr>
+        <p:blipFill>
+          <a:blip r:embed="rId3">
+            <a:extLst>
+              <a:ext uri="{28A0092B-C50C-407E-A947-70E740481C1C}">
+                <a14:useLocalDpi xmlns:a14="http://schemas.microsoft.com/office/drawing/2010/main" val="0"/>
+              </a:ext>
+            </a:extLst>
+          </a:blip>
+          <a:stretch>
+            <a:fillRect/>
+          </a:stretch>
+        </p:blipFill>
+        <p:spPr>
+          <a:xfrm>
+            <a:off x="689932" y="2335832"/>
+            <a:ext cx="3431295" cy="3540473"/>
+          </a:xfrm>
+        </p:spPr>
+      </p:pic>
+      <p:pic>
+        <p:nvPicPr>
+          <p:cNvPr id="12" name="Content Placeholder 11"/>
+          <p:cNvPicPr>
+            <a:picLocks noGrp="1" noChangeAspect="1"/>
+          </p:cNvPicPr>
+          <p:nvPr>
+            <p:ph idx="15"/>
+          </p:nvPr>
+        </p:nvPicPr>
+        <p:blipFill>
+          <a:blip r:embed="rId4">
+            <a:extLst>
+              <a:ext uri="{28A0092B-C50C-407E-A947-70E740481C1C}">
+                <a14:useLocalDpi xmlns:a14="http://schemas.microsoft.com/office/drawing/2010/main" val="0"/>
+              </a:ext>
+            </a:extLst>
+          </a:blip>
+          <a:stretch>
+            <a:fillRect/>
+          </a:stretch>
+        </p:blipFill>
+        <p:spPr>
+          <a:xfrm>
+            <a:off x="4878771" y="2335831"/>
+            <a:ext cx="3431296" cy="3540473"/>
+          </a:xfrm>
+        </p:spPr>
+      </p:pic>
     </p:spTree>
     <p:extLst>
       <p:ext uri="{BB962C8B-B14F-4D97-AF65-F5344CB8AC3E}">
-        <p14:creationId xmlns:p14="http://schemas.microsoft.com/office/powerpoint/2010/main" val="1139264286"/>
+        <p14:creationId xmlns:p14="http://schemas.microsoft.com/office/powerpoint/2010/main" val="1925824542"/>
       </p:ext>
     </p:extLst>
   </p:cSld>
@@ -16314,394 +17170,701 @@
       </p:grpSpPr>
       <p:sp>
         <p:nvSpPr>
-          <p:cNvPr id="2" name="Inhaltsplatzhalter 1"/>
+          <p:cNvPr id="3" name="Footer Placeholder 2"/>
           <p:cNvSpPr>
             <a:spLocks noGrp="1"/>
           </p:cNvSpPr>
           <p:nvPr>
-            <p:ph idx="10"/>
+            <p:ph type="ftr" sz="quarter" idx="12"/>
           </p:nvPr>
         </p:nvSpPr>
-        <p:spPr>
-          <a:xfrm>
-            <a:off x="319088" y="1978720"/>
-            <a:ext cx="8508999" cy="2307530"/>
-          </a:xfrm>
-        </p:spPr>
+        <p:spPr/>
         <p:txBody>
           <a:bodyPr/>
           <a:lstStyle/>
           <a:p>
-            <a:pPr marL="342900" marR="0" lvl="0" indent="-342900" defTabSz="914400" eaLnBrk="1" fontAlgn="auto" latinLnBrk="0" hangingPunct="1">
-              <a:lnSpc>
-                <a:spcPct val="100000"/>
-              </a:lnSpc>
-              <a:spcBef>
-                <a:spcPts val="0"/>
-              </a:spcBef>
-              <a:spcAft>
-                <a:spcPts val="0"/>
-              </a:spcAft>
-              <a:buClrTx/>
-              <a:buSzTx/>
-              <a:buFont typeface="Arial" charset="0"/>
-              <a:buChar char="•"/>
-              <a:tabLst/>
-              <a:defRPr/>
-            </a:pPr>
-            <a:r>
-              <a:rPr lang="de-DE" sz="2200" dirty="0" err="1" smtClean="0"/>
-              <a:t>Implement</a:t>
-            </a:r>
-            <a:r>
-              <a:rPr lang="de-DE" sz="2200" dirty="0" smtClean="0"/>
-              <a:t> </a:t>
-            </a:r>
-            <a:r>
-              <a:rPr lang="de-DE" sz="2200" dirty="0" err="1" smtClean="0"/>
-              <a:t>gaps</a:t>
-            </a:r>
-            <a:r>
-              <a:rPr lang="de-DE" sz="2200" dirty="0" smtClean="0"/>
-              <a:t>, rigid </a:t>
-            </a:r>
-            <a:r>
-              <a:rPr lang="de-DE" sz="2200" dirty="0" err="1" smtClean="0"/>
-              <a:t>members</a:t>
-            </a:r>
-            <a:r>
-              <a:rPr lang="de-DE" sz="2200" dirty="0" smtClean="0"/>
-              <a:t> (TASK 1)</a:t>
-            </a:r>
-          </a:p>
-          <a:p>
-            <a:pPr marL="342900" marR="0" lvl="0" indent="-342900" defTabSz="914400" eaLnBrk="1" fontAlgn="auto" latinLnBrk="0" hangingPunct="1">
-              <a:lnSpc>
-                <a:spcPct val="100000"/>
-              </a:lnSpc>
-              <a:spcBef>
-                <a:spcPts val="0"/>
-              </a:spcBef>
-              <a:spcAft>
-                <a:spcPts val="0"/>
-              </a:spcAft>
-              <a:buClrTx/>
-              <a:buSzTx/>
-              <a:buFont typeface="Arial" charset="0"/>
-              <a:buChar char="•"/>
-              <a:tabLst/>
-              <a:defRPr/>
-            </a:pPr>
-            <a:r>
-              <a:rPr lang="de-DE" sz="2200" dirty="0" err="1" smtClean="0"/>
-              <a:t>Implement</a:t>
-            </a:r>
-            <a:r>
-              <a:rPr lang="de-DE" sz="2200" dirty="0" smtClean="0"/>
-              <a:t> </a:t>
-            </a:r>
-            <a:r>
-              <a:rPr lang="de-DE" sz="2200" dirty="0" err="1" smtClean="0"/>
-              <a:t>the</a:t>
-            </a:r>
-            <a:r>
-              <a:rPr lang="de-DE" sz="2200" dirty="0" smtClean="0"/>
-              <a:t> </a:t>
-            </a:r>
-            <a:r>
-              <a:rPr lang="de-DE" sz="2200" dirty="0" err="1" smtClean="0"/>
-              <a:t>possibility</a:t>
-            </a:r>
-            <a:r>
-              <a:rPr lang="de-DE" sz="2200" dirty="0" smtClean="0"/>
-              <a:t> </a:t>
-            </a:r>
-            <a:r>
-              <a:rPr lang="de-DE" sz="2200" dirty="0" err="1" smtClean="0"/>
-              <a:t>for</a:t>
-            </a:r>
-            <a:r>
-              <a:rPr lang="de-DE" sz="2200" dirty="0" smtClean="0"/>
-              <a:t> </a:t>
-            </a:r>
-            <a:r>
-              <a:rPr lang="de-DE" sz="2200" dirty="0" err="1" smtClean="0"/>
-              <a:t>the</a:t>
-            </a:r>
-            <a:r>
-              <a:rPr lang="de-DE" sz="2200" dirty="0" smtClean="0"/>
-              <a:t> </a:t>
-            </a:r>
-            <a:r>
-              <a:rPr lang="de-DE" sz="2200" dirty="0" err="1" smtClean="0"/>
-              <a:t>user</a:t>
-            </a:r>
-            <a:r>
-              <a:rPr lang="de-DE" sz="2200" dirty="0" smtClean="0"/>
-              <a:t> </a:t>
-            </a:r>
-            <a:r>
-              <a:rPr lang="de-DE" sz="2200" dirty="0" err="1" smtClean="0"/>
-              <a:t>to</a:t>
-            </a:r>
-            <a:r>
-              <a:rPr lang="de-DE" sz="2200" dirty="0" smtClean="0"/>
-              <a:t> </a:t>
-            </a:r>
-            <a:r>
-              <a:rPr lang="de-DE" sz="2200" dirty="0" err="1" smtClean="0"/>
-              <a:t>access</a:t>
-            </a:r>
-            <a:r>
-              <a:rPr lang="de-DE" sz="2200" dirty="0" smtClean="0"/>
-              <a:t> </a:t>
-            </a:r>
-            <a:r>
-              <a:rPr lang="de-DE" sz="2200" dirty="0" err="1" smtClean="0"/>
-              <a:t>the</a:t>
-            </a:r>
-            <a:r>
-              <a:rPr lang="de-DE" sz="2200" dirty="0" smtClean="0"/>
-              <a:t> </a:t>
-            </a:r>
-            <a:r>
-              <a:rPr lang="de-DE" sz="2200" dirty="0" err="1" smtClean="0"/>
-              <a:t>solutions</a:t>
-            </a:r>
-            <a:r>
-              <a:rPr lang="de-DE" sz="2200" dirty="0" smtClean="0"/>
-              <a:t> in a </a:t>
-            </a:r>
-            <a:r>
-              <a:rPr lang="de-DE" sz="2200" dirty="0" err="1" smtClean="0"/>
-              <a:t>way</a:t>
-            </a:r>
-            <a:r>
-              <a:rPr lang="de-DE" sz="2200" dirty="0" smtClean="0"/>
-              <a:t> different </a:t>
-            </a:r>
-            <a:r>
-              <a:rPr lang="de-DE" sz="2200" dirty="0" err="1" smtClean="0"/>
-              <a:t>from</a:t>
-            </a:r>
-            <a:r>
-              <a:rPr lang="de-DE" sz="2200" dirty="0" smtClean="0"/>
-              <a:t> a </a:t>
-            </a:r>
-            <a:r>
-              <a:rPr lang="de-DE" sz="2200" dirty="0" err="1" smtClean="0"/>
-              <a:t>long</a:t>
-            </a:r>
-            <a:r>
-              <a:rPr lang="de-DE" sz="2200" dirty="0" smtClean="0"/>
-              <a:t> </a:t>
-            </a:r>
-            <a:r>
-              <a:rPr lang="de-DE" sz="2200" dirty="0" err="1" smtClean="0"/>
-              <a:t>list</a:t>
-            </a:r>
-            <a:r>
-              <a:rPr lang="de-DE" sz="2200" dirty="0" smtClean="0"/>
-              <a:t> (TASK 1)</a:t>
-            </a:r>
-          </a:p>
-          <a:p>
-            <a:pPr marL="342900" marR="0" lvl="0" indent="-342900" defTabSz="914400" eaLnBrk="1" fontAlgn="auto" latinLnBrk="0" hangingPunct="1">
-              <a:lnSpc>
-                <a:spcPct val="100000"/>
-              </a:lnSpc>
-              <a:spcBef>
-                <a:spcPts val="0"/>
-              </a:spcBef>
-              <a:spcAft>
-                <a:spcPts val="0"/>
-              </a:spcAft>
-              <a:buClrTx/>
-              <a:buSzTx/>
-              <a:buFont typeface="Arial" charset="0"/>
-              <a:buChar char="•"/>
-              <a:tabLst/>
-              <a:defRPr/>
-            </a:pPr>
-            <a:r>
-              <a:rPr lang="de-DE" sz="2200" dirty="0" err="1" smtClean="0"/>
-              <a:t>Extend</a:t>
-            </a:r>
-            <a:r>
-              <a:rPr lang="de-DE" sz="2200" dirty="0" smtClean="0"/>
-              <a:t> </a:t>
-            </a:r>
-            <a:r>
-              <a:rPr lang="de-DE" sz="2200" dirty="0" err="1" smtClean="0"/>
-              <a:t>the</a:t>
-            </a:r>
-            <a:r>
-              <a:rPr lang="de-DE" sz="2200" dirty="0" smtClean="0"/>
-              <a:t> </a:t>
-            </a:r>
-            <a:r>
-              <a:rPr lang="de-DE" sz="2200" dirty="0" err="1" smtClean="0"/>
-              <a:t>possibility</a:t>
-            </a:r>
-            <a:r>
-              <a:rPr lang="de-DE" sz="2200" dirty="0" smtClean="0"/>
-              <a:t>, </a:t>
-            </a:r>
-            <a:r>
-              <a:rPr lang="de-DE" sz="2200" dirty="0" err="1" smtClean="0"/>
-              <a:t>to</a:t>
-            </a:r>
-            <a:r>
-              <a:rPr lang="de-DE" sz="2200" dirty="0" smtClean="0"/>
-              <a:t> </a:t>
-            </a:r>
-            <a:r>
-              <a:rPr lang="de-DE" sz="2200" dirty="0" err="1" smtClean="0"/>
-              <a:t>generate</a:t>
-            </a:r>
-            <a:r>
-              <a:rPr lang="de-DE" sz="2200" dirty="0" smtClean="0"/>
-              <a:t> </a:t>
-            </a:r>
-            <a:r>
-              <a:rPr lang="de-DE" sz="2200" dirty="0" err="1" smtClean="0"/>
-              <a:t>videos</a:t>
-            </a:r>
-            <a:r>
-              <a:rPr lang="de-DE" sz="2200" dirty="0" smtClean="0"/>
-              <a:t> </a:t>
-            </a:r>
-            <a:r>
-              <a:rPr lang="de-DE" sz="2200" dirty="0" err="1" smtClean="0"/>
-              <a:t>directly</a:t>
-            </a:r>
-            <a:r>
-              <a:rPr lang="de-DE" sz="2200" dirty="0" smtClean="0"/>
-              <a:t> </a:t>
-            </a:r>
-            <a:r>
-              <a:rPr lang="de-DE" sz="2200" dirty="0" err="1" smtClean="0"/>
-              <a:t>from</a:t>
-            </a:r>
-            <a:r>
-              <a:rPr lang="de-DE" sz="2200" dirty="0" smtClean="0"/>
-              <a:t> </a:t>
-            </a:r>
-            <a:r>
-              <a:rPr lang="de-DE" sz="2200" dirty="0" err="1" smtClean="0"/>
-              <a:t>the</a:t>
-            </a:r>
-            <a:r>
-              <a:rPr lang="de-DE" sz="2200" dirty="0" smtClean="0"/>
-              <a:t> </a:t>
-            </a:r>
-            <a:r>
-              <a:rPr lang="de-DE" sz="2200" dirty="0" err="1" smtClean="0"/>
-              <a:t>solutions</a:t>
-            </a:r>
-            <a:r>
-              <a:rPr lang="de-DE" sz="2200" dirty="0" smtClean="0"/>
-              <a:t>, </a:t>
-            </a:r>
-            <a:r>
-              <a:rPr lang="de-DE" sz="2200" dirty="0" err="1" smtClean="0"/>
-              <a:t>to</a:t>
-            </a:r>
-            <a:r>
-              <a:rPr lang="de-DE" sz="2200" dirty="0" smtClean="0"/>
-              <a:t> </a:t>
-            </a:r>
-            <a:r>
-              <a:rPr lang="de-DE" sz="2200" dirty="0" err="1" smtClean="0"/>
-              <a:t>structures</a:t>
-            </a:r>
-            <a:r>
-              <a:rPr lang="de-DE" sz="2200" dirty="0" smtClean="0"/>
-              <a:t> </a:t>
-            </a:r>
-            <a:r>
-              <a:rPr lang="de-DE" sz="2200" dirty="0" err="1" smtClean="0"/>
-              <a:t>with</a:t>
-            </a:r>
-            <a:r>
-              <a:rPr lang="de-DE" sz="2200" dirty="0" smtClean="0"/>
-              <a:t> </a:t>
-            </a:r>
-            <a:r>
-              <a:rPr lang="de-DE" sz="2200" dirty="0" err="1" smtClean="0"/>
-              <a:t>connections</a:t>
-            </a:r>
-            <a:r>
-              <a:rPr lang="de-DE" sz="2200" dirty="0" smtClean="0"/>
-              <a:t> (TASK 3)</a:t>
-            </a:r>
-          </a:p>
-          <a:p>
-            <a:pPr marL="342900" marR="0" lvl="0" indent="-342900" defTabSz="914400" eaLnBrk="1" fontAlgn="auto" latinLnBrk="0" hangingPunct="1">
-              <a:lnSpc>
-                <a:spcPct val="100000"/>
-              </a:lnSpc>
-              <a:spcBef>
-                <a:spcPts val="0"/>
-              </a:spcBef>
-              <a:spcAft>
-                <a:spcPts val="0"/>
-              </a:spcAft>
-              <a:buClrTx/>
-              <a:buSzTx/>
-              <a:buFont typeface="Arial" charset="0"/>
-              <a:buChar char="•"/>
-              <a:tabLst/>
-              <a:defRPr/>
-            </a:pPr>
-            <a:r>
-              <a:rPr lang="de-DE" sz="2200" dirty="0" err="1" smtClean="0"/>
-              <a:t>Solve</a:t>
-            </a:r>
-            <a:r>
-              <a:rPr lang="de-DE" sz="2200" smtClean="0"/>
-              <a:t> TASK 2</a:t>
-            </a:r>
-            <a:endParaRPr lang="de-DE" sz="2200" dirty="0" smtClean="0"/>
+            <a:r>
+              <a:rPr lang="de-DE" smtClean="0"/>
+              <a:t>Dr. rer. nat. Erika Mustermann (TUM) | kann beliebig erweitert werden | Infos mit Strich trennen</a:t>
+            </a:r>
+            <a:endParaRPr lang="en-US" dirty="0" smtClean="0"/>
           </a:p>
         </p:txBody>
       </p:sp>
       <p:sp>
         <p:nvSpPr>
-          <p:cNvPr id="3" name="Titel 2"/>
-          <p:cNvSpPr>
-            <a:spLocks noGrp="1"/>
-          </p:cNvSpPr>
-          <p:nvPr>
-            <p:ph type="title"/>
-          </p:nvPr>
+          <p:cNvPr id="6" name="TextBox 5"/>
+          <p:cNvSpPr txBox="1"/>
+          <p:nvPr/>
         </p:nvSpPr>
         <p:spPr>
+          <a:xfrm>
+            <a:off x="311161" y="790198"/>
+            <a:ext cx="8516927" cy="526298"/>
+          </a:xfrm>
           <a:prstGeom prst="rect">
             <a:avLst/>
           </a:prstGeom>
+          <a:noFill/>
         </p:spPr>
         <p:txBody>
-          <a:bodyPr/>
+          <a:bodyPr wrap="square" lIns="0" tIns="0" rIns="0" bIns="0" rtlCol="0">
+            <a:spAutoFit/>
+          </a:bodyPr>
           <a:lstStyle/>
           <a:p>
-            <a:pPr algn="ctr"/>
-            <a:r>
-              <a:rPr lang="de-DE" dirty="0" smtClean="0"/>
-              <a:t>Next </a:t>
-            </a:r>
-            <a:r>
-              <a:rPr lang="de-DE" dirty="0" err="1" smtClean="0"/>
-              <a:t>steps</a:t>
-            </a:r>
-            <a:endParaRPr lang="de-DE" sz="3000" dirty="0"/>
+            <a:pPr>
+              <a:lnSpc>
+                <a:spcPct val="114000"/>
+              </a:lnSpc>
+            </a:pPr>
+            <a:r>
+              <a:rPr lang="en-GB" sz="3000" dirty="0" smtClean="0">
+                <a:latin typeface="+mn-lt"/>
+              </a:rPr>
+              <a:t>Our package</a:t>
+            </a:r>
+          </a:p>
+        </p:txBody>
+      </p:sp>
+      <p:sp>
+        <p:nvSpPr>
+          <p:cNvPr id="9" name="Title 3"/>
+          <p:cNvSpPr txBox="1">
+            <a:spLocks/>
+          </p:cNvSpPr>
+          <p:nvPr/>
+        </p:nvSpPr>
+        <p:spPr>
+          <a:xfrm>
+            <a:off x="319089" y="280800"/>
+            <a:ext cx="8508999" cy="410369"/>
+          </a:xfrm>
+          <a:prstGeom prst="rect">
+            <a:avLst/>
+          </a:prstGeom>
+          <a:noFill/>
+          <a:ln w="9525">
+            <a:noFill/>
+            <a:miter lim="800000"/>
+            <a:headEnd/>
+            <a:tailEnd/>
+          </a:ln>
+        </p:spPr>
+        <p:txBody>
+          <a:bodyPr vert="horz" wrap="square" lIns="0" tIns="0" rIns="0" bIns="0" numCol="1" anchor="t" anchorCtr="0" compatLnSpc="1">
+            <a:prstTxWarp prst="textNoShape">
+              <a:avLst/>
+            </a:prstTxWarp>
+            <a:spAutoFit/>
+          </a:bodyPr>
+          <a:lstStyle>
+            <a:lvl1pPr algn="l" rtl="0" eaLnBrk="0" fontAlgn="base" hangingPunct="0">
+              <a:lnSpc>
+                <a:spcPts val="3200"/>
+              </a:lnSpc>
+              <a:spcBef>
+                <a:spcPct val="0"/>
+              </a:spcBef>
+              <a:spcAft>
+                <a:spcPct val="0"/>
+              </a:spcAft>
+              <a:defRPr lang="de-DE" sz="3000" b="0" kern="1200" noProof="0" dirty="0">
+                <a:solidFill>
+                  <a:schemeClr val="tx1"/>
+                </a:solidFill>
+                <a:latin typeface="+mj-lt"/>
+                <a:ea typeface="+mj-ea"/>
+                <a:cs typeface="+mj-cs"/>
+              </a:defRPr>
+            </a:lvl1pPr>
+            <a:lvl2pPr algn="l" rtl="0" eaLnBrk="0" fontAlgn="base" hangingPunct="0">
+              <a:spcBef>
+                <a:spcPct val="0"/>
+              </a:spcBef>
+              <a:spcAft>
+                <a:spcPct val="0"/>
+              </a:spcAft>
+              <a:defRPr sz="2000" b="1">
+                <a:solidFill>
+                  <a:schemeClr val="tx2"/>
+                </a:solidFill>
+                <a:latin typeface="Arial" charset="0"/>
+                <a:cs typeface="Arial" charset="0"/>
+              </a:defRPr>
+            </a:lvl2pPr>
+            <a:lvl3pPr algn="l" rtl="0" eaLnBrk="0" fontAlgn="base" hangingPunct="0">
+              <a:spcBef>
+                <a:spcPct val="0"/>
+              </a:spcBef>
+              <a:spcAft>
+                <a:spcPct val="0"/>
+              </a:spcAft>
+              <a:defRPr sz="2000" b="1">
+                <a:solidFill>
+                  <a:schemeClr val="tx2"/>
+                </a:solidFill>
+                <a:latin typeface="Arial" charset="0"/>
+                <a:cs typeface="Arial" charset="0"/>
+              </a:defRPr>
+            </a:lvl3pPr>
+            <a:lvl4pPr algn="l" rtl="0" eaLnBrk="0" fontAlgn="base" hangingPunct="0">
+              <a:spcBef>
+                <a:spcPct val="0"/>
+              </a:spcBef>
+              <a:spcAft>
+                <a:spcPct val="0"/>
+              </a:spcAft>
+              <a:defRPr sz="2000" b="1">
+                <a:solidFill>
+                  <a:schemeClr val="tx2"/>
+                </a:solidFill>
+                <a:latin typeface="Arial" charset="0"/>
+                <a:cs typeface="Arial" charset="0"/>
+              </a:defRPr>
+            </a:lvl4pPr>
+            <a:lvl5pPr algn="l" rtl="0" eaLnBrk="0" fontAlgn="base" hangingPunct="0">
+              <a:spcBef>
+                <a:spcPct val="0"/>
+              </a:spcBef>
+              <a:spcAft>
+                <a:spcPct val="0"/>
+              </a:spcAft>
+              <a:defRPr sz="2000" b="1">
+                <a:solidFill>
+                  <a:schemeClr val="tx2"/>
+                </a:solidFill>
+                <a:latin typeface="Arial" charset="0"/>
+                <a:cs typeface="Arial" charset="0"/>
+              </a:defRPr>
+            </a:lvl5pPr>
+            <a:lvl6pPr marL="457200" algn="l" rtl="0" fontAlgn="base">
+              <a:spcBef>
+                <a:spcPct val="0"/>
+              </a:spcBef>
+              <a:spcAft>
+                <a:spcPct val="0"/>
+              </a:spcAft>
+              <a:defRPr sz="2000" b="1">
+                <a:solidFill>
+                  <a:schemeClr val="tx2"/>
+                </a:solidFill>
+                <a:latin typeface="Arial" charset="0"/>
+                <a:cs typeface="Arial" charset="0"/>
+              </a:defRPr>
+            </a:lvl6pPr>
+            <a:lvl7pPr marL="914400" algn="l" rtl="0" fontAlgn="base">
+              <a:spcBef>
+                <a:spcPct val="0"/>
+              </a:spcBef>
+              <a:spcAft>
+                <a:spcPct val="0"/>
+              </a:spcAft>
+              <a:defRPr sz="2000" b="1">
+                <a:solidFill>
+                  <a:schemeClr val="tx2"/>
+                </a:solidFill>
+                <a:latin typeface="Arial" charset="0"/>
+                <a:cs typeface="Arial" charset="0"/>
+              </a:defRPr>
+            </a:lvl7pPr>
+            <a:lvl8pPr marL="1371600" algn="l" rtl="0" fontAlgn="base">
+              <a:spcBef>
+                <a:spcPct val="0"/>
+              </a:spcBef>
+              <a:spcAft>
+                <a:spcPct val="0"/>
+              </a:spcAft>
+              <a:defRPr sz="2000" b="1">
+                <a:solidFill>
+                  <a:schemeClr val="tx2"/>
+                </a:solidFill>
+                <a:latin typeface="Arial" charset="0"/>
+                <a:cs typeface="Arial" charset="0"/>
+              </a:defRPr>
+            </a:lvl8pPr>
+            <a:lvl9pPr marL="1828800" algn="l" rtl="0" fontAlgn="base">
+              <a:spcBef>
+                <a:spcPct val="0"/>
+              </a:spcBef>
+              <a:spcAft>
+                <a:spcPct val="0"/>
+              </a:spcAft>
+              <a:defRPr sz="2000" b="1">
+                <a:solidFill>
+                  <a:schemeClr val="tx2"/>
+                </a:solidFill>
+                <a:latin typeface="Arial" charset="0"/>
+                <a:cs typeface="Arial" charset="0"/>
+              </a:defRPr>
+            </a:lvl9pPr>
+          </a:lstStyle>
+          <a:p>
+            <a:r>
+              <a:rPr lang="de-DE" sz="1800" smtClean="0">
+                <a:solidFill>
+                  <a:schemeClr val="bg2"/>
+                </a:solidFill>
+              </a:rPr>
+              <a:t>Initial state – Deformation History interface</a:t>
+            </a:r>
+            <a:endParaRPr lang="de-DE" sz="1800">
+              <a:solidFill>
+                <a:schemeClr val="bg2"/>
+              </a:solidFill>
+            </a:endParaRPr>
+          </a:p>
+        </p:txBody>
+      </p:sp>
+      <p:pic>
+        <p:nvPicPr>
+          <p:cNvPr id="28" name="Content Placeholder 27"/>
+          <p:cNvPicPr>
+            <a:picLocks noGrp="1" noChangeAspect="1"/>
+          </p:cNvPicPr>
+          <p:nvPr>
+            <p:ph idx="1"/>
+          </p:nvPr>
+        </p:nvPicPr>
+        <p:blipFill>
+          <a:blip r:embed="rId3">
+            <a:extLst>
+              <a:ext uri="{28A0092B-C50C-407E-A947-70E740481C1C}">
+                <a14:useLocalDpi xmlns:a14="http://schemas.microsoft.com/office/drawing/2010/main" val="0"/>
+              </a:ext>
+            </a:extLst>
+          </a:blip>
+          <a:stretch>
+            <a:fillRect/>
+          </a:stretch>
+        </p:blipFill>
+        <p:spPr>
+          <a:xfrm>
+            <a:off x="954818" y="1762125"/>
+            <a:ext cx="7237540" cy="4699000"/>
+          </a:xfrm>
+        </p:spPr>
+      </p:pic>
+      <p:sp>
+        <p:nvSpPr>
+          <p:cNvPr id="29" name="TextBox 28"/>
+          <p:cNvSpPr txBox="1"/>
+          <p:nvPr/>
+        </p:nvSpPr>
+        <p:spPr>
+          <a:xfrm>
+            <a:off x="1472338" y="1947127"/>
+            <a:ext cx="6194571" cy="3895554"/>
+          </a:xfrm>
+          <a:prstGeom prst="rect">
+            <a:avLst/>
+          </a:prstGeom>
+          <a:noFill/>
+        </p:spPr>
+        <p:txBody>
+          <a:bodyPr wrap="square" lIns="0" tIns="0" rIns="0" bIns="0" rtlCol="0">
+            <a:spAutoFit/>
+          </a:bodyPr>
+          <a:lstStyle/>
+          <a:p>
+            <a:pPr>
+              <a:lnSpc>
+                <a:spcPct val="114000"/>
+              </a:lnSpc>
+            </a:pPr>
+            <a:r>
+              <a:rPr lang="en-GB" sz="1600" dirty="0" err="1">
+                <a:latin typeface="Arial" pitchFamily="34" charset="0"/>
+                <a:cs typeface="Arial" pitchFamily="34" charset="0"/>
+              </a:rPr>
+              <a:t>i_s</a:t>
+            </a:r>
+            <a:r>
+              <a:rPr lang="en-GB" sz="1600" dirty="0">
+                <a:latin typeface="Arial" pitchFamily="34" charset="0"/>
+                <a:cs typeface="Arial" pitchFamily="34" charset="0"/>
+              </a:rPr>
+              <a:t> </a:t>
+            </a:r>
+            <a:r>
+              <a:rPr lang="en-GB" sz="1600" dirty="0" smtClean="0">
+                <a:latin typeface="Arial" pitchFamily="34" charset="0"/>
+                <a:cs typeface="Arial" pitchFamily="34" charset="0"/>
+              </a:rPr>
+              <a:t> = </a:t>
+            </a:r>
+            <a:r>
+              <a:rPr lang="en-GB" sz="1600" dirty="0">
+                <a:latin typeface="Arial" pitchFamily="34" charset="0"/>
+                <a:cs typeface="Arial" pitchFamily="34" charset="0"/>
+              </a:rPr>
+              <a:t>[</a:t>
+            </a:r>
+            <a:r>
+              <a:rPr lang="en-GB" sz="1600" dirty="0"/>
+              <a:t>Component</a:t>
+            </a:r>
+            <a:r>
+              <a:rPr lang="en-GB" sz="1600" dirty="0">
+                <a:latin typeface="Arial" pitchFamily="34" charset="0"/>
+                <a:cs typeface="Arial" pitchFamily="34" charset="0"/>
+              </a:rPr>
+              <a:t>, </a:t>
+            </a:r>
+            <a:r>
+              <a:rPr lang="en-GB" sz="1600" dirty="0"/>
+              <a:t>Component</a:t>
+            </a:r>
+            <a:r>
+              <a:rPr lang="en-GB" sz="1600" dirty="0">
+                <a:latin typeface="Arial" pitchFamily="34" charset="0"/>
+                <a:cs typeface="Arial" pitchFamily="34" charset="0"/>
+              </a:rPr>
+              <a:t>, </a:t>
+            </a:r>
+            <a:r>
+              <a:rPr lang="is-IS" sz="1600" dirty="0">
+                <a:latin typeface="Arial" pitchFamily="34" charset="0"/>
+                <a:cs typeface="Arial" pitchFamily="34" charset="0"/>
+              </a:rPr>
+              <a:t>…</a:t>
+            </a:r>
+            <a:r>
+              <a:rPr lang="en-GB" sz="1600" dirty="0">
+                <a:latin typeface="Arial" pitchFamily="34" charset="0"/>
+                <a:cs typeface="Arial" pitchFamily="34" charset="0"/>
+              </a:rPr>
+              <a:t>]</a:t>
+            </a:r>
+          </a:p>
+          <a:p>
+            <a:pPr>
+              <a:lnSpc>
+                <a:spcPct val="114000"/>
+              </a:lnSpc>
+            </a:pPr>
+            <a:endParaRPr lang="en-GB" sz="1600" dirty="0">
+              <a:latin typeface="Arial" pitchFamily="34" charset="0"/>
+              <a:cs typeface="Arial" pitchFamily="34" charset="0"/>
+            </a:endParaRPr>
+          </a:p>
+          <a:p>
+            <a:pPr>
+              <a:lnSpc>
+                <a:spcPct val="114000"/>
+              </a:lnSpc>
+            </a:pPr>
+            <a:r>
+              <a:rPr lang="en-GB" sz="1600" dirty="0" err="1">
+                <a:latin typeface="Arial" pitchFamily="34" charset="0"/>
+                <a:cs typeface="Arial" pitchFamily="34" charset="0"/>
+              </a:rPr>
+              <a:t>d_h</a:t>
+            </a:r>
+            <a:r>
+              <a:rPr lang="en-GB" sz="1600" dirty="0">
+                <a:latin typeface="Arial" pitchFamily="34" charset="0"/>
+                <a:cs typeface="Arial" pitchFamily="34" charset="0"/>
+              </a:rPr>
+              <a:t> = [	{</a:t>
+            </a:r>
+            <a:r>
+              <a:rPr lang="en-GB" sz="1600" dirty="0"/>
+              <a:t>Component : [</a:t>
+            </a:r>
+            <a:r>
+              <a:rPr lang="en-GB" sz="1600" dirty="0" err="1"/>
+              <a:t>DeformationStep</a:t>
+            </a:r>
+            <a:r>
+              <a:rPr lang="en-GB" sz="1600" dirty="0" smtClean="0"/>
+              <a:t>, </a:t>
+            </a:r>
+            <a:r>
+              <a:rPr lang="en-GB" sz="1600" dirty="0" err="1" smtClean="0"/>
+              <a:t>DeformationStep</a:t>
+            </a:r>
+            <a:r>
+              <a:rPr lang="en-GB" sz="1600" dirty="0" smtClean="0"/>
+              <a:t>, </a:t>
+            </a:r>
+            <a:r>
+              <a:rPr lang="is-IS" sz="1600" dirty="0" smtClean="0"/>
+              <a:t>…</a:t>
+            </a:r>
+            <a:r>
+              <a:rPr lang="en-GB" sz="1600" dirty="0" smtClean="0"/>
+              <a:t> ], </a:t>
+            </a:r>
+          </a:p>
+          <a:p>
+            <a:pPr>
+              <a:lnSpc>
+                <a:spcPct val="114000"/>
+              </a:lnSpc>
+            </a:pPr>
+            <a:r>
+              <a:rPr lang="en-GB" sz="1600" dirty="0">
+                <a:latin typeface="Arial" pitchFamily="34" charset="0"/>
+                <a:cs typeface="Arial" pitchFamily="34" charset="0"/>
+              </a:rPr>
+              <a:t>	</a:t>
+            </a:r>
+            <a:r>
+              <a:rPr lang="en-GB" sz="1600" dirty="0"/>
+              <a:t> Component : [</a:t>
+            </a:r>
+            <a:r>
+              <a:rPr lang="en-GB" sz="1600" dirty="0" err="1"/>
+              <a:t>DeformationStep</a:t>
+            </a:r>
+            <a:r>
+              <a:rPr lang="en-GB" sz="1600" dirty="0"/>
+              <a:t>, </a:t>
+            </a:r>
+            <a:r>
+              <a:rPr lang="en-GB" sz="1600" dirty="0" err="1" smtClean="0"/>
+              <a:t>DeformationStep</a:t>
+            </a:r>
+            <a:r>
+              <a:rPr lang="en-GB" sz="1600" dirty="0"/>
+              <a:t> , </a:t>
+            </a:r>
+            <a:r>
+              <a:rPr lang="is-IS" sz="1600" dirty="0" smtClean="0"/>
+              <a:t>…</a:t>
+            </a:r>
+            <a:r>
+              <a:rPr lang="en-GB" sz="1600" dirty="0" smtClean="0"/>
+              <a:t>],</a:t>
+            </a:r>
+          </a:p>
+          <a:p>
+            <a:pPr>
+              <a:lnSpc>
+                <a:spcPct val="114000"/>
+              </a:lnSpc>
+            </a:pPr>
+            <a:r>
+              <a:rPr lang="en-GB" sz="1600" dirty="0">
+                <a:latin typeface="Arial" pitchFamily="34" charset="0"/>
+                <a:cs typeface="Arial" pitchFamily="34" charset="0"/>
+              </a:rPr>
+              <a:t>	</a:t>
+            </a:r>
+            <a:r>
+              <a:rPr lang="is-IS" sz="1600" dirty="0" smtClean="0">
+                <a:latin typeface="Arial" pitchFamily="34" charset="0"/>
+                <a:cs typeface="Arial" pitchFamily="34" charset="0"/>
+              </a:rPr>
+              <a:t>…</a:t>
+            </a:r>
+            <a:r>
+              <a:rPr lang="en-GB" sz="1600" dirty="0" smtClean="0">
+                <a:latin typeface="Arial" pitchFamily="34" charset="0"/>
+                <a:cs typeface="Arial" pitchFamily="34" charset="0"/>
+              </a:rPr>
+              <a:t>},</a:t>
+            </a:r>
+          </a:p>
+          <a:p>
+            <a:pPr>
+              <a:lnSpc>
+                <a:spcPct val="114000"/>
+              </a:lnSpc>
+            </a:pPr>
+            <a:endParaRPr lang="en-GB" sz="1600" dirty="0">
+              <a:latin typeface="Arial" pitchFamily="34" charset="0"/>
+              <a:cs typeface="Arial" pitchFamily="34" charset="0"/>
+            </a:endParaRPr>
+          </a:p>
+          <a:p>
+            <a:pPr>
+              <a:lnSpc>
+                <a:spcPct val="114000"/>
+              </a:lnSpc>
+            </a:pPr>
+            <a:r>
+              <a:rPr lang="en-GB" sz="1600" dirty="0">
+                <a:latin typeface="Arial" pitchFamily="34" charset="0"/>
+                <a:cs typeface="Arial" pitchFamily="34" charset="0"/>
+              </a:rPr>
+              <a:t>	{</a:t>
+            </a:r>
+            <a:r>
+              <a:rPr lang="en-GB" sz="1600" dirty="0"/>
+              <a:t>Component : [</a:t>
+            </a:r>
+            <a:r>
+              <a:rPr lang="en-GB" sz="1600" dirty="0" err="1"/>
+              <a:t>DeformationStep</a:t>
+            </a:r>
+            <a:r>
+              <a:rPr lang="en-GB" sz="1600" dirty="0"/>
+              <a:t>, </a:t>
+            </a:r>
+            <a:r>
+              <a:rPr lang="en-GB" sz="1600" dirty="0" err="1" smtClean="0"/>
+              <a:t>DeformationStep</a:t>
+            </a:r>
+            <a:r>
+              <a:rPr lang="en-GB" sz="1600" dirty="0"/>
+              <a:t> , </a:t>
+            </a:r>
+            <a:r>
+              <a:rPr lang="is-IS" sz="1600" dirty="0"/>
+              <a:t>…</a:t>
+            </a:r>
+            <a:r>
+              <a:rPr lang="en-GB" sz="1600" dirty="0" smtClean="0"/>
+              <a:t>], </a:t>
+            </a:r>
+            <a:endParaRPr lang="en-GB" sz="1600" dirty="0"/>
+          </a:p>
+          <a:p>
+            <a:pPr>
+              <a:lnSpc>
+                <a:spcPct val="114000"/>
+              </a:lnSpc>
+            </a:pPr>
+            <a:r>
+              <a:rPr lang="en-GB" sz="1600" dirty="0">
+                <a:latin typeface="Arial" pitchFamily="34" charset="0"/>
+                <a:cs typeface="Arial" pitchFamily="34" charset="0"/>
+              </a:rPr>
+              <a:t>	</a:t>
+            </a:r>
+            <a:r>
+              <a:rPr lang="en-GB" sz="1600" dirty="0"/>
+              <a:t> Component : [</a:t>
+            </a:r>
+            <a:r>
+              <a:rPr lang="en-GB" sz="1600" dirty="0" err="1"/>
+              <a:t>DeformationStep</a:t>
+            </a:r>
+            <a:r>
+              <a:rPr lang="en-GB" sz="1600" dirty="0"/>
+              <a:t>, </a:t>
+            </a:r>
+            <a:r>
+              <a:rPr lang="en-GB" sz="1600" dirty="0" err="1" smtClean="0"/>
+              <a:t>DeformationStep</a:t>
+            </a:r>
+            <a:r>
+              <a:rPr lang="en-GB" sz="1600" dirty="0"/>
+              <a:t> , </a:t>
+            </a:r>
+            <a:r>
+              <a:rPr lang="is-IS" sz="1600" dirty="0"/>
+              <a:t>…</a:t>
+            </a:r>
+            <a:r>
+              <a:rPr lang="en-GB" sz="1600" dirty="0" smtClean="0"/>
+              <a:t>],</a:t>
+            </a:r>
+            <a:endParaRPr lang="en-GB" sz="1600" dirty="0"/>
+          </a:p>
+          <a:p>
+            <a:pPr>
+              <a:lnSpc>
+                <a:spcPct val="114000"/>
+              </a:lnSpc>
+            </a:pPr>
+            <a:r>
+              <a:rPr lang="en-GB" sz="1600" dirty="0">
+                <a:latin typeface="Arial" pitchFamily="34" charset="0"/>
+                <a:cs typeface="Arial" pitchFamily="34" charset="0"/>
+              </a:rPr>
+              <a:t>	</a:t>
+            </a:r>
+            <a:r>
+              <a:rPr lang="is-IS" sz="1600" dirty="0">
+                <a:latin typeface="Arial" pitchFamily="34" charset="0"/>
+                <a:cs typeface="Arial" pitchFamily="34" charset="0"/>
+              </a:rPr>
+              <a:t>…</a:t>
+            </a:r>
+            <a:r>
+              <a:rPr lang="en-GB" sz="1600" dirty="0">
+                <a:latin typeface="Arial" pitchFamily="34" charset="0"/>
+                <a:cs typeface="Arial" pitchFamily="34" charset="0"/>
+              </a:rPr>
+              <a:t>},</a:t>
+            </a:r>
+          </a:p>
+          <a:p>
+            <a:pPr>
+              <a:lnSpc>
+                <a:spcPct val="114000"/>
+              </a:lnSpc>
+            </a:pPr>
+            <a:endParaRPr lang="en-GB" sz="1600" dirty="0" smtClean="0">
+              <a:latin typeface="Arial" pitchFamily="34" charset="0"/>
+              <a:cs typeface="Arial" pitchFamily="34" charset="0"/>
+            </a:endParaRPr>
+          </a:p>
+          <a:p>
+            <a:pPr>
+              <a:lnSpc>
+                <a:spcPct val="114000"/>
+              </a:lnSpc>
+            </a:pPr>
+            <a:r>
+              <a:rPr lang="en-GB" sz="1600" dirty="0">
+                <a:latin typeface="Arial" pitchFamily="34" charset="0"/>
+                <a:cs typeface="Arial" pitchFamily="34" charset="0"/>
+              </a:rPr>
+              <a:t>	</a:t>
+            </a:r>
+            <a:r>
+              <a:rPr lang="is-IS" sz="1600" dirty="0">
+                <a:latin typeface="Arial" pitchFamily="34" charset="0"/>
+                <a:cs typeface="Arial" pitchFamily="34" charset="0"/>
+              </a:rPr>
+              <a:t>…</a:t>
+            </a:r>
+          </a:p>
+          <a:p>
+            <a:pPr>
+              <a:lnSpc>
+                <a:spcPct val="114000"/>
+              </a:lnSpc>
+            </a:pPr>
+            <a:endParaRPr lang="is-IS" sz="1600" dirty="0" smtClean="0">
+              <a:latin typeface="Arial" pitchFamily="34" charset="0"/>
+              <a:cs typeface="Arial" pitchFamily="34" charset="0"/>
+            </a:endParaRPr>
+          </a:p>
+          <a:p>
+            <a:pPr>
+              <a:lnSpc>
+                <a:spcPct val="114000"/>
+              </a:lnSpc>
+            </a:pPr>
+            <a:r>
+              <a:rPr lang="is-IS" sz="1600" dirty="0" smtClean="0">
+                <a:latin typeface="Arial" pitchFamily="34" charset="0"/>
+                <a:cs typeface="Arial" pitchFamily="34" charset="0"/>
+              </a:rPr>
+              <a:t>           </a:t>
+            </a:r>
+            <a:r>
+              <a:rPr lang="en-GB" sz="1600" dirty="0">
+                <a:latin typeface="Arial" pitchFamily="34" charset="0"/>
+                <a:cs typeface="Arial" pitchFamily="34" charset="0"/>
+              </a:rPr>
+              <a:t>]</a:t>
+            </a:r>
+          </a:p>
+          <a:p>
+            <a:endParaRPr lang="en-GB" sz="1600" dirty="0"/>
           </a:p>
         </p:txBody>
       </p:sp>
     </p:spTree>
     <p:extLst>
       <p:ext uri="{BB962C8B-B14F-4D97-AF65-F5344CB8AC3E}">
-        <p14:creationId xmlns:p14="http://schemas.microsoft.com/office/powerpoint/2010/main" val="1632549403"/>
+        <p14:creationId xmlns:p14="http://schemas.microsoft.com/office/powerpoint/2010/main" val="1581234474"/>
       </p:ext>
     </p:extLst>
   </p:cSld>
@@ -16711,9 +17874,107 @@
   <p:timing>
     <p:tnLst>
       <p:par>
-        <p:cTn id="1" dur="indefinite" restart="never" nodeType="tmRoot"/>
+        <p:cTn id="1" dur="indefinite" restart="never" nodeType="tmRoot">
+          <p:childTnLst>
+            <p:seq concurrent="1" nextAc="seek">
+              <p:cTn id="2" dur="indefinite" nodeType="mainSeq">
+                <p:childTnLst>
+                  <p:par>
+                    <p:cTn id="3" fill="hold">
+                      <p:stCondLst>
+                        <p:cond delay="indefinite"/>
+                      </p:stCondLst>
+                      <p:childTnLst>
+                        <p:par>
+                          <p:cTn id="4" fill="hold">
+                            <p:stCondLst>
+                              <p:cond delay="0"/>
+                            </p:stCondLst>
+                            <p:childTnLst>
+                              <p:par>
+                                <p:cTn id="5" presetID="1" presetClass="exit" presetSubtype="0" fill="hold" nodeType="clickEffect">
+                                  <p:stCondLst>
+                                    <p:cond delay="0"/>
+                                  </p:stCondLst>
+                                  <p:childTnLst>
+                                    <p:set>
+                                      <p:cBhvr>
+                                        <p:cTn id="6" dur="1" fill="hold">
+                                          <p:stCondLst>
+                                            <p:cond delay="0"/>
+                                          </p:stCondLst>
+                                        </p:cTn>
+                                        <p:tgtEl>
+                                          <p:spTgt spid="28"/>
+                                        </p:tgtEl>
+                                        <p:attrNameLst>
+                                          <p:attrName>style.visibility</p:attrName>
+                                        </p:attrNameLst>
+                                      </p:cBhvr>
+                                      <p:to>
+                                        <p:strVal val="hidden"/>
+                                      </p:to>
+                                    </p:set>
+                                  </p:childTnLst>
+                                </p:cTn>
+                              </p:par>
+                              <p:par>
+                                <p:cTn id="7" presetID="1" presetClass="entr" presetSubtype="0" fill="hold" grpId="0" nodeType="withEffect">
+                                  <p:stCondLst>
+                                    <p:cond delay="0"/>
+                                  </p:stCondLst>
+                                  <p:childTnLst>
+                                    <p:set>
+                                      <p:cBhvr>
+                                        <p:cTn id="8" dur="1" fill="hold">
+                                          <p:stCondLst>
+                                            <p:cond delay="0"/>
+                                          </p:stCondLst>
+                                        </p:cTn>
+                                        <p:tgtEl>
+                                          <p:spTgt spid="29"/>
+                                        </p:tgtEl>
+                                        <p:attrNameLst>
+                                          <p:attrName>style.visibility</p:attrName>
+                                        </p:attrNameLst>
+                                      </p:cBhvr>
+                                      <p:to>
+                                        <p:strVal val="visible"/>
+                                      </p:to>
+                                    </p:set>
+                                  </p:childTnLst>
+                                </p:cTn>
+                              </p:par>
+                            </p:childTnLst>
+                          </p:cTn>
+                        </p:par>
+                      </p:childTnLst>
+                    </p:cTn>
+                  </p:par>
+                </p:childTnLst>
+              </p:cTn>
+              <p:prevCondLst>
+                <p:cond evt="onPrev" delay="0">
+                  <p:tgtEl>
+                    <p:sldTgt/>
+                  </p:tgtEl>
+                </p:cond>
+              </p:prevCondLst>
+              <p:nextCondLst>
+                <p:cond evt="onNext" delay="0">
+                  <p:tgtEl>
+                    <p:sldTgt/>
+                  </p:tgtEl>
+                </p:cond>
+              </p:nextCondLst>
+            </p:seq>
+          </p:childTnLst>
+        </p:cTn>
       </p:par>
     </p:tnLst>
+    <p:bldLst>
+      <p:bldP spid="29" grpId="0"/>
+    </p:bldLst>
   </p:timing>
 </p:sld>
 </file>
@@ -16742,53 +18003,91 @@
             <a:spLocks noGrp="1"/>
           </p:cNvSpPr>
           <p:nvPr>
-            <p:ph idx="1"/>
+            <p:ph idx="10"/>
           </p:nvPr>
         </p:nvSpPr>
-        <p:spPr/>
+        <p:spPr>
+          <a:xfrm>
+            <a:off x="319088" y="1978720"/>
+            <a:ext cx="8508999" cy="2307530"/>
+          </a:xfrm>
+        </p:spPr>
         <p:txBody>
           <a:bodyPr/>
           <a:lstStyle/>
           <a:p>
-            <a:r>
-              <a:rPr dirty="0"/>
-              <a:t>Als Grundlage dient der Corporate Design Style Guide der TUM.</a:t>
-            </a:r>
-            <a:br>
-              <a:rPr dirty="0"/>
-            </a:br>
-            <a:r>
-              <a:rPr dirty="0"/>
-              <a:t>Die Präsentationsvorlage ist auf gute Lesbarkeit und klare Darstellung von Informationen optimiert</a:t>
-            </a:r>
-            <a:r>
-              <a:rPr dirty="0" smtClean="0"/>
-              <a:t>.</a:t>
-            </a:r>
-            <a:endParaRPr dirty="0"/>
-          </a:p>
-        </p:txBody>
-      </p:sp>
-      <p:sp>
-        <p:nvSpPr>
-          <p:cNvPr id="6" name="Fußzeilenplatzhalter 4"/>
-          <p:cNvSpPr>
-            <a:spLocks noGrp="1"/>
-          </p:cNvSpPr>
-          <p:nvPr>
-            <p:ph type="ftr" sz="quarter" idx="12"/>
-          </p:nvPr>
-        </p:nvSpPr>
-        <p:spPr/>
-        <p:txBody>
-          <a:bodyPr/>
-          <a:lstStyle/>
-          <a:p>
-            <a:r>
-              <a:rPr lang="de-DE" smtClean="0"/>
-              <a:t>Dr. rer. nat. Erika Mustermann (TUM) | kann beliebig erweitert werden | Infos mit Strich trennen</a:t>
-            </a:r>
-            <a:endParaRPr lang="en-US" dirty="0" smtClean="0"/>
+            <a:pPr marL="342900" indent="-342900">
+              <a:buFont typeface="Arial" charset="0"/>
+              <a:buChar char="•"/>
+            </a:pPr>
+            <a:r>
+              <a:rPr lang="de-DE" sz="2200" dirty="0" smtClean="0"/>
+              <a:t>Initial </a:t>
+            </a:r>
+            <a:r>
+              <a:rPr lang="de-DE" sz="2200" dirty="0" err="1" smtClean="0"/>
+              <a:t>state</a:t>
+            </a:r>
+            <a:r>
+              <a:rPr lang="de-DE" sz="2200" dirty="0" smtClean="0"/>
+              <a:t> – Deformation </a:t>
+            </a:r>
+            <a:r>
+              <a:rPr lang="de-DE" sz="2200" dirty="0" err="1" smtClean="0"/>
+              <a:t>History</a:t>
+            </a:r>
+            <a:r>
+              <a:rPr lang="de-DE" sz="2200" dirty="0" smtClean="0"/>
+              <a:t> </a:t>
+            </a:r>
+            <a:r>
+              <a:rPr lang="de-DE" sz="2200" dirty="0" err="1" smtClean="0"/>
+              <a:t>interface</a:t>
+            </a:r>
+            <a:endParaRPr lang="de-DE" sz="2200" dirty="0" smtClean="0"/>
+          </a:p>
+          <a:p>
+            <a:pPr marL="342900" indent="-342900">
+              <a:buFont typeface="Arial" charset="0"/>
+              <a:buChar char="•"/>
+            </a:pPr>
+            <a:r>
+              <a:rPr lang="de-DE" sz="2200" dirty="0" smtClean="0">
+                <a:solidFill>
+                  <a:schemeClr val="bg2"/>
+                </a:solidFill>
+              </a:rPr>
+              <a:t>Video </a:t>
+            </a:r>
+            <a:r>
+              <a:rPr lang="de-DE" sz="2200" dirty="0" err="1" smtClean="0">
+                <a:solidFill>
+                  <a:schemeClr val="bg2"/>
+                </a:solidFill>
+              </a:rPr>
+              <a:t>generation</a:t>
+            </a:r>
+            <a:r>
+              <a:rPr lang="de-DE" sz="2200" dirty="0" smtClean="0">
+                <a:solidFill>
+                  <a:schemeClr val="bg2"/>
+                </a:solidFill>
+              </a:rPr>
+              <a:t> </a:t>
+            </a:r>
+            <a:r>
+              <a:rPr lang="de-DE" sz="2200" dirty="0" err="1" smtClean="0">
+                <a:solidFill>
+                  <a:schemeClr val="bg2"/>
+                </a:solidFill>
+              </a:rPr>
+              <a:t>process</a:t>
+            </a:r>
+            <a:endParaRPr lang="de-DE" sz="2200" dirty="0" smtClean="0">
+              <a:solidFill>
+                <a:schemeClr val="bg2"/>
+              </a:solidFill>
+            </a:endParaRPr>
           </a:p>
         </p:txBody>
       </p:sp>
@@ -16811,19 +18110,53 @@
           <a:bodyPr/>
           <a:lstStyle/>
           <a:p>
-            <a:r>
-              <a:rPr sz="3000" smtClean="0"/>
-              <a:t>Grundlage der </a:t>
-            </a:r>
-            <a:r>
-              <a:rPr sz="3000" dirty="0" smtClean="0"/>
-              <a:t>Masterfolien</a:t>
+            <a:pPr algn="ctr"/>
+            <a:r>
+              <a:rPr lang="de-DE" sz="3000" dirty="0" smtClean="0"/>
+              <a:t>Progress </a:t>
+            </a:r>
+            <a:r>
+              <a:rPr lang="de-DE" sz="3000" dirty="0" err="1" smtClean="0"/>
+              <a:t>status</a:t>
+            </a:r>
+            <a:r>
+              <a:rPr lang="de-DE" sz="3000" dirty="0" smtClean="0"/>
+              <a:t> </a:t>
+            </a:r>
+            <a:r>
+              <a:rPr lang="de-DE" sz="3000" dirty="0" err="1" smtClean="0"/>
+              <a:t>of</a:t>
+            </a:r>
+            <a:r>
+              <a:rPr lang="de-DE" sz="3000" dirty="0" smtClean="0"/>
+              <a:t> </a:t>
+            </a:r>
+            <a:r>
+              <a:rPr lang="de-DE" dirty="0" err="1" smtClean="0"/>
+              <a:t>t</a:t>
+            </a:r>
+            <a:r>
+              <a:rPr lang="de-DE" sz="3000" dirty="0" err="1" smtClean="0"/>
+              <a:t>ask</a:t>
+            </a:r>
+            <a:r>
+              <a:rPr lang="de-DE" sz="3000" dirty="0" smtClean="0"/>
+              <a:t> </a:t>
+            </a:r>
+            <a:r>
+              <a:rPr lang="de-DE" dirty="0"/>
+              <a:t>3</a:t>
             </a:r>
             <a:endParaRPr lang="de-DE" sz="3000" dirty="0"/>
           </a:p>
         </p:txBody>
       </p:sp>
     </p:spTree>
+    <p:extLst>
+      <p:ext uri="{BB962C8B-B14F-4D97-AF65-F5344CB8AC3E}">
+        <p14:creationId xmlns:p14="http://schemas.microsoft.com/office/powerpoint/2010/main" val="1270808142"/>
+      </p:ext>
+    </p:extLst>
   </p:cSld>
   <p:clrMapOvr>
     <a:masterClrMapping/>
@@ -16862,58 +18195,39 @@
             <a:spLocks noGrp="1"/>
           </p:cNvSpPr>
           <p:nvPr>
-            <p:ph idx="1"/>
+            <p:ph idx="10"/>
           </p:nvPr>
         </p:nvSpPr>
         <p:spPr>
           <a:xfrm>
-            <a:off x="319090" y="2105024"/>
-            <a:ext cx="8508999" cy="4356735"/>
+            <a:off x="319088" y="1978720"/>
+            <a:ext cx="8508999" cy="2307530"/>
           </a:xfrm>
         </p:spPr>
         <p:txBody>
           <a:bodyPr/>
           <a:lstStyle/>
           <a:p>
-            <a:r>
-              <a:rPr dirty="0"/>
-              <a:t>Als Grundlage dient der Corporate Design Style Guide der TUM.</a:t>
-            </a:r>
-            <a:br>
-              <a:rPr dirty="0"/>
-            </a:br>
-            <a:r>
-              <a:rPr dirty="0"/>
-              <a:t>Die Präsentationsvorlage ist auf gute Lesbarkeit und klare Darstellung von Informationen optimiert</a:t>
-            </a:r>
-            <a:r>
-              <a:rPr dirty="0" smtClean="0"/>
-              <a:t>.</a:t>
-            </a:r>
-            <a:endParaRPr dirty="0"/>
-          </a:p>
-        </p:txBody>
-      </p:sp>
-      <p:sp>
-        <p:nvSpPr>
-          <p:cNvPr id="6" name="Fußzeilenplatzhalter 4"/>
-          <p:cNvSpPr>
-            <a:spLocks noGrp="1"/>
-          </p:cNvSpPr>
-          <p:nvPr>
-            <p:ph type="ftr" sz="quarter" idx="12"/>
-          </p:nvPr>
-        </p:nvSpPr>
-        <p:spPr/>
-        <p:txBody>
-          <a:bodyPr/>
-          <a:lstStyle/>
-          <a:p>
-            <a:r>
-              <a:rPr lang="de-DE" smtClean="0"/>
-              <a:t>Dr. rer. nat. Erika Mustermann (TUM) | kann beliebig erweitert werden | Infos mit Strich trennen</a:t>
-            </a:r>
-            <a:endParaRPr lang="en-US" dirty="0" smtClean="0"/>
+            <a:pPr marL="342900" indent="-342900">
+              <a:buFont typeface="Arial" charset="0"/>
+              <a:buChar char="•"/>
+            </a:pPr>
+            <a:r>
+              <a:rPr lang="de-DE" sz="2200" dirty="0" smtClean="0"/>
+              <a:t>Task </a:t>
+            </a:r>
+            <a:r>
+              <a:rPr lang="de-DE" sz="2200" dirty="0" err="1" smtClean="0"/>
+              <a:t>description</a:t>
+            </a:r>
+            <a:endParaRPr lang="de-DE" sz="2200" dirty="0" smtClean="0"/>
+          </a:p>
+          <a:p>
+            <a:pPr marL="342900" indent="-342900">
+              <a:buFont typeface="Arial" charset="0"/>
+              <a:buChar char="•"/>
+            </a:pPr>
+            <a:endParaRPr lang="de-DE" sz="2200" dirty="0" smtClean="0"/>
           </a:p>
         </p:txBody>
       </p:sp>
@@ -16936,22 +18250,25 @@
           <a:bodyPr/>
           <a:lstStyle/>
           <a:p>
-            <a:r>
-              <a:rPr lang="de-DE" sz="3200" dirty="0" smtClean="0"/>
-              <a:t>Hier steht eine Überschrift</a:t>
-            </a:r>
-            <a:br>
-              <a:rPr lang="de-DE" sz="3200" dirty="0" smtClean="0"/>
-            </a:br>
-            <a:r>
-              <a:rPr lang="de-DE" sz="3200" dirty="0" smtClean="0"/>
-              <a:t>max. 2-zeilig</a:t>
+            <a:pPr algn="ctr"/>
+            <a:r>
+              <a:rPr lang="de-DE" dirty="0"/>
+              <a:t>T</a:t>
+            </a:r>
+            <a:r>
+              <a:rPr lang="de-DE" dirty="0" smtClean="0"/>
+              <a:t>ask 2</a:t>
             </a:r>
             <a:endParaRPr lang="de-DE" sz="3000" dirty="0"/>
           </a:p>
         </p:txBody>
       </p:sp>
     </p:spTree>
+    <p:extLst>
+      <p:ext uri="{BB962C8B-B14F-4D97-AF65-F5344CB8AC3E}">
+        <p14:creationId xmlns:p14="http://schemas.microsoft.com/office/powerpoint/2010/main" val="1139264286"/>
+      </p:ext>
+    </p:extLst>
   </p:cSld>
   <p:clrMapOvr>
     <a:masterClrMapping/>
@@ -16990,159 +18307,480 @@
             <a:spLocks noGrp="1"/>
           </p:cNvSpPr>
           <p:nvPr>
-            <p:ph idx="1"/>
+            <p:ph idx="10"/>
           </p:nvPr>
         </p:nvSpPr>
-        <p:spPr/>
+        <p:spPr>
+          <a:xfrm>
+            <a:off x="319088" y="1978720"/>
+            <a:ext cx="8508999" cy="2307530"/>
+          </a:xfrm>
+        </p:spPr>
         <p:txBody>
           <a:bodyPr/>
           <a:lstStyle/>
           <a:p>
-            <a:r>
-              <a:rPr dirty="0"/>
-              <a:t>Das Grundprinzip ist, Informationen bestmöglich zu transportieren. Dazu muss vor allem die Schrift einheitlich und für alle im Raum lesbar sein. </a:t>
-            </a:r>
-            <a:endParaRPr dirty="0" smtClean="0"/>
-          </a:p>
-          <a:p>
-            <a:endParaRPr dirty="0" smtClean="0"/>
-          </a:p>
-          <a:p>
-            <a:r>
-              <a:rPr dirty="0" err="1" smtClean="0"/>
-              <a:t>Schriftart</a:t>
-            </a:r>
-            <a:r>
-              <a:rPr dirty="0"/>
-              <a:t>: </a:t>
-            </a:r>
-            <a:r>
-              <a:rPr dirty="0" smtClean="0"/>
-              <a:t>Arial</a:t>
-            </a:r>
-          </a:p>
-          <a:p>
-            <a:endParaRPr dirty="0" smtClean="0"/>
-          </a:p>
-          <a:p>
-            <a:r>
-              <a:rPr dirty="0" err="1" smtClean="0"/>
-              <a:t>Schriftgr</a:t>
-            </a:r>
-            <a:r>
-              <a:rPr lang="de-DE" dirty="0" err="1" smtClean="0"/>
-              <a:t>ößen</a:t>
-            </a:r>
-            <a:r>
-              <a:rPr dirty="0" smtClean="0"/>
-              <a:t>:</a:t>
-            </a:r>
-            <a:r>
-              <a:rPr lang="de-DE" dirty="0" smtClean="0"/>
-              <a:t>30 | 22 | 16 | 12</a:t>
-            </a:r>
-            <a:endParaRPr dirty="0" smtClean="0"/>
-          </a:p>
-          <a:p>
-            <a:endParaRPr dirty="0" smtClean="0"/>
-          </a:p>
-          <a:p>
-            <a:r>
-              <a:rPr dirty="0" err="1" smtClean="0"/>
-              <a:t>Zeilenabstand</a:t>
-            </a:r>
-            <a:r>
-              <a:rPr dirty="0"/>
-              <a:t>: </a:t>
-            </a:r>
-            <a:r>
-              <a:rPr dirty="0" smtClean="0"/>
-              <a:t>1,15mm</a:t>
-            </a:r>
-          </a:p>
-          <a:p>
-            <a:endParaRPr dirty="0" smtClean="0"/>
-          </a:p>
-          <a:p>
-            <a:r>
-              <a:rPr dirty="0" smtClean="0"/>
-              <a:t>Die </a:t>
-            </a:r>
-            <a:r>
-              <a:rPr dirty="0"/>
-              <a:t>Einstellungen sind in den Textfeldern und Textfeldvorlagen dieses ppt-Masters als Standard eingestellt. Bei Diagrammen und Tabellen muss die Schriftgröße ggf. angepasst werden</a:t>
-            </a:r>
-            <a:r>
-              <a:rPr dirty="0" smtClean="0"/>
-              <a:t>.</a:t>
-            </a:r>
-            <a:r>
-              <a:rPr lang="de-DE" dirty="0" smtClean="0"/>
-              <a:t> Für Auszeichnungen im Fließtext kann auch </a:t>
-            </a:r>
-            <a:r>
-              <a:rPr lang="de-DE" b="1" dirty="0" smtClean="0"/>
-              <a:t>fett </a:t>
-            </a:r>
-            <a:r>
-              <a:rPr lang="de-DE" dirty="0" smtClean="0"/>
-              <a:t>markiert werden.</a:t>
-            </a:r>
-            <a:endParaRPr dirty="0" smtClean="0"/>
-          </a:p>
-          <a:p>
-            <a:r>
-              <a:rPr dirty="0"/>
-              <a:t>Bei großer Distanz bzw. </a:t>
-            </a:r>
-            <a:r>
-              <a:rPr dirty="0" err="1"/>
-              <a:t>kleinem</a:t>
-            </a:r>
-            <a:r>
-              <a:rPr dirty="0"/>
+            <a:pPr marL="342900" marR="0" lvl="0" indent="-342900" defTabSz="914400" eaLnBrk="1" fontAlgn="auto" latinLnBrk="0" hangingPunct="1">
+              <a:lnSpc>
+                <a:spcPct val="100000"/>
+              </a:lnSpc>
+              <a:spcBef>
+                <a:spcPts val="0"/>
+              </a:spcBef>
+              <a:spcAft>
+                <a:spcPts val="0"/>
+              </a:spcAft>
+              <a:buClrTx/>
+              <a:buSzTx/>
+              <a:buFont typeface="Arial" charset="0"/>
+              <a:buChar char="•"/>
+              <a:tabLst/>
+              <a:defRPr/>
+            </a:pPr>
+            <a:r>
+              <a:rPr lang="de-DE" sz="2200" dirty="0" err="1" smtClean="0"/>
+              <a:t>Implement</a:t>
+            </a:r>
+            <a:r>
+              <a:rPr lang="de-DE" sz="2200" dirty="0" smtClean="0"/>
+              <a:t> a </a:t>
+            </a:r>
+            <a:r>
+              <a:rPr lang="de-DE" sz="2200" dirty="0" err="1" smtClean="0"/>
+              <a:t>new</a:t>
+            </a:r>
+            <a:r>
+              <a:rPr lang="de-DE" sz="2200" dirty="0" smtClean="0"/>
               <a:t> </a:t>
             </a:r>
             <a:r>
-              <a:rPr dirty="0" err="1" smtClean="0"/>
-              <a:t>Präsentationsmedium</a:t>
-            </a:r>
-            <a:r>
-              <a:rPr dirty="0" smtClean="0"/>
+              <a:rPr lang="de-DE" sz="2200" dirty="0" err="1" smtClean="0"/>
+              <a:t>way</a:t>
+            </a:r>
+            <a:r>
+              <a:rPr lang="de-DE" sz="2200" dirty="0" smtClean="0"/>
               <a:t> </a:t>
             </a:r>
             <a:r>
-              <a:rPr dirty="0"/>
-              <a:t>kann der Schriftgrad notfalls proportional erhöht werden</a:t>
-            </a:r>
-            <a:r>
-              <a:rPr dirty="0" smtClean="0"/>
-              <a:t>.</a:t>
-            </a:r>
-            <a:endParaRPr dirty="0"/>
-          </a:p>
-        </p:txBody>
-      </p:sp>
-      <p:sp>
-        <p:nvSpPr>
-          <p:cNvPr id="6" name="Fußzeilenplatzhalter 4"/>
-          <p:cNvSpPr>
-            <a:spLocks noGrp="1"/>
-          </p:cNvSpPr>
-          <p:nvPr>
-            <p:ph type="ftr" sz="quarter" idx="12"/>
-          </p:nvPr>
-        </p:nvSpPr>
-        <p:spPr/>
-        <p:txBody>
-          <a:bodyPr/>
-          <a:lstStyle/>
-          <a:p>
-            <a:r>
-              <a:rPr lang="de-DE" smtClean="0"/>
-              <a:t>Dr. rer. nat. Erika Mustermann (TUM) | kann beliebig erweitert werden | Infos mit Strich trennen</a:t>
-            </a:r>
-            <a:endParaRPr lang="en-US" dirty="0" smtClean="0"/>
+              <a:rPr lang="de-DE" sz="2200" dirty="0" err="1" smtClean="0"/>
+              <a:t>to</a:t>
+            </a:r>
+            <a:r>
+              <a:rPr lang="de-DE" sz="2200" dirty="0" smtClean="0"/>
+              <a:t> </a:t>
+            </a:r>
+            <a:r>
+              <a:rPr lang="de-DE" sz="2200" dirty="0" err="1" smtClean="0"/>
+              <a:t>look</a:t>
+            </a:r>
+            <a:r>
+              <a:rPr lang="de-DE" sz="2200" dirty="0" smtClean="0"/>
+              <a:t> </a:t>
+            </a:r>
+            <a:r>
+              <a:rPr lang="de-DE" sz="2200" dirty="0" err="1" smtClean="0"/>
+              <a:t>for</a:t>
+            </a:r>
+            <a:r>
+              <a:rPr lang="de-DE" sz="2200" dirty="0" smtClean="0"/>
+              <a:t> </a:t>
+            </a:r>
+            <a:r>
+              <a:rPr lang="de-DE" sz="2200" dirty="0" err="1" smtClean="0"/>
+              <a:t>members</a:t>
+            </a:r>
+            <a:r>
+              <a:rPr lang="de-DE" sz="2200" dirty="0" smtClean="0"/>
+              <a:t> </a:t>
+            </a:r>
+            <a:r>
+              <a:rPr lang="de-DE" sz="2200" dirty="0" err="1" smtClean="0"/>
+              <a:t>to</a:t>
+            </a:r>
+            <a:r>
+              <a:rPr lang="de-DE" sz="2200" dirty="0" smtClean="0"/>
+              <a:t> </a:t>
+            </a:r>
+            <a:r>
+              <a:rPr lang="de-DE" sz="2200" dirty="0" err="1" smtClean="0"/>
+              <a:t>deform</a:t>
+            </a:r>
+            <a:r>
+              <a:rPr lang="de-DE" sz="2200" dirty="0" smtClean="0"/>
+              <a:t>, </a:t>
+            </a:r>
+            <a:r>
+              <a:rPr lang="de-DE" sz="2200" dirty="0" err="1" smtClean="0"/>
+              <a:t>according</a:t>
+            </a:r>
+            <a:r>
+              <a:rPr lang="de-DE" sz="2200" dirty="0" smtClean="0"/>
+              <a:t> </a:t>
+            </a:r>
+            <a:r>
+              <a:rPr lang="de-DE" sz="2200" dirty="0" err="1" smtClean="0"/>
+              <a:t>to</a:t>
+            </a:r>
+            <a:r>
+              <a:rPr lang="de-DE" sz="2200" dirty="0" smtClean="0"/>
+              <a:t> </a:t>
+            </a:r>
+            <a:r>
+              <a:rPr lang="de-DE" sz="2200" dirty="0" err="1" smtClean="0"/>
+              <a:t>the</a:t>
+            </a:r>
+            <a:r>
+              <a:rPr lang="de-DE" sz="2200" dirty="0" smtClean="0"/>
+              <a:t> </a:t>
+            </a:r>
+            <a:r>
+              <a:rPr lang="de-DE" sz="2200" dirty="0" err="1" smtClean="0"/>
+              <a:t>new</a:t>
+            </a:r>
+            <a:r>
+              <a:rPr lang="de-DE" sz="2200" dirty="0" smtClean="0"/>
+              <a:t> </a:t>
+            </a:r>
+            <a:r>
+              <a:rPr lang="de-DE" sz="2200" dirty="0" err="1" smtClean="0"/>
+              <a:t>assumptions</a:t>
+            </a:r>
+            <a:r>
+              <a:rPr lang="de-DE" sz="2200" dirty="0" smtClean="0"/>
+              <a:t> (TASK 1)</a:t>
+            </a:r>
+          </a:p>
+          <a:p>
+            <a:pPr marL="342900" marR="0" lvl="0" indent="-342900" defTabSz="914400" eaLnBrk="1" fontAlgn="auto" latinLnBrk="0" hangingPunct="1">
+              <a:lnSpc>
+                <a:spcPct val="100000"/>
+              </a:lnSpc>
+              <a:spcBef>
+                <a:spcPts val="0"/>
+              </a:spcBef>
+              <a:spcAft>
+                <a:spcPts val="0"/>
+              </a:spcAft>
+              <a:buClrTx/>
+              <a:buSzTx/>
+              <a:buFont typeface="Arial" charset="0"/>
+              <a:buChar char="•"/>
+              <a:tabLst/>
+              <a:defRPr/>
+            </a:pPr>
+            <a:r>
+              <a:rPr lang="de-DE" sz="2200" dirty="0" err="1" smtClean="0"/>
+              <a:t>Implement</a:t>
+            </a:r>
+            <a:r>
+              <a:rPr lang="de-DE" sz="2200" dirty="0" smtClean="0"/>
+              <a:t> </a:t>
+            </a:r>
+            <a:r>
+              <a:rPr lang="de-DE" sz="2200" dirty="0" err="1" smtClean="0"/>
+              <a:t>gaps</a:t>
+            </a:r>
+            <a:r>
+              <a:rPr lang="de-DE" sz="2200" dirty="0" smtClean="0"/>
+              <a:t>, rigid </a:t>
+            </a:r>
+            <a:r>
+              <a:rPr lang="de-DE" sz="2200" dirty="0" err="1" smtClean="0"/>
+              <a:t>members</a:t>
+            </a:r>
+            <a:r>
+              <a:rPr lang="de-DE" sz="2200" dirty="0" smtClean="0"/>
+              <a:t> (TASK 1)</a:t>
+            </a:r>
+          </a:p>
+          <a:p>
+            <a:pPr marL="342900" marR="0" lvl="0" indent="-342900" defTabSz="914400" eaLnBrk="1" fontAlgn="auto" latinLnBrk="0" hangingPunct="1">
+              <a:lnSpc>
+                <a:spcPct val="100000"/>
+              </a:lnSpc>
+              <a:spcBef>
+                <a:spcPts val="0"/>
+              </a:spcBef>
+              <a:spcAft>
+                <a:spcPts val="0"/>
+              </a:spcAft>
+              <a:buClrTx/>
+              <a:buSzTx/>
+              <a:buFont typeface="Arial" charset="0"/>
+              <a:buChar char="•"/>
+              <a:tabLst/>
+              <a:defRPr/>
+            </a:pPr>
+            <a:r>
+              <a:rPr lang="de-DE" sz="2200" dirty="0" err="1" smtClean="0"/>
+              <a:t>Implement</a:t>
+            </a:r>
+            <a:r>
+              <a:rPr lang="de-DE" sz="2200" dirty="0" smtClean="0"/>
+              <a:t> </a:t>
+            </a:r>
+            <a:r>
+              <a:rPr lang="de-DE" sz="2200" dirty="0" err="1" smtClean="0"/>
+              <a:t>the</a:t>
+            </a:r>
+            <a:r>
+              <a:rPr lang="de-DE" sz="2200" dirty="0" smtClean="0"/>
+              <a:t> </a:t>
+            </a:r>
+            <a:r>
+              <a:rPr lang="de-DE" sz="2200" dirty="0" err="1" smtClean="0"/>
+              <a:t>possibility</a:t>
+            </a:r>
+            <a:r>
+              <a:rPr lang="de-DE" sz="2200" dirty="0" smtClean="0"/>
+              <a:t> </a:t>
+            </a:r>
+            <a:r>
+              <a:rPr lang="de-DE" sz="2200" dirty="0" err="1" smtClean="0"/>
+              <a:t>for</a:t>
+            </a:r>
+            <a:r>
+              <a:rPr lang="de-DE" sz="2200" dirty="0" smtClean="0"/>
+              <a:t> </a:t>
+            </a:r>
+            <a:r>
+              <a:rPr lang="de-DE" sz="2200" dirty="0" err="1" smtClean="0"/>
+              <a:t>the</a:t>
+            </a:r>
+            <a:r>
+              <a:rPr lang="de-DE" sz="2200" dirty="0" smtClean="0"/>
+              <a:t> </a:t>
+            </a:r>
+            <a:r>
+              <a:rPr lang="de-DE" sz="2200" dirty="0" err="1" smtClean="0"/>
+              <a:t>user</a:t>
+            </a:r>
+            <a:r>
+              <a:rPr lang="de-DE" sz="2200" dirty="0" smtClean="0"/>
+              <a:t> </a:t>
+            </a:r>
+            <a:r>
+              <a:rPr lang="de-DE" sz="2200" dirty="0" err="1" smtClean="0"/>
+              <a:t>to</a:t>
+            </a:r>
+            <a:r>
+              <a:rPr lang="de-DE" sz="2200" dirty="0" smtClean="0"/>
+              <a:t> </a:t>
+            </a:r>
+            <a:r>
+              <a:rPr lang="de-DE" sz="2200" dirty="0" err="1" smtClean="0"/>
+              <a:t>access</a:t>
+            </a:r>
+            <a:r>
+              <a:rPr lang="de-DE" sz="2200" dirty="0" smtClean="0"/>
+              <a:t> </a:t>
+            </a:r>
+            <a:r>
+              <a:rPr lang="de-DE" sz="2200" dirty="0" err="1" smtClean="0"/>
+              <a:t>the</a:t>
+            </a:r>
+            <a:r>
+              <a:rPr lang="de-DE" sz="2200" dirty="0" smtClean="0"/>
+              <a:t> </a:t>
+            </a:r>
+            <a:r>
+              <a:rPr lang="de-DE" sz="2200" dirty="0" err="1" smtClean="0"/>
+              <a:t>solutions</a:t>
+            </a:r>
+            <a:r>
+              <a:rPr lang="de-DE" sz="2200" dirty="0" smtClean="0"/>
+              <a:t> in a </a:t>
+            </a:r>
+            <a:r>
+              <a:rPr lang="de-DE" sz="2200" dirty="0" err="1" smtClean="0"/>
+              <a:t>way</a:t>
+            </a:r>
+            <a:r>
+              <a:rPr lang="de-DE" sz="2200" dirty="0" smtClean="0"/>
+              <a:t> different </a:t>
+            </a:r>
+            <a:r>
+              <a:rPr lang="de-DE" sz="2200" dirty="0" err="1" smtClean="0"/>
+              <a:t>from</a:t>
+            </a:r>
+            <a:r>
+              <a:rPr lang="de-DE" sz="2200" dirty="0" smtClean="0"/>
+              <a:t> a </a:t>
+            </a:r>
+            <a:r>
+              <a:rPr lang="de-DE" sz="2200" dirty="0" err="1" smtClean="0"/>
+              <a:t>long</a:t>
+            </a:r>
+            <a:r>
+              <a:rPr lang="de-DE" sz="2200" dirty="0" smtClean="0"/>
+              <a:t> </a:t>
+            </a:r>
+            <a:r>
+              <a:rPr lang="de-DE" sz="2200" dirty="0" err="1" smtClean="0"/>
+              <a:t>list</a:t>
+            </a:r>
+            <a:r>
+              <a:rPr lang="de-DE" sz="2200" dirty="0" smtClean="0"/>
+              <a:t> (TASK 1)</a:t>
+            </a:r>
+          </a:p>
+          <a:p>
+            <a:pPr marL="342900" marR="0" lvl="0" indent="-342900" defTabSz="914400" eaLnBrk="1" fontAlgn="auto" latinLnBrk="0" hangingPunct="1">
+              <a:lnSpc>
+                <a:spcPct val="100000"/>
+              </a:lnSpc>
+              <a:spcBef>
+                <a:spcPts val="0"/>
+              </a:spcBef>
+              <a:spcAft>
+                <a:spcPts val="0"/>
+              </a:spcAft>
+              <a:buClrTx/>
+              <a:buSzTx/>
+              <a:buFont typeface="Arial" charset="0"/>
+              <a:buChar char="•"/>
+              <a:tabLst/>
+              <a:defRPr/>
+            </a:pPr>
+            <a:r>
+              <a:rPr lang="de-DE" sz="2200" dirty="0" err="1" smtClean="0"/>
+              <a:t>Extend</a:t>
+            </a:r>
+            <a:r>
+              <a:rPr lang="de-DE" sz="2200" dirty="0" smtClean="0"/>
+              <a:t> </a:t>
+            </a:r>
+            <a:r>
+              <a:rPr lang="de-DE" sz="2200" dirty="0" err="1" smtClean="0"/>
+              <a:t>the</a:t>
+            </a:r>
+            <a:r>
+              <a:rPr lang="de-DE" sz="2200" dirty="0" smtClean="0"/>
+              <a:t> </a:t>
+            </a:r>
+            <a:r>
+              <a:rPr lang="de-DE" sz="2200" dirty="0" err="1" smtClean="0"/>
+              <a:t>possibility</a:t>
+            </a:r>
+            <a:r>
+              <a:rPr lang="de-DE" sz="2200" dirty="0" smtClean="0"/>
+              <a:t>, </a:t>
+            </a:r>
+            <a:r>
+              <a:rPr lang="de-DE" sz="2200" dirty="0" err="1" smtClean="0"/>
+              <a:t>to</a:t>
+            </a:r>
+            <a:r>
+              <a:rPr lang="de-DE" sz="2200" dirty="0" smtClean="0"/>
+              <a:t> </a:t>
+            </a:r>
+            <a:r>
+              <a:rPr lang="de-DE" sz="2200" dirty="0" err="1" smtClean="0"/>
+              <a:t>generate</a:t>
+            </a:r>
+            <a:r>
+              <a:rPr lang="de-DE" sz="2200" dirty="0" smtClean="0"/>
+              <a:t> </a:t>
+            </a:r>
+            <a:r>
+              <a:rPr lang="de-DE" sz="2200" dirty="0" err="1" smtClean="0"/>
+              <a:t>videos</a:t>
+            </a:r>
+            <a:r>
+              <a:rPr lang="de-DE" sz="2200" dirty="0" smtClean="0"/>
+              <a:t> </a:t>
+            </a:r>
+            <a:r>
+              <a:rPr lang="de-DE" sz="2200" dirty="0" err="1" smtClean="0"/>
+              <a:t>directly</a:t>
+            </a:r>
+            <a:r>
+              <a:rPr lang="de-DE" sz="2200" dirty="0" smtClean="0"/>
+              <a:t> </a:t>
+            </a:r>
+            <a:r>
+              <a:rPr lang="de-DE" sz="2200" dirty="0" err="1" smtClean="0"/>
+              <a:t>from</a:t>
+            </a:r>
+            <a:r>
+              <a:rPr lang="de-DE" sz="2200" dirty="0" smtClean="0"/>
+              <a:t> </a:t>
+            </a:r>
+            <a:r>
+              <a:rPr lang="de-DE" sz="2200" dirty="0" err="1" smtClean="0"/>
+              <a:t>the</a:t>
+            </a:r>
+            <a:r>
+              <a:rPr lang="de-DE" sz="2200" dirty="0" smtClean="0"/>
+              <a:t> </a:t>
+            </a:r>
+            <a:r>
+              <a:rPr lang="de-DE" sz="2200" dirty="0" err="1" smtClean="0"/>
+              <a:t>solutions</a:t>
+            </a:r>
+            <a:r>
+              <a:rPr lang="de-DE" sz="2200" dirty="0" smtClean="0"/>
+              <a:t>, </a:t>
+            </a:r>
+            <a:r>
+              <a:rPr lang="de-DE" sz="2200" dirty="0" err="1" smtClean="0"/>
+              <a:t>to</a:t>
+            </a:r>
+            <a:r>
+              <a:rPr lang="de-DE" sz="2200" dirty="0" smtClean="0"/>
+              <a:t> </a:t>
+            </a:r>
+            <a:r>
+              <a:rPr lang="de-DE" sz="2200" dirty="0" err="1" smtClean="0"/>
+              <a:t>structures</a:t>
+            </a:r>
+            <a:r>
+              <a:rPr lang="de-DE" sz="2200" dirty="0" smtClean="0"/>
+              <a:t> </a:t>
+            </a:r>
+            <a:r>
+              <a:rPr lang="de-DE" sz="2200" dirty="0" err="1" smtClean="0"/>
+              <a:t>with</a:t>
+            </a:r>
+            <a:r>
+              <a:rPr lang="de-DE" sz="2200" dirty="0" smtClean="0"/>
+              <a:t> </a:t>
+            </a:r>
+            <a:r>
+              <a:rPr lang="de-DE" sz="2200" dirty="0" err="1" smtClean="0"/>
+              <a:t>connections</a:t>
+            </a:r>
+            <a:r>
+              <a:rPr lang="de-DE" sz="2200" dirty="0" smtClean="0"/>
+              <a:t> (TASK 3)</a:t>
+            </a:r>
+          </a:p>
+          <a:p>
+            <a:pPr marL="342900" marR="0" lvl="0" indent="-342900" defTabSz="914400" eaLnBrk="1" fontAlgn="auto" latinLnBrk="0" hangingPunct="1">
+              <a:lnSpc>
+                <a:spcPct val="100000"/>
+              </a:lnSpc>
+              <a:spcBef>
+                <a:spcPts val="0"/>
+              </a:spcBef>
+              <a:spcAft>
+                <a:spcPts val="0"/>
+              </a:spcAft>
+              <a:buClrTx/>
+              <a:buSzTx/>
+              <a:buFont typeface="Arial" charset="0"/>
+              <a:buChar char="•"/>
+              <a:tabLst/>
+              <a:defRPr/>
+            </a:pPr>
+            <a:r>
+              <a:rPr lang="de-DE" sz="2200" dirty="0" err="1" smtClean="0"/>
+              <a:t>Solve</a:t>
+            </a:r>
+            <a:r>
+              <a:rPr lang="de-DE" sz="2200" dirty="0" smtClean="0"/>
+              <a:t> TASK 2</a:t>
+            </a:r>
           </a:p>
         </p:txBody>
       </p:sp>
@@ -17165,15 +18803,25 @@
           <a:bodyPr/>
           <a:lstStyle/>
           <a:p>
-            <a:r>
-              <a:rPr sz="3000" dirty="0" smtClean="0"/>
-              <a:t>Schrift</a:t>
+            <a:pPr algn="ctr"/>
+            <a:r>
+              <a:rPr lang="de-DE" dirty="0" smtClean="0"/>
+              <a:t>Next </a:t>
+            </a:r>
+            <a:r>
+              <a:rPr lang="de-DE" dirty="0" err="1" smtClean="0"/>
+              <a:t>steps</a:t>
             </a:r>
             <a:endParaRPr lang="de-DE" sz="3000" dirty="0"/>
           </a:p>
         </p:txBody>
       </p:sp>
     </p:spTree>
+    <p:extLst>
+      <p:ext uri="{BB962C8B-B14F-4D97-AF65-F5344CB8AC3E}">
+        <p14:creationId xmlns:p14="http://schemas.microsoft.com/office/powerpoint/2010/main" val="1632549403"/>
+      </p:ext>
+    </p:extLst>
   </p:cSld>
   <p:clrMapOvr>
     <a:masterClrMapping/>
@@ -17222,97 +18870,26 @@
           <a:p>
             <a:r>
               <a:rPr dirty="0"/>
-              <a:t>Als erstes soll mit schwarz und weiß gearbeitet werden.</a:t>
+              <a:t>Als Grundlage dient der Corporate Design Style Guide der TUM.</a:t>
             </a:r>
             <a:br>
               <a:rPr dirty="0"/>
             </a:br>
             <a:r>
               <a:rPr dirty="0"/>
-              <a:t>Für Aufwändigere Darstellungen sind Farben mit Bedacht und in möglichst geringem Umfang einzusetzen.</a:t>
-            </a:r>
-            <a:br>
-              <a:rPr dirty="0"/>
-            </a:br>
-            <a:endParaRPr dirty="0"/>
-          </a:p>
-          <a:p>
-            <a:r>
-              <a:rPr dirty="0"/>
-              <a:t>In diesem Folienmaster ist die Farbpalette festgelegt.</a:t>
-            </a:r>
-          </a:p>
-          <a:p>
-            <a:endParaRPr dirty="0" smtClean="0"/>
-          </a:p>
-          <a:p>
+              <a:t>Die Präsentationsvorlage ist auf gute Lesbarkeit und klare Darstellung von Informationen optimiert</a:t>
+            </a:r>
             <a:r>
               <a:rPr dirty="0" smtClean="0"/>
-              <a:t>Zuerst mit </a:t>
-            </a:r>
-            <a:r>
-              <a:rPr lang="de-DE" dirty="0" smtClean="0"/>
-              <a:t>den Primärfarben </a:t>
-            </a:r>
-            <a:r>
-              <a:rPr dirty="0" smtClean="0"/>
-              <a:t>arbeiten</a:t>
-            </a:r>
-            <a:r>
-              <a:rPr lang="de-DE" dirty="0" smtClean="0"/>
               <a:t>.</a:t>
             </a:r>
-          </a:p>
-          <a:p>
-            <a:endParaRPr lang="de-DE" dirty="0" smtClean="0"/>
-          </a:p>
-          <a:p>
-            <a:endParaRPr lang="de-DE" dirty="0" smtClean="0"/>
-          </a:p>
-          <a:p>
-            <a:r>
-              <a:rPr dirty="0" smtClean="0"/>
-              <a:t>Für </a:t>
-            </a:r>
-            <a:r>
-              <a:rPr dirty="0"/>
-              <a:t>z.B. komplexe Diagramme stehen noch</a:t>
-            </a:r>
-            <a:r>
-              <a:rPr lang="de-DE" dirty="0" smtClean="0"/>
-              <a:t>Sekundärfarben </a:t>
-            </a:r>
-            <a:r>
-              <a:rPr dirty="0" smtClean="0"/>
-              <a:t>zur </a:t>
-            </a:r>
-            <a:r>
-              <a:rPr dirty="0"/>
-              <a:t>Verfügung.</a:t>
-            </a:r>
-            <a:endParaRPr dirty="0" smtClean="0"/>
-          </a:p>
-          <a:p>
-            <a:endParaRPr dirty="0" smtClean="0"/>
-          </a:p>
-          <a:p>
-            <a:endParaRPr dirty="0" smtClean="0"/>
-          </a:p>
-          <a:p>
-            <a:r>
-              <a:rPr lang="de-DE" dirty="0" smtClean="0"/>
-              <a:t>Gering im Einsatz sind die Akzentfarben.</a:t>
-            </a:r>
-            <a:endParaRPr dirty="0" smtClean="0"/>
-          </a:p>
-          <a:p>
             <a:endParaRPr dirty="0"/>
           </a:p>
         </p:txBody>
       </p:sp>
       <p:sp>
         <p:nvSpPr>
-          <p:cNvPr id="19" name="Fußzeilenplatzhalter 4"/>
+          <p:cNvPr id="6" name="Fußzeilenplatzhalter 4"/>
           <p:cNvSpPr>
             <a:spLocks noGrp="1"/>
           </p:cNvSpPr>
@@ -17353,574 +18930,14 @@
           <a:lstStyle/>
           <a:p>
             <a:r>
+              <a:rPr sz="3000" smtClean="0"/>
+              <a:t>Grundlage der </a:t>
+            </a:r>
+            <a:r>
               <a:rPr sz="3000" dirty="0" smtClean="0"/>
-              <a:t>Farben</a:t>
+              <a:t>Masterfolien</a:t>
             </a:r>
             <a:endParaRPr lang="de-DE" sz="3000" dirty="0"/>
-          </a:p>
-        </p:txBody>
-      </p:sp>
-      <p:sp>
-        <p:nvSpPr>
-          <p:cNvPr id="14" name="Rechteck 13"/>
-          <p:cNvSpPr/>
-          <p:nvPr/>
-        </p:nvSpPr>
-        <p:spPr>
-          <a:xfrm>
-            <a:off x="321735" y="3843868"/>
-            <a:ext cx="855132" cy="245531"/>
-          </a:xfrm>
-          <a:prstGeom prst="rect">
-            <a:avLst/>
-          </a:prstGeom>
-          <a:solidFill>
-            <a:schemeClr val="bg2"/>
-          </a:solidFill>
-          <a:ln>
-            <a:noFill/>
-          </a:ln>
-        </p:spPr>
-        <p:style>
-          <a:lnRef idx="2">
-            <a:schemeClr val="accent1">
-              <a:shade val="50000"/>
-            </a:schemeClr>
-          </a:lnRef>
-          <a:fillRef idx="1">
-            <a:schemeClr val="accent1"/>
-          </a:fillRef>
-          <a:effectRef idx="0">
-            <a:schemeClr val="accent1"/>
-          </a:effectRef>
-          <a:fontRef idx="minor">
-            <a:schemeClr val="lt1"/>
-          </a:fontRef>
-        </p:style>
-        <p:txBody>
-          <a:bodyPr rot="0" spcFirstLastPara="0" vertOverflow="overflow" horzOverflow="overflow" vert="horz" wrap="square" lIns="91440" tIns="45720" rIns="91440" bIns="45720" numCol="1" spcCol="0" rtlCol="0" fromWordArt="0" anchor="t" anchorCtr="0" forceAA="0" compatLnSpc="1">
-            <a:prstTxWarp prst="textNoShape">
-              <a:avLst/>
-            </a:prstTxWarp>
-            <a:noAutofit/>
-          </a:bodyPr>
-          <a:lstStyle/>
-          <a:p>
-            <a:pPr algn="ctr">
-              <a:lnSpc>
-                <a:spcPct val="114000"/>
-              </a:lnSpc>
-            </a:pPr>
-            <a:endParaRPr lang="de-DE" dirty="0" smtClean="0">
-              <a:solidFill>
-                <a:schemeClr val="accent1"/>
-              </a:solidFill>
-            </a:endParaRPr>
-          </a:p>
-        </p:txBody>
-      </p:sp>
-      <p:sp>
-        <p:nvSpPr>
-          <p:cNvPr id="24" name="Rechteck 23"/>
-          <p:cNvSpPr/>
-          <p:nvPr/>
-        </p:nvSpPr>
-        <p:spPr>
-          <a:xfrm>
-            <a:off x="1295402" y="3843868"/>
-            <a:ext cx="855132" cy="245531"/>
-          </a:xfrm>
-          <a:prstGeom prst="rect">
-            <a:avLst/>
-          </a:prstGeom>
-          <a:solidFill>
-            <a:schemeClr val="tx1"/>
-          </a:solidFill>
-          <a:ln>
-            <a:noFill/>
-          </a:ln>
-        </p:spPr>
-        <p:style>
-          <a:lnRef idx="2">
-            <a:schemeClr val="accent1">
-              <a:shade val="50000"/>
-            </a:schemeClr>
-          </a:lnRef>
-          <a:fillRef idx="1">
-            <a:schemeClr val="accent1"/>
-          </a:fillRef>
-          <a:effectRef idx="0">
-            <a:schemeClr val="accent1"/>
-          </a:effectRef>
-          <a:fontRef idx="minor">
-            <a:schemeClr val="lt1"/>
-          </a:fontRef>
-        </p:style>
-        <p:txBody>
-          <a:bodyPr rot="0" spcFirstLastPara="0" vertOverflow="overflow" horzOverflow="overflow" vert="horz" wrap="square" lIns="91440" tIns="45720" rIns="91440" bIns="45720" numCol="1" spcCol="0" rtlCol="0" fromWordArt="0" anchor="t" anchorCtr="0" forceAA="0" compatLnSpc="1">
-            <a:prstTxWarp prst="textNoShape">
-              <a:avLst/>
-            </a:prstTxWarp>
-            <a:noAutofit/>
-          </a:bodyPr>
-          <a:lstStyle/>
-          <a:p>
-            <a:pPr algn="ctr">
-              <a:lnSpc>
-                <a:spcPct val="114000"/>
-              </a:lnSpc>
-            </a:pPr>
-            <a:endParaRPr lang="de-DE" dirty="0" smtClean="0">
-              <a:solidFill>
-                <a:schemeClr val="tx1"/>
-              </a:solidFill>
-            </a:endParaRPr>
-          </a:p>
-        </p:txBody>
-      </p:sp>
-      <p:sp>
-        <p:nvSpPr>
-          <p:cNvPr id="25" name="Rechteck 24"/>
-          <p:cNvSpPr/>
-          <p:nvPr/>
-        </p:nvSpPr>
-        <p:spPr>
-          <a:xfrm>
-            <a:off x="2260602" y="3843868"/>
-            <a:ext cx="855132" cy="245531"/>
-          </a:xfrm>
-          <a:prstGeom prst="rect">
-            <a:avLst/>
-          </a:prstGeom>
-          <a:solidFill>
-            <a:schemeClr val="bg1"/>
-          </a:solidFill>
-          <a:ln w="6350" cap="flat" cmpd="sng" algn="ctr">
-            <a:solidFill>
-              <a:schemeClr val="tx1"/>
-            </a:solidFill>
-            <a:prstDash val="solid"/>
-            <a:round/>
-            <a:headEnd type="none" w="med" len="med"/>
-            <a:tailEnd type="none" w="med" len="med"/>
-          </a:ln>
-        </p:spPr>
-        <p:style>
-          <a:lnRef idx="2">
-            <a:schemeClr val="accent1">
-              <a:shade val="50000"/>
-            </a:schemeClr>
-          </a:lnRef>
-          <a:fillRef idx="1">
-            <a:schemeClr val="accent1"/>
-          </a:fillRef>
-          <a:effectRef idx="0">
-            <a:schemeClr val="accent1"/>
-          </a:effectRef>
-          <a:fontRef idx="minor">
-            <a:schemeClr val="lt1"/>
-          </a:fontRef>
-        </p:style>
-        <p:txBody>
-          <a:bodyPr rot="0" spcFirstLastPara="0" vertOverflow="overflow" horzOverflow="overflow" vert="horz" wrap="square" lIns="91440" tIns="45720" rIns="91440" bIns="45720" numCol="1" spcCol="0" rtlCol="0" fromWordArt="0" anchor="t" anchorCtr="0" forceAA="0" compatLnSpc="1">
-            <a:prstTxWarp prst="textNoShape">
-              <a:avLst/>
-            </a:prstTxWarp>
-            <a:noAutofit/>
-          </a:bodyPr>
-          <a:lstStyle/>
-          <a:p>
-            <a:pPr algn="ctr">
-              <a:lnSpc>
-                <a:spcPct val="114000"/>
-              </a:lnSpc>
-            </a:pPr>
-            <a:endParaRPr lang="de-DE" dirty="0" smtClean="0"/>
-          </a:p>
-        </p:txBody>
-      </p:sp>
-      <p:sp>
-        <p:nvSpPr>
-          <p:cNvPr id="26" name="Rechteck 25"/>
-          <p:cNvSpPr/>
-          <p:nvPr/>
-        </p:nvSpPr>
-        <p:spPr>
-          <a:xfrm>
-            <a:off x="321735" y="4665135"/>
-            <a:ext cx="855132" cy="245531"/>
-          </a:xfrm>
-          <a:prstGeom prst="rect">
-            <a:avLst/>
-          </a:prstGeom>
-          <a:solidFill>
-            <a:schemeClr val="accent1"/>
-          </a:solidFill>
-          <a:ln>
-            <a:noFill/>
-          </a:ln>
-        </p:spPr>
-        <p:style>
-          <a:lnRef idx="2">
-            <a:schemeClr val="accent1">
-              <a:shade val="50000"/>
-            </a:schemeClr>
-          </a:lnRef>
-          <a:fillRef idx="1">
-            <a:schemeClr val="accent1"/>
-          </a:fillRef>
-          <a:effectRef idx="0">
-            <a:schemeClr val="accent1"/>
-          </a:effectRef>
-          <a:fontRef idx="minor">
-            <a:schemeClr val="lt1"/>
-          </a:fontRef>
-        </p:style>
-        <p:txBody>
-          <a:bodyPr rot="0" spcFirstLastPara="0" vertOverflow="overflow" horzOverflow="overflow" vert="horz" wrap="square" lIns="91440" tIns="45720" rIns="91440" bIns="45720" numCol="1" spcCol="0" rtlCol="0" fromWordArt="0" anchor="t" anchorCtr="0" forceAA="0" compatLnSpc="1">
-            <a:prstTxWarp prst="textNoShape">
-              <a:avLst/>
-            </a:prstTxWarp>
-            <a:noAutofit/>
-          </a:bodyPr>
-          <a:lstStyle/>
-          <a:p>
-            <a:pPr algn="ctr">
-              <a:lnSpc>
-                <a:spcPct val="114000"/>
-              </a:lnSpc>
-            </a:pPr>
-            <a:endParaRPr lang="de-DE" dirty="0" smtClean="0"/>
-          </a:p>
-        </p:txBody>
-      </p:sp>
-      <p:sp>
-        <p:nvSpPr>
-          <p:cNvPr id="27" name="Rechteck 26"/>
-          <p:cNvSpPr/>
-          <p:nvPr/>
-        </p:nvSpPr>
-        <p:spPr>
-          <a:xfrm>
-            <a:off x="1295402" y="4665135"/>
-            <a:ext cx="855132" cy="245531"/>
-          </a:xfrm>
-          <a:prstGeom prst="rect">
-            <a:avLst/>
-          </a:prstGeom>
-          <a:solidFill>
-            <a:schemeClr val="accent2"/>
-          </a:solidFill>
-          <a:ln>
-            <a:noFill/>
-          </a:ln>
-        </p:spPr>
-        <p:style>
-          <a:lnRef idx="2">
-            <a:schemeClr val="accent1">
-              <a:shade val="50000"/>
-            </a:schemeClr>
-          </a:lnRef>
-          <a:fillRef idx="1">
-            <a:schemeClr val="accent1"/>
-          </a:fillRef>
-          <a:effectRef idx="0">
-            <a:schemeClr val="accent1"/>
-          </a:effectRef>
-          <a:fontRef idx="minor">
-            <a:schemeClr val="lt1"/>
-          </a:fontRef>
-        </p:style>
-        <p:txBody>
-          <a:bodyPr rot="0" spcFirstLastPara="0" vertOverflow="overflow" horzOverflow="overflow" vert="horz" wrap="square" lIns="91440" tIns="45720" rIns="91440" bIns="45720" numCol="1" spcCol="0" rtlCol="0" fromWordArt="0" anchor="t" anchorCtr="0" forceAA="0" compatLnSpc="1">
-            <a:prstTxWarp prst="textNoShape">
-              <a:avLst/>
-            </a:prstTxWarp>
-            <a:noAutofit/>
-          </a:bodyPr>
-          <a:lstStyle/>
-          <a:p>
-            <a:pPr algn="ctr">
-              <a:lnSpc>
-                <a:spcPct val="114000"/>
-              </a:lnSpc>
-            </a:pPr>
-            <a:endParaRPr lang="de-DE" dirty="0" smtClean="0"/>
-          </a:p>
-        </p:txBody>
-      </p:sp>
-      <p:sp>
-        <p:nvSpPr>
-          <p:cNvPr id="28" name="Rechteck 27"/>
-          <p:cNvSpPr/>
-          <p:nvPr/>
-        </p:nvSpPr>
-        <p:spPr>
-          <a:xfrm>
-            <a:off x="2260602" y="4665135"/>
-            <a:ext cx="855132" cy="245531"/>
-          </a:xfrm>
-          <a:prstGeom prst="rect">
-            <a:avLst/>
-          </a:prstGeom>
-          <a:solidFill>
-            <a:schemeClr val="accent3"/>
-          </a:solidFill>
-          <a:ln>
-            <a:noFill/>
-          </a:ln>
-        </p:spPr>
-        <p:style>
-          <a:lnRef idx="2">
-            <a:schemeClr val="accent1">
-              <a:shade val="50000"/>
-            </a:schemeClr>
-          </a:lnRef>
-          <a:fillRef idx="1">
-            <a:schemeClr val="accent1"/>
-          </a:fillRef>
-          <a:effectRef idx="0">
-            <a:schemeClr val="accent1"/>
-          </a:effectRef>
-          <a:fontRef idx="minor">
-            <a:schemeClr val="lt1"/>
-          </a:fontRef>
-        </p:style>
-        <p:txBody>
-          <a:bodyPr rot="0" spcFirstLastPara="0" vertOverflow="overflow" horzOverflow="overflow" vert="horz" wrap="square" lIns="91440" tIns="45720" rIns="91440" bIns="45720" numCol="1" spcCol="0" rtlCol="0" fromWordArt="0" anchor="t" anchorCtr="0" forceAA="0" compatLnSpc="1">
-            <a:prstTxWarp prst="textNoShape">
-              <a:avLst/>
-            </a:prstTxWarp>
-            <a:noAutofit/>
-          </a:bodyPr>
-          <a:lstStyle/>
-          <a:p>
-            <a:pPr algn="ctr">
-              <a:lnSpc>
-                <a:spcPct val="114000"/>
-              </a:lnSpc>
-            </a:pPr>
-            <a:endParaRPr lang="de-DE" dirty="0" smtClean="0"/>
-          </a:p>
-        </p:txBody>
-      </p:sp>
-      <p:sp>
-        <p:nvSpPr>
-          <p:cNvPr id="29" name="Rechteck 28"/>
-          <p:cNvSpPr/>
-          <p:nvPr/>
-        </p:nvSpPr>
-        <p:spPr>
-          <a:xfrm>
-            <a:off x="3225802" y="4665135"/>
-            <a:ext cx="855132" cy="245531"/>
-          </a:xfrm>
-          <a:prstGeom prst="rect">
-            <a:avLst/>
-          </a:prstGeom>
-          <a:solidFill>
-            <a:srgbClr val="999999"/>
-          </a:solidFill>
-          <a:ln>
-            <a:noFill/>
-          </a:ln>
-        </p:spPr>
-        <p:style>
-          <a:lnRef idx="2">
-            <a:schemeClr val="accent1">
-              <a:shade val="50000"/>
-            </a:schemeClr>
-          </a:lnRef>
-          <a:fillRef idx="1">
-            <a:schemeClr val="accent1"/>
-          </a:fillRef>
-          <a:effectRef idx="0">
-            <a:schemeClr val="accent1"/>
-          </a:effectRef>
-          <a:fontRef idx="minor">
-            <a:schemeClr val="lt1"/>
-          </a:fontRef>
-        </p:style>
-        <p:txBody>
-          <a:bodyPr rot="0" spcFirstLastPara="0" vertOverflow="overflow" horzOverflow="overflow" vert="horz" wrap="square" lIns="91440" tIns="45720" rIns="91440" bIns="45720" numCol="1" spcCol="0" rtlCol="0" fromWordArt="0" anchor="t" anchorCtr="0" forceAA="0" compatLnSpc="1">
-            <a:prstTxWarp prst="textNoShape">
-              <a:avLst/>
-            </a:prstTxWarp>
-            <a:noAutofit/>
-          </a:bodyPr>
-          <a:lstStyle/>
-          <a:p>
-            <a:pPr algn="ctr">
-              <a:lnSpc>
-                <a:spcPct val="114000"/>
-              </a:lnSpc>
-            </a:pPr>
-            <a:endParaRPr lang="de-DE" dirty="0" smtClean="0"/>
-          </a:p>
-        </p:txBody>
-      </p:sp>
-      <p:sp>
-        <p:nvSpPr>
-          <p:cNvPr id="36" name="Rechteck 35"/>
-          <p:cNvSpPr/>
-          <p:nvPr/>
-        </p:nvSpPr>
-        <p:spPr>
-          <a:xfrm>
-            <a:off x="321735" y="5529793"/>
-            <a:ext cx="855132" cy="245531"/>
-          </a:xfrm>
-          <a:prstGeom prst="rect">
-            <a:avLst/>
-          </a:prstGeom>
-          <a:solidFill>
-            <a:schemeClr val="accent5"/>
-          </a:solidFill>
-          <a:ln>
-            <a:noFill/>
-          </a:ln>
-        </p:spPr>
-        <p:style>
-          <a:lnRef idx="2">
-            <a:schemeClr val="accent1">
-              <a:shade val="50000"/>
-            </a:schemeClr>
-          </a:lnRef>
-          <a:fillRef idx="1">
-            <a:schemeClr val="accent1"/>
-          </a:fillRef>
-          <a:effectRef idx="0">
-            <a:schemeClr val="accent1"/>
-          </a:effectRef>
-          <a:fontRef idx="minor">
-            <a:schemeClr val="lt1"/>
-          </a:fontRef>
-        </p:style>
-        <p:txBody>
-          <a:bodyPr rot="0" spcFirstLastPara="0" vertOverflow="overflow" horzOverflow="overflow" vert="horz" wrap="square" lIns="91440" tIns="45720" rIns="91440" bIns="45720" numCol="1" spcCol="0" rtlCol="0" fromWordArt="0" anchor="t" anchorCtr="0" forceAA="0" compatLnSpc="1">
-            <a:prstTxWarp prst="textNoShape">
-              <a:avLst/>
-            </a:prstTxWarp>
-            <a:noAutofit/>
-          </a:bodyPr>
-          <a:lstStyle/>
-          <a:p>
-            <a:pPr algn="ctr">
-              <a:lnSpc>
-                <a:spcPct val="114000"/>
-              </a:lnSpc>
-            </a:pPr>
-            <a:endParaRPr lang="de-DE" dirty="0" smtClean="0"/>
-          </a:p>
-        </p:txBody>
-      </p:sp>
-      <p:sp>
-        <p:nvSpPr>
-          <p:cNvPr id="37" name="Rechteck 36"/>
-          <p:cNvSpPr/>
-          <p:nvPr/>
-        </p:nvSpPr>
-        <p:spPr>
-          <a:xfrm>
-            <a:off x="1295402" y="5529793"/>
-            <a:ext cx="855132" cy="245531"/>
-          </a:xfrm>
-          <a:prstGeom prst="rect">
-            <a:avLst/>
-          </a:prstGeom>
-          <a:solidFill>
-            <a:schemeClr val="accent4"/>
-          </a:solidFill>
-          <a:ln>
-            <a:noFill/>
-          </a:ln>
-        </p:spPr>
-        <p:style>
-          <a:lnRef idx="2">
-            <a:schemeClr val="accent1">
-              <a:shade val="50000"/>
-            </a:schemeClr>
-          </a:lnRef>
-          <a:fillRef idx="1">
-            <a:schemeClr val="accent1"/>
-          </a:fillRef>
-          <a:effectRef idx="0">
-            <a:schemeClr val="accent1"/>
-          </a:effectRef>
-          <a:fontRef idx="minor">
-            <a:schemeClr val="lt1"/>
-          </a:fontRef>
-        </p:style>
-        <p:txBody>
-          <a:bodyPr rot="0" spcFirstLastPara="0" vertOverflow="overflow" horzOverflow="overflow" vert="horz" wrap="square" lIns="91440" tIns="45720" rIns="91440" bIns="45720" numCol="1" spcCol="0" rtlCol="0" fromWordArt="0" anchor="t" anchorCtr="0" forceAA="0" compatLnSpc="1">
-            <a:prstTxWarp prst="textNoShape">
-              <a:avLst/>
-            </a:prstTxWarp>
-            <a:noAutofit/>
-          </a:bodyPr>
-          <a:lstStyle/>
-          <a:p>
-            <a:pPr algn="ctr">
-              <a:lnSpc>
-                <a:spcPct val="114000"/>
-              </a:lnSpc>
-            </a:pPr>
-            <a:endParaRPr lang="de-DE" dirty="0" smtClean="0"/>
-          </a:p>
-        </p:txBody>
-      </p:sp>
-      <p:sp>
-        <p:nvSpPr>
-          <p:cNvPr id="38" name="Rechteck 37"/>
-          <p:cNvSpPr/>
-          <p:nvPr/>
-        </p:nvSpPr>
-        <p:spPr>
-          <a:xfrm>
-            <a:off x="2260602" y="5529793"/>
-            <a:ext cx="855132" cy="245531"/>
-          </a:xfrm>
-          <a:prstGeom prst="rect">
-            <a:avLst/>
-          </a:prstGeom>
-          <a:solidFill>
-            <a:schemeClr val="accent6"/>
-          </a:solidFill>
-          <a:ln>
-            <a:noFill/>
-          </a:ln>
-        </p:spPr>
-        <p:style>
-          <a:lnRef idx="2">
-            <a:schemeClr val="accent1">
-              <a:shade val="50000"/>
-            </a:schemeClr>
-          </a:lnRef>
-          <a:fillRef idx="1">
-            <a:schemeClr val="accent1"/>
-          </a:fillRef>
-          <a:effectRef idx="0">
-            <a:schemeClr val="accent1"/>
-          </a:effectRef>
-          <a:fontRef idx="minor">
-            <a:schemeClr val="lt1"/>
-          </a:fontRef>
-        </p:style>
-        <p:txBody>
-          <a:bodyPr rot="0" spcFirstLastPara="0" vertOverflow="overflow" horzOverflow="overflow" vert="horz" wrap="square" lIns="91440" tIns="45720" rIns="91440" bIns="45720" numCol="1" spcCol="0" rtlCol="0" fromWordArt="0" anchor="t" anchorCtr="0" forceAA="0" compatLnSpc="1">
-            <a:prstTxWarp prst="textNoShape">
-              <a:avLst/>
-            </a:prstTxWarp>
-            <a:noAutofit/>
-          </a:bodyPr>
-          <a:lstStyle/>
-          <a:p>
-            <a:pPr algn="ctr">
-              <a:lnSpc>
-                <a:spcPct val="114000"/>
-              </a:lnSpc>
-            </a:pPr>
-            <a:endParaRPr lang="de-DE" dirty="0" smtClean="0"/>
           </a:p>
         </p:txBody>
       </p:sp>
@@ -17966,35 +18983,32 @@
             <p:ph idx="1"/>
           </p:nvPr>
         </p:nvSpPr>
-        <p:spPr/>
+        <p:spPr>
+          <a:xfrm>
+            <a:off x="319090" y="2105024"/>
+            <a:ext cx="8508999" cy="4356735"/>
+          </a:xfrm>
+        </p:spPr>
         <p:txBody>
           <a:bodyPr/>
           <a:lstStyle/>
           <a:p>
             <a:r>
-              <a:rPr/>
-              <a:t>Kurze und knappe Texte, Fließtexte linksbündig, kein Blocksatz</a:t>
-            </a:r>
-          </a:p>
-          <a:p>
-            <a:endParaRPr/>
-          </a:p>
-          <a:p>
-            <a:r>
-              <a:rPr/>
-              <a:t>Beispiel:</a:t>
-            </a:r>
-          </a:p>
-          <a:p>
-            <a:r>
-              <a:rPr/>
-              <a:t>Tem soluptam, nisi as verum ereprehendam at acculpa quidisq uissit volupta tusdant utem as etur, odi odis es doluptiae dem nimaion con nossinctenis pora quam voloria consenimus blabore everfer epeliquo maio etur</a:t>
-            </a:r>
-            <a:r>
-              <a:rPr smtClean="0"/>
+              <a:rPr dirty="0"/>
+              <a:t>Als Grundlage dient der Corporate Design Style Guide der TUM.</a:t>
+            </a:r>
+            <a:br>
+              <a:rPr dirty="0"/>
+            </a:br>
+            <a:r>
+              <a:rPr dirty="0"/>
+              <a:t>Die Präsentationsvorlage ist auf gute Lesbarkeit und klare Darstellung von Informationen optimiert</a:t>
+            </a:r>
+            <a:r>
+              <a:rPr dirty="0" smtClean="0"/>
               <a:t>.</a:t>
             </a:r>
-            <a:endParaRPr/>
+            <a:endParaRPr dirty="0"/>
           </a:p>
         </p:txBody>
       </p:sp>
@@ -18041,10 +19055,17 @@
           <a:lstStyle/>
           <a:p>
             <a:r>
-              <a:rPr dirty="0" smtClean="0"/>
-              <a:t>Texte</a:t>
-            </a:r>
-            <a:endParaRPr lang="de-DE" dirty="0"/>
+              <a:rPr lang="de-DE" sz="3200" dirty="0" smtClean="0"/>
+              <a:t>Hier steht eine Überschrift</a:t>
+            </a:r>
+            <a:br>
+              <a:rPr lang="de-DE" sz="3200" dirty="0" smtClean="0"/>
+            </a:br>
+            <a:r>
+              <a:rPr lang="de-DE" sz="3200" dirty="0" smtClean="0"/>
+              <a:t>max. 2-zeilig</a:t>
+            </a:r>
+            <a:endParaRPr lang="de-DE" sz="3000" dirty="0"/>
           </a:p>
         </p:txBody>
       </p:sp>
@@ -18096,100 +19117,133 @@
           <a:lstStyle/>
           <a:p>
             <a:r>
-              <a:rPr lang="de-DE" smtClean="0"/>
-              <a:t>Bei kleinen Aufzählungen auf Aufzählungszeichen verzichten und ggf. zusätzliche Leerzeile</a:t>
-            </a:r>
-          </a:p>
-          <a:p>
-            <a:r>
-              <a:rPr lang="de-DE" smtClean="0"/>
-              <a:t>Nur die wesentlichen Punkte nennen und Themen auf verschiedene Seiten splitten.</a:t>
-            </a:r>
-          </a:p>
-          <a:p>
-            <a:endParaRPr lang="de-DE" smtClean="0"/>
-          </a:p>
-          <a:p>
-            <a:r>
-              <a:rPr lang="de-DE" smtClean="0"/>
-              <a:t>Punkt 1</a:t>
-            </a:r>
-          </a:p>
-          <a:p>
-            <a:endParaRPr lang="de-DE" smtClean="0"/>
-          </a:p>
-          <a:p>
-            <a:r>
-              <a:rPr lang="de-DE" smtClean="0"/>
-              <a:t>Punkt 2</a:t>
-            </a:r>
-          </a:p>
-          <a:p>
-            <a:endParaRPr lang="de-DE" smtClean="0"/>
-          </a:p>
-          <a:p>
-            <a:r>
-              <a:rPr lang="de-DE" smtClean="0"/>
-              <a:t>Wenn Unterpunkte in einer Aufzählung nötig sind ist ein Einrücken mit – möglich</a:t>
-            </a:r>
-          </a:p>
-          <a:p>
-            <a:pPr lvl="1"/>
-            <a:r>
-              <a:rPr lang="de-DE" smtClean="0"/>
-              <a:t>Unterpunkt 1</a:t>
-            </a:r>
-          </a:p>
-          <a:p>
-            <a:pPr lvl="2"/>
-            <a:r>
-              <a:rPr lang="de-DE" smtClean="0"/>
-              <a:t>Unterpunkt 1</a:t>
-            </a:r>
-          </a:p>
-          <a:p>
-            <a:pPr lvl="2"/>
-            <a:r>
-              <a:rPr lang="de-DE" smtClean="0"/>
-              <a:t>Unterpunkt 2</a:t>
-            </a:r>
-          </a:p>
-          <a:p>
-            <a:endParaRPr lang="de-DE" smtClean="0"/>
-          </a:p>
-          <a:p>
-            <a:r>
-              <a:rPr lang="de-DE" smtClean="0"/>
-              <a:t>Bei größeren Listen die Standardeinstellung • verwenden</a:t>
-            </a:r>
-          </a:p>
-          <a:p>
-            <a:pPr lvl="1"/>
-            <a:r>
-              <a:rPr lang="de-DE" smtClean="0"/>
-              <a:t>Unterpunkt 1</a:t>
-            </a:r>
-          </a:p>
-          <a:p>
-            <a:pPr lvl="1"/>
-            <a:r>
-              <a:rPr lang="de-DE" smtClean="0"/>
-              <a:t>Unterpunkt 2</a:t>
-            </a:r>
-          </a:p>
-          <a:p>
-            <a:pPr lvl="1"/>
-            <a:r>
-              <a:rPr lang="de-DE" smtClean="0"/>
-              <a:t>Unterpunkt 3</a:t>
-            </a:r>
-            <a:endParaRPr lang="de-DE" dirty="0"/>
+              <a:rPr dirty="0"/>
+              <a:t>Das Grundprinzip ist, Informationen bestmöglich zu transportieren. Dazu muss vor allem die Schrift einheitlich und für alle im Raum lesbar sein. </a:t>
+            </a:r>
+            <a:endParaRPr dirty="0" smtClean="0"/>
+          </a:p>
+          <a:p>
+            <a:endParaRPr dirty="0" smtClean="0"/>
+          </a:p>
+          <a:p>
+            <a:r>
+              <a:rPr dirty="0" err="1" smtClean="0"/>
+              <a:t>Schriftart</a:t>
+            </a:r>
+            <a:r>
+              <a:rPr dirty="0"/>
+              <a:t>: </a:t>
+            </a:r>
+            <a:r>
+              <a:rPr dirty="0" smtClean="0"/>
+              <a:t>Arial</a:t>
+            </a:r>
+          </a:p>
+          <a:p>
+            <a:endParaRPr dirty="0" smtClean="0"/>
+          </a:p>
+          <a:p>
+            <a:r>
+              <a:rPr dirty="0" err="1" smtClean="0"/>
+              <a:t>Schriftgr</a:t>
+            </a:r>
+            <a:r>
+              <a:rPr lang="de-DE" dirty="0" err="1" smtClean="0"/>
+              <a:t>ößen</a:t>
+            </a:r>
+            <a:r>
+              <a:rPr dirty="0" smtClean="0"/>
+              <a:t>:</a:t>
+            </a:r>
+            <a:r>
+              <a:rPr lang="de-DE" dirty="0" smtClean="0"/>
+              <a:t>30 | 22 | 16 | 12</a:t>
+            </a:r>
+            <a:endParaRPr dirty="0" smtClean="0"/>
+          </a:p>
+          <a:p>
+            <a:endParaRPr dirty="0" smtClean="0"/>
+          </a:p>
+          <a:p>
+            <a:r>
+              <a:rPr dirty="0" err="1" smtClean="0"/>
+              <a:t>Zeilenabstand</a:t>
+            </a:r>
+            <a:r>
+              <a:rPr dirty="0"/>
+              <a:t>: </a:t>
+            </a:r>
+            <a:r>
+              <a:rPr dirty="0" smtClean="0"/>
+              <a:t>1,15mm</a:t>
+            </a:r>
+          </a:p>
+          <a:p>
+            <a:endParaRPr dirty="0" smtClean="0"/>
+          </a:p>
+          <a:p>
+            <a:r>
+              <a:rPr dirty="0" smtClean="0"/>
+              <a:t>Die </a:t>
+            </a:r>
+            <a:r>
+              <a:rPr dirty="0"/>
+              <a:t>Einstellungen sind in den Textfeldern und Textfeldvorlagen dieses ppt-Masters als Standard eingestellt. Bei Diagrammen und Tabellen muss die Schriftgröße ggf. angepasst werden</a:t>
+            </a:r>
+            <a:r>
+              <a:rPr dirty="0" smtClean="0"/>
+              <a:t>.</a:t>
+            </a:r>
+            <a:r>
+              <a:rPr lang="de-DE" dirty="0" smtClean="0"/>
+              <a:t> Für Auszeichnungen im Fließtext kann auch </a:t>
+            </a:r>
+            <a:r>
+              <a:rPr lang="de-DE" b="1" dirty="0" smtClean="0"/>
+              <a:t>fett </a:t>
+            </a:r>
+            <a:r>
+              <a:rPr lang="de-DE" dirty="0" smtClean="0"/>
+              <a:t>markiert werden.</a:t>
+            </a:r>
+            <a:endParaRPr dirty="0" smtClean="0"/>
+          </a:p>
+          <a:p>
+            <a:r>
+              <a:rPr dirty="0"/>
+              <a:t>Bei großer Distanz bzw. </a:t>
+            </a:r>
+            <a:r>
+              <a:rPr dirty="0" err="1"/>
+              <a:t>kleinem</a:t>
+            </a:r>
+            <a:r>
+              <a:rPr dirty="0"/>
+              <a:t> </a:t>
+            </a:r>
+            <a:r>
+              <a:rPr dirty="0" err="1" smtClean="0"/>
+              <a:t>Präsentationsmedium</a:t>
+            </a:r>
+            <a:r>
+              <a:rPr dirty="0" smtClean="0"/>
+              <a:t> </a:t>
+            </a:r>
+            <a:r>
+              <a:rPr dirty="0"/>
+              <a:t>kann der Schriftgrad notfalls proportional erhöht werden</a:t>
+            </a:r>
+            <a:r>
+              <a:rPr dirty="0" smtClean="0"/>
+              <a:t>.</a:t>
+            </a:r>
+            <a:endParaRPr dirty="0"/>
           </a:p>
         </p:txBody>
       </p:sp>
       <p:sp>
         <p:nvSpPr>
-          <p:cNvPr id="5" name="Fußzeilenplatzhalter 4"/>
+          <p:cNvPr id="6" name="Fußzeilenplatzhalter 4"/>
           <p:cNvSpPr>
             <a:spLocks noGrp="1"/>
           </p:cNvSpPr>
@@ -18220,16 +19274,20 @@
             <p:ph type="title"/>
           </p:nvPr>
         </p:nvSpPr>
-        <p:spPr/>
+        <p:spPr>
+          <a:prstGeom prst="rect">
+            <a:avLst/>
+          </a:prstGeom>
+        </p:spPr>
         <p:txBody>
           <a:bodyPr/>
           <a:lstStyle/>
           <a:p>
             <a:r>
-              <a:rPr lang="de-DE" smtClean="0"/>
-              <a:t>Aufzählung</a:t>
-            </a:r>
-            <a:endParaRPr lang="de-DE" dirty="0"/>
+              <a:rPr sz="3000" dirty="0" smtClean="0"/>
+              <a:t>Schrift</a:t>
+            </a:r>
+            <a:endParaRPr lang="de-DE" sz="3000" dirty="0"/>
           </a:p>
         </p:txBody>
       </p:sp>
@@ -18281,27 +19339,89 @@
           <a:lstStyle/>
           <a:p>
             <a:r>
-              <a:rPr smtClean="0"/>
-              <a:t>schlichte Darstellung von Informationen</a:t>
-            </a:r>
-          </a:p>
-          <a:p>
-            <a:endParaRPr smtClean="0"/>
-          </a:p>
-          <a:p>
-            <a:r>
-              <a:rPr smtClean="0"/>
-              <a:t>reduzierte Farben</a:t>
-            </a:r>
-          </a:p>
-          <a:p>
-            <a:endParaRPr smtClean="0"/>
-          </a:p>
-          <a:p>
-            <a:r>
-              <a:rPr smtClean="0"/>
-              <a:t>Rahmen und Überlagerungen nach Möglichkeit vermeiden</a:t>
-            </a:r>
+              <a:rPr dirty="0"/>
+              <a:t>Als erstes soll mit schwarz und weiß gearbeitet werden.</a:t>
+            </a:r>
+            <a:br>
+              <a:rPr dirty="0"/>
+            </a:br>
+            <a:r>
+              <a:rPr dirty="0"/>
+              <a:t>Für Aufwändigere Darstellungen sind Farben mit Bedacht und in möglichst geringem Umfang einzusetzen.</a:t>
+            </a:r>
+            <a:br>
+              <a:rPr dirty="0"/>
+            </a:br>
+            <a:endParaRPr dirty="0"/>
+          </a:p>
+          <a:p>
+            <a:r>
+              <a:rPr dirty="0"/>
+              <a:t>In diesem Folienmaster ist die Farbpalette festgelegt.</a:t>
+            </a:r>
+          </a:p>
+          <a:p>
+            <a:endParaRPr dirty="0" smtClean="0"/>
+          </a:p>
+          <a:p>
+            <a:r>
+              <a:rPr dirty="0" smtClean="0"/>
+              <a:t>Zuerst mit </a:t>
+            </a:r>
+            <a:r>
+              <a:rPr lang="de-DE" dirty="0" smtClean="0"/>
+              <a:t>den Primärfarben </a:t>
+            </a:r>
+            <a:r>
+              <a:rPr dirty="0" smtClean="0"/>
+              <a:t>arbeiten</a:t>
+            </a:r>
+            <a:r>
+              <a:rPr lang="de-DE" dirty="0" smtClean="0"/>
+              <a:t>.</a:t>
+            </a:r>
+          </a:p>
+          <a:p>
+            <a:endParaRPr lang="de-DE" dirty="0" smtClean="0"/>
+          </a:p>
+          <a:p>
+            <a:endParaRPr lang="de-DE" dirty="0" smtClean="0"/>
+          </a:p>
+          <a:p>
+            <a:r>
+              <a:rPr dirty="0" smtClean="0"/>
+              <a:t>Für </a:t>
+            </a:r>
+            <a:r>
+              <a:rPr dirty="0"/>
+              <a:t>z.B. komplexe Diagramme stehen noch</a:t>
+            </a:r>
+            <a:r>
+              <a:rPr lang="de-DE" dirty="0" smtClean="0"/>
+              <a:t>Sekundärfarben </a:t>
+            </a:r>
+            <a:r>
+              <a:rPr dirty="0" smtClean="0"/>
+              <a:t>zur </a:t>
+            </a:r>
+            <a:r>
+              <a:rPr dirty="0"/>
+              <a:t>Verfügung.</a:t>
+            </a:r>
+            <a:endParaRPr dirty="0" smtClean="0"/>
+          </a:p>
+          <a:p>
+            <a:endParaRPr dirty="0" smtClean="0"/>
+          </a:p>
+          <a:p>
+            <a:endParaRPr dirty="0" smtClean="0"/>
+          </a:p>
+          <a:p>
+            <a:r>
+              <a:rPr lang="de-DE" dirty="0" smtClean="0"/>
+              <a:t>Gering im Einsatz sind die Akzentfarben.</a:t>
+            </a:r>
+            <a:endParaRPr dirty="0" smtClean="0"/>
           </a:p>
           <a:p>
             <a:endParaRPr dirty="0"/>
@@ -18310,7 +19430,7 @@
       </p:sp>
       <p:sp>
         <p:nvSpPr>
-          <p:cNvPr id="6" name="Fußzeilenplatzhalter 4"/>
+          <p:cNvPr id="19" name="Fußzeilenplatzhalter 4"/>
           <p:cNvSpPr>
             <a:spLocks noGrp="1"/>
           </p:cNvSpPr>
@@ -18351,10 +19471,574 @@
           <a:lstStyle/>
           <a:p>
             <a:r>
-              <a:rPr sz="3000" smtClean="0"/>
-              <a:t>Bilder - Allgemein</a:t>
+              <a:rPr sz="3000" dirty="0" smtClean="0"/>
+              <a:t>Farben</a:t>
             </a:r>
             <a:endParaRPr lang="de-DE" sz="3000" dirty="0"/>
+          </a:p>
+        </p:txBody>
+      </p:sp>
+      <p:sp>
+        <p:nvSpPr>
+          <p:cNvPr id="14" name="Rechteck 13"/>
+          <p:cNvSpPr/>
+          <p:nvPr/>
+        </p:nvSpPr>
+        <p:spPr>
+          <a:xfrm>
+            <a:off x="321735" y="3843868"/>
+            <a:ext cx="855132" cy="245531"/>
+          </a:xfrm>
+          <a:prstGeom prst="rect">
+            <a:avLst/>
+          </a:prstGeom>
+          <a:solidFill>
+            <a:schemeClr val="bg2"/>
+          </a:solidFill>
+          <a:ln>
+            <a:noFill/>
+          </a:ln>
+        </p:spPr>
+        <p:style>
+          <a:lnRef idx="2">
+            <a:schemeClr val="accent1">
+              <a:shade val="50000"/>
+            </a:schemeClr>
+          </a:lnRef>
+          <a:fillRef idx="1">
+            <a:schemeClr val="accent1"/>
+          </a:fillRef>
+          <a:effectRef idx="0">
+            <a:schemeClr val="accent1"/>
+          </a:effectRef>
+          <a:fontRef idx="minor">
+            <a:schemeClr val="lt1"/>
+          </a:fontRef>
+        </p:style>
+        <p:txBody>
+          <a:bodyPr rot="0" spcFirstLastPara="0" vertOverflow="overflow" horzOverflow="overflow" vert="horz" wrap="square" lIns="91440" tIns="45720" rIns="91440" bIns="45720" numCol="1" spcCol="0" rtlCol="0" fromWordArt="0" anchor="t" anchorCtr="0" forceAA="0" compatLnSpc="1">
+            <a:prstTxWarp prst="textNoShape">
+              <a:avLst/>
+            </a:prstTxWarp>
+            <a:noAutofit/>
+          </a:bodyPr>
+          <a:lstStyle/>
+          <a:p>
+            <a:pPr algn="ctr">
+              <a:lnSpc>
+                <a:spcPct val="114000"/>
+              </a:lnSpc>
+            </a:pPr>
+            <a:endParaRPr lang="de-DE" dirty="0" smtClean="0">
+              <a:solidFill>
+                <a:schemeClr val="accent1"/>
+              </a:solidFill>
+            </a:endParaRPr>
+          </a:p>
+        </p:txBody>
+      </p:sp>
+      <p:sp>
+        <p:nvSpPr>
+          <p:cNvPr id="24" name="Rechteck 23"/>
+          <p:cNvSpPr/>
+          <p:nvPr/>
+        </p:nvSpPr>
+        <p:spPr>
+          <a:xfrm>
+            <a:off x="1295402" y="3843868"/>
+            <a:ext cx="855132" cy="245531"/>
+          </a:xfrm>
+          <a:prstGeom prst="rect">
+            <a:avLst/>
+          </a:prstGeom>
+          <a:solidFill>
+            <a:schemeClr val="tx1"/>
+          </a:solidFill>
+          <a:ln>
+            <a:noFill/>
+          </a:ln>
+        </p:spPr>
+        <p:style>
+          <a:lnRef idx="2">
+            <a:schemeClr val="accent1">
+              <a:shade val="50000"/>
+            </a:schemeClr>
+          </a:lnRef>
+          <a:fillRef idx="1">
+            <a:schemeClr val="accent1"/>
+          </a:fillRef>
+          <a:effectRef idx="0">
+            <a:schemeClr val="accent1"/>
+          </a:effectRef>
+          <a:fontRef idx="minor">
+            <a:schemeClr val="lt1"/>
+          </a:fontRef>
+        </p:style>
+        <p:txBody>
+          <a:bodyPr rot="0" spcFirstLastPara="0" vertOverflow="overflow" horzOverflow="overflow" vert="horz" wrap="square" lIns="91440" tIns="45720" rIns="91440" bIns="45720" numCol="1" spcCol="0" rtlCol="0" fromWordArt="0" anchor="t" anchorCtr="0" forceAA="0" compatLnSpc="1">
+            <a:prstTxWarp prst="textNoShape">
+              <a:avLst/>
+            </a:prstTxWarp>
+            <a:noAutofit/>
+          </a:bodyPr>
+          <a:lstStyle/>
+          <a:p>
+            <a:pPr algn="ctr">
+              <a:lnSpc>
+                <a:spcPct val="114000"/>
+              </a:lnSpc>
+            </a:pPr>
+            <a:endParaRPr lang="de-DE" dirty="0" smtClean="0">
+              <a:solidFill>
+                <a:schemeClr val="tx1"/>
+              </a:solidFill>
+            </a:endParaRPr>
+          </a:p>
+        </p:txBody>
+      </p:sp>
+      <p:sp>
+        <p:nvSpPr>
+          <p:cNvPr id="25" name="Rechteck 24"/>
+          <p:cNvSpPr/>
+          <p:nvPr/>
+        </p:nvSpPr>
+        <p:spPr>
+          <a:xfrm>
+            <a:off x="2260602" y="3843868"/>
+            <a:ext cx="855132" cy="245531"/>
+          </a:xfrm>
+          <a:prstGeom prst="rect">
+            <a:avLst/>
+          </a:prstGeom>
+          <a:solidFill>
+            <a:schemeClr val="bg1"/>
+          </a:solidFill>
+          <a:ln w="6350" cap="flat" cmpd="sng" algn="ctr">
+            <a:solidFill>
+              <a:schemeClr val="tx1"/>
+            </a:solidFill>
+            <a:prstDash val="solid"/>
+            <a:round/>
+            <a:headEnd type="none" w="med" len="med"/>
+            <a:tailEnd type="none" w="med" len="med"/>
+          </a:ln>
+        </p:spPr>
+        <p:style>
+          <a:lnRef idx="2">
+            <a:schemeClr val="accent1">
+              <a:shade val="50000"/>
+            </a:schemeClr>
+          </a:lnRef>
+          <a:fillRef idx="1">
+            <a:schemeClr val="accent1"/>
+          </a:fillRef>
+          <a:effectRef idx="0">
+            <a:schemeClr val="accent1"/>
+          </a:effectRef>
+          <a:fontRef idx="minor">
+            <a:schemeClr val="lt1"/>
+          </a:fontRef>
+        </p:style>
+        <p:txBody>
+          <a:bodyPr rot="0" spcFirstLastPara="0" vertOverflow="overflow" horzOverflow="overflow" vert="horz" wrap="square" lIns="91440" tIns="45720" rIns="91440" bIns="45720" numCol="1" spcCol="0" rtlCol="0" fromWordArt="0" anchor="t" anchorCtr="0" forceAA="0" compatLnSpc="1">
+            <a:prstTxWarp prst="textNoShape">
+              <a:avLst/>
+            </a:prstTxWarp>
+            <a:noAutofit/>
+          </a:bodyPr>
+          <a:lstStyle/>
+          <a:p>
+            <a:pPr algn="ctr">
+              <a:lnSpc>
+                <a:spcPct val="114000"/>
+              </a:lnSpc>
+            </a:pPr>
+            <a:endParaRPr lang="de-DE" dirty="0" smtClean="0"/>
+          </a:p>
+        </p:txBody>
+      </p:sp>
+      <p:sp>
+        <p:nvSpPr>
+          <p:cNvPr id="26" name="Rechteck 25"/>
+          <p:cNvSpPr/>
+          <p:nvPr/>
+        </p:nvSpPr>
+        <p:spPr>
+          <a:xfrm>
+            <a:off x="321735" y="4665135"/>
+            <a:ext cx="855132" cy="245531"/>
+          </a:xfrm>
+          <a:prstGeom prst="rect">
+            <a:avLst/>
+          </a:prstGeom>
+          <a:solidFill>
+            <a:schemeClr val="accent1"/>
+          </a:solidFill>
+          <a:ln>
+            <a:noFill/>
+          </a:ln>
+        </p:spPr>
+        <p:style>
+          <a:lnRef idx="2">
+            <a:schemeClr val="accent1">
+              <a:shade val="50000"/>
+            </a:schemeClr>
+          </a:lnRef>
+          <a:fillRef idx="1">
+            <a:schemeClr val="accent1"/>
+          </a:fillRef>
+          <a:effectRef idx="0">
+            <a:schemeClr val="accent1"/>
+          </a:effectRef>
+          <a:fontRef idx="minor">
+            <a:schemeClr val="lt1"/>
+          </a:fontRef>
+        </p:style>
+        <p:txBody>
+          <a:bodyPr rot="0" spcFirstLastPara="0" vertOverflow="overflow" horzOverflow="overflow" vert="horz" wrap="square" lIns="91440" tIns="45720" rIns="91440" bIns="45720" numCol="1" spcCol="0" rtlCol="0" fromWordArt="0" anchor="t" anchorCtr="0" forceAA="0" compatLnSpc="1">
+            <a:prstTxWarp prst="textNoShape">
+              <a:avLst/>
+            </a:prstTxWarp>
+            <a:noAutofit/>
+          </a:bodyPr>
+          <a:lstStyle/>
+          <a:p>
+            <a:pPr algn="ctr">
+              <a:lnSpc>
+                <a:spcPct val="114000"/>
+              </a:lnSpc>
+            </a:pPr>
+            <a:endParaRPr lang="de-DE" dirty="0" smtClean="0"/>
+          </a:p>
+        </p:txBody>
+      </p:sp>
+      <p:sp>
+        <p:nvSpPr>
+          <p:cNvPr id="27" name="Rechteck 26"/>
+          <p:cNvSpPr/>
+          <p:nvPr/>
+        </p:nvSpPr>
+        <p:spPr>
+          <a:xfrm>
+            <a:off x="1295402" y="4665135"/>
+            <a:ext cx="855132" cy="245531"/>
+          </a:xfrm>
+          <a:prstGeom prst="rect">
+            <a:avLst/>
+          </a:prstGeom>
+          <a:solidFill>
+            <a:schemeClr val="accent2"/>
+          </a:solidFill>
+          <a:ln>
+            <a:noFill/>
+          </a:ln>
+        </p:spPr>
+        <p:style>
+          <a:lnRef idx="2">
+            <a:schemeClr val="accent1">
+              <a:shade val="50000"/>
+            </a:schemeClr>
+          </a:lnRef>
+          <a:fillRef idx="1">
+            <a:schemeClr val="accent1"/>
+          </a:fillRef>
+          <a:effectRef idx="0">
+            <a:schemeClr val="accent1"/>
+          </a:effectRef>
+          <a:fontRef idx="minor">
+            <a:schemeClr val="lt1"/>
+          </a:fontRef>
+        </p:style>
+        <p:txBody>
+          <a:bodyPr rot="0" spcFirstLastPara="0" vertOverflow="overflow" horzOverflow="overflow" vert="horz" wrap="square" lIns="91440" tIns="45720" rIns="91440" bIns="45720" numCol="1" spcCol="0" rtlCol="0" fromWordArt="0" anchor="t" anchorCtr="0" forceAA="0" compatLnSpc="1">
+            <a:prstTxWarp prst="textNoShape">
+              <a:avLst/>
+            </a:prstTxWarp>
+            <a:noAutofit/>
+          </a:bodyPr>
+          <a:lstStyle/>
+          <a:p>
+            <a:pPr algn="ctr">
+              <a:lnSpc>
+                <a:spcPct val="114000"/>
+              </a:lnSpc>
+            </a:pPr>
+            <a:endParaRPr lang="de-DE" dirty="0" smtClean="0"/>
+          </a:p>
+        </p:txBody>
+      </p:sp>
+      <p:sp>
+        <p:nvSpPr>
+          <p:cNvPr id="28" name="Rechteck 27"/>
+          <p:cNvSpPr/>
+          <p:nvPr/>
+        </p:nvSpPr>
+        <p:spPr>
+          <a:xfrm>
+            <a:off x="2260602" y="4665135"/>
+            <a:ext cx="855132" cy="245531"/>
+          </a:xfrm>
+          <a:prstGeom prst="rect">
+            <a:avLst/>
+          </a:prstGeom>
+          <a:solidFill>
+            <a:schemeClr val="accent3"/>
+          </a:solidFill>
+          <a:ln>
+            <a:noFill/>
+          </a:ln>
+        </p:spPr>
+        <p:style>
+          <a:lnRef idx="2">
+            <a:schemeClr val="accent1">
+              <a:shade val="50000"/>
+            </a:schemeClr>
+          </a:lnRef>
+          <a:fillRef idx="1">
+            <a:schemeClr val="accent1"/>
+          </a:fillRef>
+          <a:effectRef idx="0">
+            <a:schemeClr val="accent1"/>
+          </a:effectRef>
+          <a:fontRef idx="minor">
+            <a:schemeClr val="lt1"/>
+          </a:fontRef>
+        </p:style>
+        <p:txBody>
+          <a:bodyPr rot="0" spcFirstLastPara="0" vertOverflow="overflow" horzOverflow="overflow" vert="horz" wrap="square" lIns="91440" tIns="45720" rIns="91440" bIns="45720" numCol="1" spcCol="0" rtlCol="0" fromWordArt="0" anchor="t" anchorCtr="0" forceAA="0" compatLnSpc="1">
+            <a:prstTxWarp prst="textNoShape">
+              <a:avLst/>
+            </a:prstTxWarp>
+            <a:noAutofit/>
+          </a:bodyPr>
+          <a:lstStyle/>
+          <a:p>
+            <a:pPr algn="ctr">
+              <a:lnSpc>
+                <a:spcPct val="114000"/>
+              </a:lnSpc>
+            </a:pPr>
+            <a:endParaRPr lang="de-DE" dirty="0" smtClean="0"/>
+          </a:p>
+        </p:txBody>
+      </p:sp>
+      <p:sp>
+        <p:nvSpPr>
+          <p:cNvPr id="29" name="Rechteck 28"/>
+          <p:cNvSpPr/>
+          <p:nvPr/>
+        </p:nvSpPr>
+        <p:spPr>
+          <a:xfrm>
+            <a:off x="3225802" y="4665135"/>
+            <a:ext cx="855132" cy="245531"/>
+          </a:xfrm>
+          <a:prstGeom prst="rect">
+            <a:avLst/>
+          </a:prstGeom>
+          <a:solidFill>
+            <a:srgbClr val="999999"/>
+          </a:solidFill>
+          <a:ln>
+            <a:noFill/>
+          </a:ln>
+        </p:spPr>
+        <p:style>
+          <a:lnRef idx="2">
+            <a:schemeClr val="accent1">
+              <a:shade val="50000"/>
+            </a:schemeClr>
+          </a:lnRef>
+          <a:fillRef idx="1">
+            <a:schemeClr val="accent1"/>
+          </a:fillRef>
+          <a:effectRef idx="0">
+            <a:schemeClr val="accent1"/>
+          </a:effectRef>
+          <a:fontRef idx="minor">
+            <a:schemeClr val="lt1"/>
+          </a:fontRef>
+        </p:style>
+        <p:txBody>
+          <a:bodyPr rot="0" spcFirstLastPara="0" vertOverflow="overflow" horzOverflow="overflow" vert="horz" wrap="square" lIns="91440" tIns="45720" rIns="91440" bIns="45720" numCol="1" spcCol="0" rtlCol="0" fromWordArt="0" anchor="t" anchorCtr="0" forceAA="0" compatLnSpc="1">
+            <a:prstTxWarp prst="textNoShape">
+              <a:avLst/>
+            </a:prstTxWarp>
+            <a:noAutofit/>
+          </a:bodyPr>
+          <a:lstStyle/>
+          <a:p>
+            <a:pPr algn="ctr">
+              <a:lnSpc>
+                <a:spcPct val="114000"/>
+              </a:lnSpc>
+            </a:pPr>
+            <a:endParaRPr lang="de-DE" dirty="0" smtClean="0"/>
+          </a:p>
+        </p:txBody>
+      </p:sp>
+      <p:sp>
+        <p:nvSpPr>
+          <p:cNvPr id="36" name="Rechteck 35"/>
+          <p:cNvSpPr/>
+          <p:nvPr/>
+        </p:nvSpPr>
+        <p:spPr>
+          <a:xfrm>
+            <a:off x="321735" y="5529793"/>
+            <a:ext cx="855132" cy="245531"/>
+          </a:xfrm>
+          <a:prstGeom prst="rect">
+            <a:avLst/>
+          </a:prstGeom>
+          <a:solidFill>
+            <a:schemeClr val="accent5"/>
+          </a:solidFill>
+          <a:ln>
+            <a:noFill/>
+          </a:ln>
+        </p:spPr>
+        <p:style>
+          <a:lnRef idx="2">
+            <a:schemeClr val="accent1">
+              <a:shade val="50000"/>
+            </a:schemeClr>
+          </a:lnRef>
+          <a:fillRef idx="1">
+            <a:schemeClr val="accent1"/>
+          </a:fillRef>
+          <a:effectRef idx="0">
+            <a:schemeClr val="accent1"/>
+          </a:effectRef>
+          <a:fontRef idx="minor">
+            <a:schemeClr val="lt1"/>
+          </a:fontRef>
+        </p:style>
+        <p:txBody>
+          <a:bodyPr rot="0" spcFirstLastPara="0" vertOverflow="overflow" horzOverflow="overflow" vert="horz" wrap="square" lIns="91440" tIns="45720" rIns="91440" bIns="45720" numCol="1" spcCol="0" rtlCol="0" fromWordArt="0" anchor="t" anchorCtr="0" forceAA="0" compatLnSpc="1">
+            <a:prstTxWarp prst="textNoShape">
+              <a:avLst/>
+            </a:prstTxWarp>
+            <a:noAutofit/>
+          </a:bodyPr>
+          <a:lstStyle/>
+          <a:p>
+            <a:pPr algn="ctr">
+              <a:lnSpc>
+                <a:spcPct val="114000"/>
+              </a:lnSpc>
+            </a:pPr>
+            <a:endParaRPr lang="de-DE" dirty="0" smtClean="0"/>
+          </a:p>
+        </p:txBody>
+      </p:sp>
+      <p:sp>
+        <p:nvSpPr>
+          <p:cNvPr id="37" name="Rechteck 36"/>
+          <p:cNvSpPr/>
+          <p:nvPr/>
+        </p:nvSpPr>
+        <p:spPr>
+          <a:xfrm>
+            <a:off x="1295402" y="5529793"/>
+            <a:ext cx="855132" cy="245531"/>
+          </a:xfrm>
+          <a:prstGeom prst="rect">
+            <a:avLst/>
+          </a:prstGeom>
+          <a:solidFill>
+            <a:schemeClr val="accent4"/>
+          </a:solidFill>
+          <a:ln>
+            <a:noFill/>
+          </a:ln>
+        </p:spPr>
+        <p:style>
+          <a:lnRef idx="2">
+            <a:schemeClr val="accent1">
+              <a:shade val="50000"/>
+            </a:schemeClr>
+          </a:lnRef>
+          <a:fillRef idx="1">
+            <a:schemeClr val="accent1"/>
+          </a:fillRef>
+          <a:effectRef idx="0">
+            <a:schemeClr val="accent1"/>
+          </a:effectRef>
+          <a:fontRef idx="minor">
+            <a:schemeClr val="lt1"/>
+          </a:fontRef>
+        </p:style>
+        <p:txBody>
+          <a:bodyPr rot="0" spcFirstLastPara="0" vertOverflow="overflow" horzOverflow="overflow" vert="horz" wrap="square" lIns="91440" tIns="45720" rIns="91440" bIns="45720" numCol="1" spcCol="0" rtlCol="0" fromWordArt="0" anchor="t" anchorCtr="0" forceAA="0" compatLnSpc="1">
+            <a:prstTxWarp prst="textNoShape">
+              <a:avLst/>
+            </a:prstTxWarp>
+            <a:noAutofit/>
+          </a:bodyPr>
+          <a:lstStyle/>
+          <a:p>
+            <a:pPr algn="ctr">
+              <a:lnSpc>
+                <a:spcPct val="114000"/>
+              </a:lnSpc>
+            </a:pPr>
+            <a:endParaRPr lang="de-DE" dirty="0" smtClean="0"/>
+          </a:p>
+        </p:txBody>
+      </p:sp>
+      <p:sp>
+        <p:nvSpPr>
+          <p:cNvPr id="38" name="Rechteck 37"/>
+          <p:cNvSpPr/>
+          <p:nvPr/>
+        </p:nvSpPr>
+        <p:spPr>
+          <a:xfrm>
+            <a:off x="2260602" y="5529793"/>
+            <a:ext cx="855132" cy="245531"/>
+          </a:xfrm>
+          <a:prstGeom prst="rect">
+            <a:avLst/>
+          </a:prstGeom>
+          <a:solidFill>
+            <a:schemeClr val="accent6"/>
+          </a:solidFill>
+          <a:ln>
+            <a:noFill/>
+          </a:ln>
+        </p:spPr>
+        <p:style>
+          <a:lnRef idx="2">
+            <a:schemeClr val="accent1">
+              <a:shade val="50000"/>
+            </a:schemeClr>
+          </a:lnRef>
+          <a:fillRef idx="1">
+            <a:schemeClr val="accent1"/>
+          </a:fillRef>
+          <a:effectRef idx="0">
+            <a:schemeClr val="accent1"/>
+          </a:effectRef>
+          <a:fontRef idx="minor">
+            <a:schemeClr val="lt1"/>
+          </a:fontRef>
+        </p:style>
+        <p:txBody>
+          <a:bodyPr rot="0" spcFirstLastPara="0" vertOverflow="overflow" horzOverflow="overflow" vert="horz" wrap="square" lIns="91440" tIns="45720" rIns="91440" bIns="45720" numCol="1" spcCol="0" rtlCol="0" fromWordArt="0" anchor="t" anchorCtr="0" forceAA="0" compatLnSpc="1">
+            <a:prstTxWarp prst="textNoShape">
+              <a:avLst/>
+            </a:prstTxWarp>
+            <a:noAutofit/>
+          </a:bodyPr>
+          <a:lstStyle/>
+          <a:p>
+            <a:pPr algn="ctr">
+              <a:lnSpc>
+                <a:spcPct val="114000"/>
+              </a:lnSpc>
+            </a:pPr>
+            <a:endParaRPr lang="de-DE" dirty="0" smtClean="0"/>
           </a:p>
         </p:txBody>
       </p:sp>
@@ -19751,12 +21435,12 @@
       </p:grpSpPr>
       <p:sp>
         <p:nvSpPr>
-          <p:cNvPr id="3" name="Textplatzhalter 2"/>
+          <p:cNvPr id="2" name="Inhaltsplatzhalter 1"/>
           <p:cNvSpPr>
             <a:spLocks noGrp="1"/>
           </p:cNvSpPr>
           <p:nvPr>
-            <p:ph type="body" sz="quarter" idx="13"/>
+            <p:ph idx="1"/>
           </p:nvPr>
         </p:nvSpPr>
         <p:spPr/>
@@ -19765,28 +21449,40 @@
           <a:lstStyle/>
           <a:p>
             <a:r>
-              <a:rPr lang="de-DE" smtClean="0"/>
-              <a:t>Bildbeschreibung</a:t>
-            </a:r>
-            <a:br>
-              <a:rPr lang="de-DE" smtClean="0"/>
-            </a:br>
-            <a:r>
-              <a:rPr lang="de-DE" smtClean="0"/>
-              <a:t>oberer Bildrand: Begrenzung durch Text</a:t>
-            </a:r>
-            <a:endParaRPr lang="de-DE"/>
+              <a:rPr/>
+              <a:t>Kurze und knappe Texte, Fließtexte linksbündig, kein Blocksatz</a:t>
+            </a:r>
+          </a:p>
+          <a:p>
+            <a:endParaRPr/>
+          </a:p>
+          <a:p>
+            <a:r>
+              <a:rPr/>
+              <a:t>Beispiel:</a:t>
+            </a:r>
+          </a:p>
+          <a:p>
+            <a:r>
+              <a:rPr/>
+              <a:t>Tem soluptam, nisi as verum ereprehendam at acculpa quidisq uissit volupta tusdant utem as etur, odi odis es doluptiae dem nimaion con nossinctenis pora quam voloria consenimus blabore everfer epeliquo maio etur</a:t>
+            </a:r>
+            <a:r>
+              <a:rPr smtClean="0"/>
+              <a:t>.</a:t>
+            </a:r>
+            <a:endParaRPr/>
           </a:p>
         </p:txBody>
       </p:sp>
       <p:sp>
         <p:nvSpPr>
-          <p:cNvPr id="10" name="Fußzeilenplatzhalter 4"/>
+          <p:cNvPr id="6" name="Fußzeilenplatzhalter 4"/>
           <p:cNvSpPr>
             <a:spLocks noGrp="1"/>
           </p:cNvSpPr>
           <p:nvPr>
-            <p:ph type="ftr" sz="quarter" idx="16"/>
+            <p:ph type="ftr" sz="quarter" idx="12"/>
           </p:nvPr>
         </p:nvSpPr>
         <p:spPr/>
@@ -19804,38 +21500,7 @@
       </p:sp>
       <p:sp>
         <p:nvSpPr>
-          <p:cNvPr id="22" name="Inhaltsplatzhalter 21"/>
-          <p:cNvSpPr>
-            <a:spLocks noGrp="1"/>
-          </p:cNvSpPr>
-          <p:nvPr>
-            <p:ph sz="quarter" idx="18"/>
-          </p:nvPr>
-        </p:nvSpPr>
-        <p:spPr/>
-        <p:txBody>
-          <a:bodyPr/>
-          <a:lstStyle/>
-          <a:p>
-            <a:endParaRPr lang="de-DE"/>
-          </a:p>
-        </p:txBody>
-      </p:sp>
-      <p:sp>
-        <p:nvSpPr>
-          <p:cNvPr id="21" name="Bildplatzhalter 20"/>
-          <p:cNvSpPr>
-            <a:spLocks noGrp="1"/>
-          </p:cNvSpPr>
-          <p:nvPr>
-            <p:ph type="pic" sz="quarter" idx="14"/>
-          </p:nvPr>
-        </p:nvSpPr>
-        <p:spPr/>
-      </p:sp>
-      <p:sp>
-        <p:nvSpPr>
-          <p:cNvPr id="4" name="Titel 3"/>
+          <p:cNvPr id="3" name="Titel 2"/>
           <p:cNvSpPr>
             <a:spLocks noGrp="1"/>
           </p:cNvSpPr>
@@ -19843,14 +21508,18 @@
             <p:ph type="title"/>
           </p:nvPr>
         </p:nvSpPr>
-        <p:spPr/>
+        <p:spPr>
+          <a:prstGeom prst="rect">
+            <a:avLst/>
+          </a:prstGeom>
+        </p:spPr>
         <p:txBody>
           <a:bodyPr/>
           <a:lstStyle/>
           <a:p>
             <a:r>
-              <a:rPr lang="de-DE" smtClean="0"/>
-              <a:t>Bilder</a:t>
+              <a:rPr dirty="0" smtClean="0"/>
+              <a:t>Texte</a:t>
             </a:r>
             <a:endParaRPr lang="de-DE" dirty="0"/>
           </a:p>
@@ -19890,12 +21559,12 @@
       </p:grpSpPr>
       <p:sp>
         <p:nvSpPr>
-          <p:cNvPr id="3" name="Textplatzhalter 2"/>
+          <p:cNvPr id="2" name="Inhaltsplatzhalter 1"/>
           <p:cNvSpPr>
             <a:spLocks noGrp="1"/>
           </p:cNvSpPr>
           <p:nvPr>
-            <p:ph idx="14"/>
+            <p:ph idx="1"/>
           </p:nvPr>
         </p:nvSpPr>
         <p:spPr/>
@@ -19904,68 +21573,105 @@
           <a:lstStyle/>
           <a:p>
             <a:r>
-              <a:rPr lang="de-DE" dirty="0" smtClean="0"/>
-              <a:t>Überschrift 2</a:t>
-            </a:r>
-          </a:p>
-          <a:p>
-            <a:r>
-              <a:rPr lang="de-DE" dirty="0" smtClean="0"/>
-              <a:t>Hier steht ein einleitender oder beschreibender Fließtext und nach Wunsch eine Aufzählung</a:t>
-            </a:r>
-          </a:p>
-          <a:p>
-            <a:endParaRPr lang="de-DE" dirty="0" smtClean="0"/>
-          </a:p>
-          <a:p>
-            <a:r>
-              <a:rPr lang="de-DE" dirty="0" smtClean="0"/>
+              <a:rPr lang="de-DE" smtClean="0"/>
+              <a:t>Bei kleinen Aufzählungen auf Aufzählungszeichen verzichten und ggf. zusätzliche Leerzeile</a:t>
+            </a:r>
+          </a:p>
+          <a:p>
+            <a:r>
+              <a:rPr lang="de-DE" smtClean="0"/>
+              <a:t>Nur die wesentlichen Punkte nennen und Themen auf verschiedene Seiten splitten.</a:t>
+            </a:r>
+          </a:p>
+          <a:p>
+            <a:endParaRPr lang="de-DE" smtClean="0"/>
+          </a:p>
+          <a:p>
+            <a:r>
+              <a:rPr lang="de-DE" smtClean="0"/>
               <a:t>Punkt 1</a:t>
             </a:r>
           </a:p>
           <a:p>
-            <a:endParaRPr lang="de-DE" dirty="0" smtClean="0"/>
-          </a:p>
-          <a:p>
-            <a:r>
-              <a:rPr lang="de-DE" dirty="0" smtClean="0"/>
+            <a:endParaRPr lang="de-DE" smtClean="0"/>
+          </a:p>
+          <a:p>
+            <a:r>
+              <a:rPr lang="de-DE" smtClean="0"/>
               <a:t>Punkt 2</a:t>
             </a:r>
           </a:p>
           <a:p>
-            <a:endParaRPr lang="de-DE" dirty="0" smtClean="0"/>
-          </a:p>
-          <a:p>
-            <a:r>
-              <a:rPr lang="de-DE" dirty="0" smtClean="0"/>
-              <a:t>Punkt 3</a:t>
-            </a:r>
-          </a:p>
-          <a:p>
-            <a:endParaRPr lang="de-DE" dirty="0" smtClean="0"/>
-          </a:p>
-          <a:p>
-            <a:r>
-              <a:rPr lang="de-DE" dirty="0" smtClean="0"/>
-              <a:t>Punkt 4</a:t>
-            </a:r>
-          </a:p>
-          <a:p>
-            <a:endParaRPr lang="de-DE" dirty="0" smtClean="0"/>
-          </a:p>
-          <a:p>
+            <a:endParaRPr lang="de-DE" smtClean="0"/>
+          </a:p>
+          <a:p>
+            <a:r>
+              <a:rPr lang="de-DE" smtClean="0"/>
+              <a:t>Wenn Unterpunkte in einer Aufzählung nötig sind ist ein Einrücken mit – möglich</a:t>
+            </a:r>
+          </a:p>
+          <a:p>
+            <a:pPr lvl="1"/>
+            <a:r>
+              <a:rPr lang="de-DE" smtClean="0"/>
+              <a:t>Unterpunkt 1</a:t>
+            </a:r>
+          </a:p>
+          <a:p>
+            <a:pPr lvl="2"/>
+            <a:r>
+              <a:rPr lang="de-DE" smtClean="0"/>
+              <a:t>Unterpunkt 1</a:t>
+            </a:r>
+          </a:p>
+          <a:p>
+            <a:pPr lvl="2"/>
+            <a:r>
+              <a:rPr lang="de-DE" smtClean="0"/>
+              <a:t>Unterpunkt 2</a:t>
+            </a:r>
+          </a:p>
+          <a:p>
+            <a:endParaRPr lang="de-DE" smtClean="0"/>
+          </a:p>
+          <a:p>
+            <a:r>
+              <a:rPr lang="de-DE" smtClean="0"/>
+              <a:t>Bei größeren Listen die Standardeinstellung • verwenden</a:t>
+            </a:r>
+          </a:p>
+          <a:p>
+            <a:pPr lvl="1"/>
+            <a:r>
+              <a:rPr lang="de-DE" smtClean="0"/>
+              <a:t>Unterpunkt 1</a:t>
+            </a:r>
+          </a:p>
+          <a:p>
+            <a:pPr lvl="1"/>
+            <a:r>
+              <a:rPr lang="de-DE" smtClean="0"/>
+              <a:t>Unterpunkt 2</a:t>
+            </a:r>
+          </a:p>
+          <a:p>
+            <a:pPr lvl="1"/>
+            <a:r>
+              <a:rPr lang="de-DE" smtClean="0"/>
+              <a:t>Unterpunkt 3</a:t>
+            </a:r>
             <a:endParaRPr lang="de-DE" dirty="0"/>
           </a:p>
         </p:txBody>
       </p:sp>
       <p:sp>
         <p:nvSpPr>
-          <p:cNvPr id="18" name="Inhaltsplatzhalter 17"/>
+          <p:cNvPr id="5" name="Fußzeilenplatzhalter 4"/>
           <p:cNvSpPr>
             <a:spLocks noGrp="1"/>
           </p:cNvSpPr>
           <p:nvPr>
-            <p:ph idx="15"/>
+            <p:ph type="ftr" sz="quarter" idx="12"/>
           </p:nvPr>
         </p:nvSpPr>
         <p:spPr/>
@@ -19973,36 +21679,17 @@
           <a:bodyPr/>
           <a:lstStyle/>
           <a:p>
-            <a:endParaRPr lang="de-DE"/>
+            <a:r>
+              <a:rPr lang="de-DE" smtClean="0"/>
+              <a:t>Dr. rer. nat. Erika Mustermann (TUM) | kann beliebig erweitert werden | Infos mit Strich trennen</a:t>
+            </a:r>
+            <a:endParaRPr lang="en-US" dirty="0" smtClean="0"/>
           </a:p>
         </p:txBody>
       </p:sp>
       <p:sp>
         <p:nvSpPr>
-          <p:cNvPr id="7" name="Fußzeilenplatzhalter 4"/>
-          <p:cNvSpPr>
-            <a:spLocks noGrp="1"/>
-          </p:cNvSpPr>
-          <p:nvPr>
-            <p:ph type="ftr" sz="quarter" idx="17"/>
-          </p:nvPr>
-        </p:nvSpPr>
-        <p:spPr/>
-        <p:txBody>
-          <a:bodyPr/>
-          <a:lstStyle/>
-          <a:p>
-            <a:r>
-              <a:rPr lang="de-DE" smtClean="0"/>
-              <a:t>Dr. rer. nat. Erika Mustermann (TUM) | kann beliebig erweitert werden | Infos mit Strich trennen</a:t>
-            </a:r>
-            <a:endParaRPr lang="en-US" dirty="0" smtClean="0"/>
-          </a:p>
-        </p:txBody>
-      </p:sp>
-      <p:sp>
-        <p:nvSpPr>
-          <p:cNvPr id="4" name="Titel 3"/>
+          <p:cNvPr id="3" name="Titel 2"/>
           <p:cNvSpPr>
             <a:spLocks noGrp="1"/>
           </p:cNvSpPr>
@@ -20017,7 +21704,7 @@
           <a:p>
             <a:r>
               <a:rPr lang="de-DE" smtClean="0"/>
-              <a:t>Bilder</a:t>
+              <a:t>Aufzählung</a:t>
             </a:r>
             <a:endParaRPr lang="de-DE" dirty="0"/>
           </a:p>
@@ -20057,7 +21744,7 @@
       </p:grpSpPr>
       <p:sp>
         <p:nvSpPr>
-          <p:cNvPr id="18" name="Inhaltsplatzhalter 17"/>
+          <p:cNvPr id="2" name="Inhaltsplatzhalter 1"/>
           <p:cNvSpPr>
             <a:spLocks noGrp="1"/>
           </p:cNvSpPr>
@@ -20070,13 +21757,37 @@
           <a:bodyPr/>
           <a:lstStyle/>
           <a:p>
-            <a:endParaRPr lang="de-DE"/>
+            <a:r>
+              <a:rPr smtClean="0"/>
+              <a:t>schlichte Darstellung von Informationen</a:t>
+            </a:r>
+          </a:p>
+          <a:p>
+            <a:endParaRPr smtClean="0"/>
+          </a:p>
+          <a:p>
+            <a:r>
+              <a:rPr smtClean="0"/>
+              <a:t>reduzierte Farben</a:t>
+            </a:r>
+          </a:p>
+          <a:p>
+            <a:endParaRPr smtClean="0"/>
+          </a:p>
+          <a:p>
+            <a:r>
+              <a:rPr smtClean="0"/>
+              <a:t>Rahmen und Überlagerungen nach Möglichkeit vermeiden</a:t>
+            </a:r>
+          </a:p>
+          <a:p>
+            <a:endParaRPr dirty="0"/>
           </a:p>
         </p:txBody>
       </p:sp>
       <p:sp>
         <p:nvSpPr>
-          <p:cNvPr id="8" name="Fußzeilenplatzhalter 4"/>
+          <p:cNvPr id="6" name="Fußzeilenplatzhalter 4"/>
           <p:cNvSpPr>
             <a:spLocks noGrp="1"/>
           </p:cNvSpPr>
@@ -20099,37 +21810,7 @@
       </p:sp>
       <p:sp>
         <p:nvSpPr>
-          <p:cNvPr id="3" name="Textplatzhalter 2"/>
-          <p:cNvSpPr>
-            <a:spLocks noGrp="1"/>
-          </p:cNvSpPr>
-          <p:nvPr>
-            <p:ph type="body" sz="quarter" idx="13"/>
-          </p:nvPr>
-        </p:nvSpPr>
-        <p:spPr/>
-        <p:txBody>
-          <a:bodyPr/>
-          <a:lstStyle/>
-          <a:p>
-            <a:r>
-              <a:rPr lang="de-DE" smtClean="0"/>
-              <a:t>Bildbeschreibung</a:t>
-            </a:r>
-            <a:br>
-              <a:rPr lang="de-DE" smtClean="0"/>
-            </a:br>
-            <a:r>
-              <a:rPr lang="de-DE" smtClean="0"/>
-              <a:t>oberer Bildrand: Begrenzung durch Text</a:t>
-            </a:r>
-            <a:endParaRPr lang="de-DE"/>
-          </a:p>
-        </p:txBody>
-      </p:sp>
-      <p:sp>
-        <p:nvSpPr>
-          <p:cNvPr id="4" name="Titel 3"/>
+          <p:cNvPr id="3" name="Titel 2"/>
           <p:cNvSpPr>
             <a:spLocks noGrp="1"/>
           </p:cNvSpPr>
@@ -20137,16 +21818,20 @@
             <p:ph type="title"/>
           </p:nvPr>
         </p:nvSpPr>
-        <p:spPr/>
+        <p:spPr>
+          <a:prstGeom prst="rect">
+            <a:avLst/>
+          </a:prstGeom>
+        </p:spPr>
         <p:txBody>
           <a:bodyPr/>
           <a:lstStyle/>
           <a:p>
             <a:r>
-              <a:rPr lang="de-DE" smtClean="0"/>
-              <a:t>Bilder</a:t>
-            </a:r>
-            <a:endParaRPr lang="de-DE" dirty="0"/>
+              <a:rPr sz="3000" smtClean="0"/>
+              <a:t>Bilder - Allgemein</a:t>
+            </a:r>
+            <a:endParaRPr lang="de-DE" sz="3000" dirty="0"/>
           </a:p>
         </p:txBody>
       </p:sp>
@@ -20214,7 +21899,7 @@
       </p:sp>
       <p:sp>
         <p:nvSpPr>
-          <p:cNvPr id="6" name="Fußzeilenplatzhalter 5"/>
+          <p:cNvPr id="10" name="Fußzeilenplatzhalter 4"/>
           <p:cNvSpPr>
             <a:spLocks noGrp="1"/>
           </p:cNvSpPr>
@@ -20228,20 +21913,40 @@
           <a:lstStyle/>
           <a:p>
             <a:r>
-              <a:rPr lang="de-DE" noProof="0" smtClean="0"/>
+              <a:rPr lang="de-DE" smtClean="0"/>
               <a:t>Dr. rer. nat. Erika Mustermann (TUM) | kann beliebig erweitert werden | Infos mit Strich trennen</a:t>
             </a:r>
+            <a:endParaRPr lang="en-US" dirty="0" smtClean="0"/>
           </a:p>
         </p:txBody>
       </p:sp>
       <p:sp>
         <p:nvSpPr>
-          <p:cNvPr id="17" name="Bildplatzhalter 16"/>
+          <p:cNvPr id="22" name="Inhaltsplatzhalter 21"/>
           <p:cNvSpPr>
             <a:spLocks noGrp="1"/>
           </p:cNvSpPr>
           <p:nvPr>
-            <p:ph type="pic" sz="quarter" idx="17"/>
+            <p:ph sz="quarter" idx="18"/>
+          </p:nvPr>
+        </p:nvSpPr>
+        <p:spPr/>
+        <p:txBody>
+          <a:bodyPr/>
+          <a:lstStyle/>
+          <a:p>
+            <a:endParaRPr lang="de-DE"/>
+          </a:p>
+        </p:txBody>
+      </p:sp>
+      <p:sp>
+        <p:nvSpPr>
+          <p:cNvPr id="21" name="Bildplatzhalter 20"/>
+          <p:cNvSpPr>
+            <a:spLocks noGrp="1"/>
+          </p:cNvSpPr>
+          <p:nvPr>
+            <p:ph type="pic" sz="quarter" idx="14"/>
           </p:nvPr>
         </p:nvSpPr>
         <p:spPr/>
@@ -20308,6 +22013,419 @@
             <a:spLocks noGrp="1"/>
           </p:cNvSpPr>
           <p:nvPr>
+            <p:ph idx="14"/>
+          </p:nvPr>
+        </p:nvSpPr>
+        <p:spPr/>
+        <p:txBody>
+          <a:bodyPr/>
+          <a:lstStyle/>
+          <a:p>
+            <a:r>
+              <a:rPr lang="de-DE" dirty="0" smtClean="0"/>
+              <a:t>Überschrift 2</a:t>
+            </a:r>
+          </a:p>
+          <a:p>
+            <a:r>
+              <a:rPr lang="de-DE" dirty="0" smtClean="0"/>
+              <a:t>Hier steht ein einleitender oder beschreibender Fließtext und nach Wunsch eine Aufzählung</a:t>
+            </a:r>
+          </a:p>
+          <a:p>
+            <a:endParaRPr lang="de-DE" dirty="0" smtClean="0"/>
+          </a:p>
+          <a:p>
+            <a:r>
+              <a:rPr lang="de-DE" dirty="0" smtClean="0"/>
+              <a:t>Punkt 1</a:t>
+            </a:r>
+          </a:p>
+          <a:p>
+            <a:endParaRPr lang="de-DE" dirty="0" smtClean="0"/>
+          </a:p>
+          <a:p>
+            <a:r>
+              <a:rPr lang="de-DE" dirty="0" smtClean="0"/>
+              <a:t>Punkt 2</a:t>
+            </a:r>
+          </a:p>
+          <a:p>
+            <a:endParaRPr lang="de-DE" dirty="0" smtClean="0"/>
+          </a:p>
+          <a:p>
+            <a:r>
+              <a:rPr lang="de-DE" dirty="0" smtClean="0"/>
+              <a:t>Punkt 3</a:t>
+            </a:r>
+          </a:p>
+          <a:p>
+            <a:endParaRPr lang="de-DE" dirty="0" smtClean="0"/>
+          </a:p>
+          <a:p>
+            <a:r>
+              <a:rPr lang="de-DE" dirty="0" smtClean="0"/>
+              <a:t>Punkt 4</a:t>
+            </a:r>
+          </a:p>
+          <a:p>
+            <a:endParaRPr lang="de-DE" dirty="0" smtClean="0"/>
+          </a:p>
+          <a:p>
+            <a:endParaRPr lang="de-DE" dirty="0"/>
+          </a:p>
+        </p:txBody>
+      </p:sp>
+      <p:sp>
+        <p:nvSpPr>
+          <p:cNvPr id="18" name="Inhaltsplatzhalter 17"/>
+          <p:cNvSpPr>
+            <a:spLocks noGrp="1"/>
+          </p:cNvSpPr>
+          <p:nvPr>
+            <p:ph idx="15"/>
+          </p:nvPr>
+        </p:nvSpPr>
+        <p:spPr/>
+        <p:txBody>
+          <a:bodyPr/>
+          <a:lstStyle/>
+          <a:p>
+            <a:endParaRPr lang="de-DE"/>
+          </a:p>
+        </p:txBody>
+      </p:sp>
+      <p:sp>
+        <p:nvSpPr>
+          <p:cNvPr id="7" name="Fußzeilenplatzhalter 4"/>
+          <p:cNvSpPr>
+            <a:spLocks noGrp="1"/>
+          </p:cNvSpPr>
+          <p:nvPr>
+            <p:ph type="ftr" sz="quarter" idx="17"/>
+          </p:nvPr>
+        </p:nvSpPr>
+        <p:spPr/>
+        <p:txBody>
+          <a:bodyPr/>
+          <a:lstStyle/>
+          <a:p>
+            <a:r>
+              <a:rPr lang="de-DE" smtClean="0"/>
+              <a:t>Dr. rer. nat. Erika Mustermann (TUM) | kann beliebig erweitert werden | Infos mit Strich trennen</a:t>
+            </a:r>
+            <a:endParaRPr lang="en-US" dirty="0" smtClean="0"/>
+          </a:p>
+        </p:txBody>
+      </p:sp>
+      <p:sp>
+        <p:nvSpPr>
+          <p:cNvPr id="4" name="Titel 3"/>
+          <p:cNvSpPr>
+            <a:spLocks noGrp="1"/>
+          </p:cNvSpPr>
+          <p:nvPr>
+            <p:ph type="title"/>
+          </p:nvPr>
+        </p:nvSpPr>
+        <p:spPr/>
+        <p:txBody>
+          <a:bodyPr/>
+          <a:lstStyle/>
+          <a:p>
+            <a:r>
+              <a:rPr lang="de-DE" smtClean="0"/>
+              <a:t>Bilder</a:t>
+            </a:r>
+            <a:endParaRPr lang="de-DE" dirty="0"/>
+          </a:p>
+        </p:txBody>
+      </p:sp>
+    </p:spTree>
+  </p:cSld>
+  <p:clrMapOvr>
+    <a:masterClrMapping/>
+  </p:clrMapOvr>
+  <p:timing>
+    <p:tnLst>
+      <p:par>
+        <p:cTn id="1" dur="indefinite" restart="never" nodeType="tmRoot"/>
+      </p:par>
+    </p:tnLst>
+  </p:timing>
+</p:sld>
+</file>
+
+<file path=ppt/slides/slide25.xml><?xml version="1.0" encoding="utf-8"?>
+<p:sld xmlns:a="http://schemas.openxmlformats.org/drawingml/2006/main" xmlns:r="http://schemas.openxmlformats.org/officeDocument/2006/relationships" xmlns:p="http://schemas.openxmlformats.org/presentationml/2006/main">
+  <p:cSld>
+    <p:spTree>
+      <p:nvGrpSpPr>
+        <p:cNvPr id="1" name=""/>
+        <p:cNvGrpSpPr/>
+        <p:nvPr/>
+      </p:nvGrpSpPr>
+      <p:grpSpPr>
+        <a:xfrm>
+          <a:off x="0" y="0"/>
+          <a:ext cx="0" cy="0"/>
+          <a:chOff x="0" y="0"/>
+          <a:chExt cx="0" cy="0"/>
+        </a:xfrm>
+      </p:grpSpPr>
+      <p:sp>
+        <p:nvSpPr>
+          <p:cNvPr id="18" name="Inhaltsplatzhalter 17"/>
+          <p:cNvSpPr>
+            <a:spLocks noGrp="1"/>
+          </p:cNvSpPr>
+          <p:nvPr>
+            <p:ph idx="1"/>
+          </p:nvPr>
+        </p:nvSpPr>
+        <p:spPr/>
+        <p:txBody>
+          <a:bodyPr/>
+          <a:lstStyle/>
+          <a:p>
+            <a:endParaRPr lang="de-DE"/>
+          </a:p>
+        </p:txBody>
+      </p:sp>
+      <p:sp>
+        <p:nvSpPr>
+          <p:cNvPr id="8" name="Fußzeilenplatzhalter 4"/>
+          <p:cNvSpPr>
+            <a:spLocks noGrp="1"/>
+          </p:cNvSpPr>
+          <p:nvPr>
+            <p:ph type="ftr" sz="quarter" idx="12"/>
+          </p:nvPr>
+        </p:nvSpPr>
+        <p:spPr/>
+        <p:txBody>
+          <a:bodyPr/>
+          <a:lstStyle/>
+          <a:p>
+            <a:r>
+              <a:rPr lang="de-DE" smtClean="0"/>
+              <a:t>Dr. rer. nat. Erika Mustermann (TUM) | kann beliebig erweitert werden | Infos mit Strich trennen</a:t>
+            </a:r>
+            <a:endParaRPr lang="en-US" dirty="0" smtClean="0"/>
+          </a:p>
+        </p:txBody>
+      </p:sp>
+      <p:sp>
+        <p:nvSpPr>
+          <p:cNvPr id="3" name="Textplatzhalter 2"/>
+          <p:cNvSpPr>
+            <a:spLocks noGrp="1"/>
+          </p:cNvSpPr>
+          <p:nvPr>
+            <p:ph type="body" sz="quarter" idx="13"/>
+          </p:nvPr>
+        </p:nvSpPr>
+        <p:spPr/>
+        <p:txBody>
+          <a:bodyPr/>
+          <a:lstStyle/>
+          <a:p>
+            <a:r>
+              <a:rPr lang="de-DE" smtClean="0"/>
+              <a:t>Bildbeschreibung</a:t>
+            </a:r>
+            <a:br>
+              <a:rPr lang="de-DE" smtClean="0"/>
+            </a:br>
+            <a:r>
+              <a:rPr lang="de-DE" smtClean="0"/>
+              <a:t>oberer Bildrand: Begrenzung durch Text</a:t>
+            </a:r>
+            <a:endParaRPr lang="de-DE"/>
+          </a:p>
+        </p:txBody>
+      </p:sp>
+      <p:sp>
+        <p:nvSpPr>
+          <p:cNvPr id="4" name="Titel 3"/>
+          <p:cNvSpPr>
+            <a:spLocks noGrp="1"/>
+          </p:cNvSpPr>
+          <p:nvPr>
+            <p:ph type="title"/>
+          </p:nvPr>
+        </p:nvSpPr>
+        <p:spPr/>
+        <p:txBody>
+          <a:bodyPr/>
+          <a:lstStyle/>
+          <a:p>
+            <a:r>
+              <a:rPr lang="de-DE" smtClean="0"/>
+              <a:t>Bilder</a:t>
+            </a:r>
+            <a:endParaRPr lang="de-DE" dirty="0"/>
+          </a:p>
+        </p:txBody>
+      </p:sp>
+    </p:spTree>
+  </p:cSld>
+  <p:clrMapOvr>
+    <a:masterClrMapping/>
+  </p:clrMapOvr>
+  <p:timing>
+    <p:tnLst>
+      <p:par>
+        <p:cTn id="1" dur="indefinite" restart="never" nodeType="tmRoot"/>
+      </p:par>
+    </p:tnLst>
+  </p:timing>
+</p:sld>
+</file>
+
+<file path=ppt/slides/slide26.xml><?xml version="1.0" encoding="utf-8"?>
+<p:sld xmlns:a="http://schemas.openxmlformats.org/drawingml/2006/main" xmlns:r="http://schemas.openxmlformats.org/officeDocument/2006/relationships" xmlns:p="http://schemas.openxmlformats.org/presentationml/2006/main">
+  <p:cSld>
+    <p:spTree>
+      <p:nvGrpSpPr>
+        <p:cNvPr id="1" name=""/>
+        <p:cNvGrpSpPr/>
+        <p:nvPr/>
+      </p:nvGrpSpPr>
+      <p:grpSpPr>
+        <a:xfrm>
+          <a:off x="0" y="0"/>
+          <a:ext cx="0" cy="0"/>
+          <a:chOff x="0" y="0"/>
+          <a:chExt cx="0" cy="0"/>
+        </a:xfrm>
+      </p:grpSpPr>
+      <p:sp>
+        <p:nvSpPr>
+          <p:cNvPr id="3" name="Textplatzhalter 2"/>
+          <p:cNvSpPr>
+            <a:spLocks noGrp="1"/>
+          </p:cNvSpPr>
+          <p:nvPr>
+            <p:ph type="body" sz="quarter" idx="13"/>
+          </p:nvPr>
+        </p:nvSpPr>
+        <p:spPr/>
+        <p:txBody>
+          <a:bodyPr/>
+          <a:lstStyle/>
+          <a:p>
+            <a:r>
+              <a:rPr lang="de-DE" smtClean="0"/>
+              <a:t>Bildbeschreibung</a:t>
+            </a:r>
+            <a:br>
+              <a:rPr lang="de-DE" smtClean="0"/>
+            </a:br>
+            <a:r>
+              <a:rPr lang="de-DE" smtClean="0"/>
+              <a:t>oberer Bildrand: Begrenzung durch Text</a:t>
+            </a:r>
+            <a:endParaRPr lang="de-DE"/>
+          </a:p>
+        </p:txBody>
+      </p:sp>
+      <p:sp>
+        <p:nvSpPr>
+          <p:cNvPr id="6" name="Fußzeilenplatzhalter 5"/>
+          <p:cNvSpPr>
+            <a:spLocks noGrp="1"/>
+          </p:cNvSpPr>
+          <p:nvPr>
+            <p:ph type="ftr" sz="quarter" idx="16"/>
+          </p:nvPr>
+        </p:nvSpPr>
+        <p:spPr/>
+        <p:txBody>
+          <a:bodyPr/>
+          <a:lstStyle/>
+          <a:p>
+            <a:r>
+              <a:rPr lang="de-DE" noProof="0" smtClean="0"/>
+              <a:t>Dr. rer. nat. Erika Mustermann (TUM) | kann beliebig erweitert werden | Infos mit Strich trennen</a:t>
+            </a:r>
+          </a:p>
+        </p:txBody>
+      </p:sp>
+      <p:sp>
+        <p:nvSpPr>
+          <p:cNvPr id="17" name="Bildplatzhalter 16"/>
+          <p:cNvSpPr>
+            <a:spLocks noGrp="1"/>
+          </p:cNvSpPr>
+          <p:nvPr>
+            <p:ph type="pic" sz="quarter" idx="17"/>
+          </p:nvPr>
+        </p:nvSpPr>
+        <p:spPr/>
+      </p:sp>
+      <p:sp>
+        <p:nvSpPr>
+          <p:cNvPr id="4" name="Titel 3"/>
+          <p:cNvSpPr>
+            <a:spLocks noGrp="1"/>
+          </p:cNvSpPr>
+          <p:nvPr>
+            <p:ph type="title"/>
+          </p:nvPr>
+        </p:nvSpPr>
+        <p:spPr/>
+        <p:txBody>
+          <a:bodyPr/>
+          <a:lstStyle/>
+          <a:p>
+            <a:r>
+              <a:rPr lang="de-DE" smtClean="0"/>
+              <a:t>Bilder</a:t>
+            </a:r>
+            <a:endParaRPr lang="de-DE" dirty="0"/>
+          </a:p>
+        </p:txBody>
+      </p:sp>
+    </p:spTree>
+  </p:cSld>
+  <p:clrMapOvr>
+    <a:masterClrMapping/>
+  </p:clrMapOvr>
+  <p:timing>
+    <p:tnLst>
+      <p:par>
+        <p:cTn id="1" dur="indefinite" restart="never" nodeType="tmRoot"/>
+      </p:par>
+    </p:tnLst>
+  </p:timing>
+</p:sld>
+</file>
+
+<file path=ppt/slides/slide27.xml><?xml version="1.0" encoding="utf-8"?>
+<p:sld xmlns:a="http://schemas.openxmlformats.org/drawingml/2006/main" xmlns:r="http://schemas.openxmlformats.org/officeDocument/2006/relationships" xmlns:p="http://schemas.openxmlformats.org/presentationml/2006/main">
+  <p:cSld>
+    <p:spTree>
+      <p:nvGrpSpPr>
+        <p:cNvPr id="1" name=""/>
+        <p:cNvGrpSpPr/>
+        <p:nvPr/>
+      </p:nvGrpSpPr>
+      <p:grpSpPr>
+        <a:xfrm>
+          <a:off x="0" y="0"/>
+          <a:ext cx="0" cy="0"/>
+          <a:chOff x="0" y="0"/>
+          <a:chExt cx="0" cy="0"/>
+        </a:xfrm>
+      </p:grpSpPr>
+      <p:sp>
+        <p:nvSpPr>
+          <p:cNvPr id="3" name="Textplatzhalter 2"/>
+          <p:cNvSpPr>
+            <a:spLocks noGrp="1"/>
+          </p:cNvSpPr>
+          <p:nvPr>
             <p:ph type="body" sz="quarter" idx="13"/>
           </p:nvPr>
         </p:nvSpPr>
@@ -20404,7 +22522,7 @@
 </p:sld>
 </file>
 
-<file path=ppt/slides/slide25.xml><?xml version="1.0" encoding="utf-8"?>
+<file path=ppt/slides/slide28.xml><?xml version="1.0" encoding="utf-8"?>
 <p:sld xmlns:a="http://schemas.openxmlformats.org/drawingml/2006/main" xmlns:r="http://schemas.openxmlformats.org/officeDocument/2006/relationships" xmlns:p="http://schemas.openxmlformats.org/presentationml/2006/main">
   <p:cSld>
     <p:spTree>
@@ -20494,7 +22612,7 @@
 </p:sld>
 </file>
 
-<file path=ppt/slides/slide26.xml><?xml version="1.0" encoding="utf-8"?>
+<file path=ppt/slides/slide29.xml><?xml version="1.0" encoding="utf-8"?>
 <p:sld xmlns:a="http://schemas.openxmlformats.org/drawingml/2006/main" xmlns:r="http://schemas.openxmlformats.org/officeDocument/2006/relationships" xmlns:p="http://schemas.openxmlformats.org/presentationml/2006/main">
   <p:cSld>
     <p:spTree>
@@ -20621,1294 +22739,6 @@
           </a:p>
         </p:txBody>
       </p:sp>
-    </p:spTree>
-  </p:cSld>
-  <p:clrMapOvr>
-    <a:masterClrMapping/>
-  </p:clrMapOvr>
-  <p:timing>
-    <p:tnLst>
-      <p:par>
-        <p:cTn id="1" dur="indefinite" restart="never" nodeType="tmRoot"/>
-      </p:par>
-    </p:tnLst>
-  </p:timing>
-</p:sld>
-</file>
-
-<file path=ppt/slides/slide27.xml><?xml version="1.0" encoding="utf-8"?>
-<p:sld xmlns:a="http://schemas.openxmlformats.org/drawingml/2006/main" xmlns:r="http://schemas.openxmlformats.org/officeDocument/2006/relationships" xmlns:p="http://schemas.openxmlformats.org/presentationml/2006/main">
-  <p:cSld>
-    <p:spTree>
-      <p:nvGrpSpPr>
-        <p:cNvPr id="1" name=""/>
-        <p:cNvGrpSpPr/>
-        <p:nvPr/>
-      </p:nvGrpSpPr>
-      <p:grpSpPr>
-        <a:xfrm>
-          <a:off x="0" y="0"/>
-          <a:ext cx="0" cy="0"/>
-          <a:chOff x="0" y="0"/>
-          <a:chExt cx="0" cy="0"/>
-        </a:xfrm>
-      </p:grpSpPr>
-      <p:graphicFrame>
-        <p:nvGraphicFramePr>
-          <p:cNvPr id="7" name="Inhaltsplatzhalter 6"/>
-          <p:cNvGraphicFramePr>
-            <a:graphicFrameLocks noGrp="1"/>
-          </p:cNvGraphicFramePr>
-          <p:nvPr>
-            <p:ph idx="1"/>
-          </p:nvPr>
-        </p:nvGraphicFramePr>
-        <p:xfrm>
-          <a:off x="319088" y="2498725"/>
-          <a:ext cx="8509507" cy="2119200"/>
-        </p:xfrm>
-        <a:graphic>
-          <a:graphicData uri="http://schemas.openxmlformats.org/drawingml/2006/table">
-            <a:tbl>
-              <a:tblPr bandRow="1">
-                <a:tableStyleId>{5940675A-B579-460E-94D1-54222C63F5DA}</a:tableStyleId>
-              </a:tblPr>
-              <a:tblGrid>
-                <a:gridCol w="3493889"/>
-                <a:gridCol w="5015618"/>
-              </a:tblGrid>
-              <a:tr h="423840">
-                <a:tc>
-                  <a:txBody>
-                    <a:bodyPr/>
-                    <a:lstStyle/>
-                    <a:p>
-                      <a:pPr marL="0" marR="0" indent="0" algn="l" defTabSz="914400" rtl="0" eaLnBrk="1" fontAlgn="auto" latinLnBrk="0" hangingPunct="1">
-                        <a:lnSpc>
-                          <a:spcPct val="100000"/>
-                        </a:lnSpc>
-                        <a:spcBef>
-                          <a:spcPts val="0"/>
-                        </a:spcBef>
-                        <a:spcAft>
-                          <a:spcPts val="0"/>
-                        </a:spcAft>
-                        <a:buClrTx/>
-                        <a:buSzTx/>
-                        <a:buFontTx/>
-                        <a:buNone/>
-                        <a:tabLst/>
-                        <a:defRPr/>
-                      </a:pPr>
-                      <a:r>
-                        <a:rPr lang="de-DE" sz="1600" dirty="0" smtClean="0"/>
-                        <a:t>Ø - Strecke</a:t>
-                      </a:r>
-                      <a:endParaRPr lang="de-DE" sz="1600" dirty="0" smtClean="0">
-                        <a:latin typeface="+mn-lt"/>
-                      </a:endParaRPr>
-                    </a:p>
-                  </a:txBody>
-                  <a:tcPr marL="0" marR="0" marT="180000" marB="0" anchor="ctr">
-                    <a:lnL w="12700" cmpd="sng">
-                      <a:noFill/>
-                    </a:lnL>
-                    <a:lnR w="12700" cmpd="sng">
-                      <a:noFill/>
-                    </a:lnR>
-                    <a:lnT w="12700" cmpd="sng">
-                      <a:noFill/>
-                    </a:lnT>
-                    <a:lnB w="12700" cmpd="sng">
-                      <a:noFill/>
-                    </a:lnB>
-                    <a:lnTlToBr w="12700" cmpd="sng">
-                      <a:noFill/>
-                      <a:prstDash val="solid"/>
-                    </a:lnTlToBr>
-                    <a:lnBlToTr w="12700" cmpd="sng">
-                      <a:noFill/>
-                      <a:prstDash val="solid"/>
-                    </a:lnBlToTr>
-                  </a:tcPr>
-                </a:tc>
-                <a:tc>
-                  <a:txBody>
-                    <a:bodyPr/>
-                    <a:lstStyle/>
-                    <a:p>
-                      <a:pPr marL="0" marR="0" indent="0" algn="l" defTabSz="914400" rtl="0" eaLnBrk="1" fontAlgn="auto" latinLnBrk="0" hangingPunct="1">
-                        <a:lnSpc>
-                          <a:spcPct val="100000"/>
-                        </a:lnSpc>
-                        <a:spcBef>
-                          <a:spcPts val="0"/>
-                        </a:spcBef>
-                        <a:spcAft>
-                          <a:spcPts val="0"/>
-                        </a:spcAft>
-                        <a:buClrTx/>
-                        <a:buSzTx/>
-                        <a:buFontTx/>
-                        <a:buNone/>
-                        <a:tabLst/>
-                        <a:defRPr/>
-                      </a:pPr>
-                      <a:r>
-                        <a:rPr lang="de-DE" sz="1600" dirty="0" smtClean="0"/>
-                        <a:t>39 km/Tag (14.360 km/Jahr)</a:t>
-                      </a:r>
-                      <a:endParaRPr lang="de-DE" sz="1600" dirty="0" smtClean="0">
-                        <a:latin typeface="+mn-lt"/>
-                      </a:endParaRPr>
-                    </a:p>
-                  </a:txBody>
-                  <a:tcPr marL="0" marR="0" marT="180000" marB="0" anchor="ctr">
-                    <a:lnL w="12700" cmpd="sng">
-                      <a:noFill/>
-                    </a:lnL>
-                    <a:lnR w="12700" cmpd="sng">
-                      <a:noFill/>
-                    </a:lnR>
-                    <a:lnT w="12700" cmpd="sng">
-                      <a:noFill/>
-                    </a:lnT>
-                    <a:lnB w="12700" cmpd="sng">
-                      <a:noFill/>
-                    </a:lnB>
-                    <a:lnTlToBr w="12700" cmpd="sng">
-                      <a:noFill/>
-                      <a:prstDash val="solid"/>
-                    </a:lnTlToBr>
-                    <a:lnBlToTr w="12700" cmpd="sng">
-                      <a:noFill/>
-                      <a:prstDash val="solid"/>
-                    </a:lnBlToTr>
-                  </a:tcPr>
-                </a:tc>
-              </a:tr>
-              <a:tr h="423840">
-                <a:tc>
-                  <a:txBody>
-                    <a:bodyPr/>
-                    <a:lstStyle/>
-                    <a:p>
-                      <a:pPr marL="0" marR="0" lvl="0" indent="0" algn="l" defTabSz="914400" rtl="0" eaLnBrk="1" fontAlgn="auto" latinLnBrk="0" hangingPunct="1">
-                        <a:lnSpc>
-                          <a:spcPct val="100000"/>
-                        </a:lnSpc>
-                        <a:spcBef>
-                          <a:spcPts val="0"/>
-                        </a:spcBef>
-                        <a:spcAft>
-                          <a:spcPts val="0"/>
-                        </a:spcAft>
-                        <a:buClrTx/>
-                        <a:buSzTx/>
-                        <a:buFontTx/>
-                        <a:buNone/>
-                        <a:tabLst/>
-                        <a:defRPr/>
-                      </a:pPr>
-                      <a:r>
-                        <a:rPr lang="de-DE" sz="1600" dirty="0" smtClean="0"/>
-                        <a:t>Ø - Geschwindigkeit</a:t>
-                      </a:r>
-                      <a:endParaRPr lang="de-DE" sz="1600" dirty="0" smtClean="0">
-                        <a:latin typeface="+mn-lt"/>
-                      </a:endParaRPr>
-                    </a:p>
-                  </a:txBody>
-                  <a:tcPr marL="0" marR="0" marT="180000" marB="0" anchor="ctr">
-                    <a:lnL w="12700" cmpd="sng">
-                      <a:noFill/>
-                    </a:lnL>
-                    <a:lnR w="12700" cmpd="sng">
-                      <a:noFill/>
-                    </a:lnR>
-                    <a:lnT w="12700" cmpd="sng">
-                      <a:noFill/>
-                    </a:lnT>
-                    <a:lnB w="12700" cmpd="sng">
-                      <a:noFill/>
-                    </a:lnB>
-                    <a:lnTlToBr w="12700" cmpd="sng">
-                      <a:noFill/>
-                      <a:prstDash val="solid"/>
-                    </a:lnTlToBr>
-                    <a:lnBlToTr w="12700" cmpd="sng">
-                      <a:noFill/>
-                      <a:prstDash val="solid"/>
-                    </a:lnBlToTr>
-                  </a:tcPr>
-                </a:tc>
-                <a:tc>
-                  <a:txBody>
-                    <a:bodyPr/>
-                    <a:lstStyle/>
-                    <a:p>
-                      <a:pPr marL="0" marR="0" indent="0" algn="l" defTabSz="914400" rtl="0" eaLnBrk="1" fontAlgn="auto" latinLnBrk="0" hangingPunct="1">
-                        <a:lnSpc>
-                          <a:spcPct val="100000"/>
-                        </a:lnSpc>
-                        <a:spcBef>
-                          <a:spcPts val="0"/>
-                        </a:spcBef>
-                        <a:spcAft>
-                          <a:spcPts val="0"/>
-                        </a:spcAft>
-                        <a:buClrTx/>
-                        <a:buSzTx/>
-                        <a:buFontTx/>
-                        <a:buNone/>
-                        <a:tabLst/>
-                        <a:defRPr/>
-                      </a:pPr>
-                      <a:r>
-                        <a:rPr lang="de-DE" sz="1600" dirty="0" smtClean="0"/>
-                        <a:t>25 km/h</a:t>
-                      </a:r>
-                      <a:endParaRPr lang="de-DE" sz="1600" dirty="0">
-                        <a:latin typeface="+mn-lt"/>
-                      </a:endParaRPr>
-                    </a:p>
-                  </a:txBody>
-                  <a:tcPr marL="0" marR="0" marT="180000" marB="0" anchor="ctr">
-                    <a:lnL w="12700" cmpd="sng">
-                      <a:noFill/>
-                    </a:lnL>
-                    <a:lnR w="12700" cmpd="sng">
-                      <a:noFill/>
-                    </a:lnR>
-                    <a:lnT w="12700" cmpd="sng">
-                      <a:noFill/>
-                    </a:lnT>
-                    <a:lnB w="12700" cmpd="sng">
-                      <a:noFill/>
-                    </a:lnB>
-                    <a:lnTlToBr w="12700" cmpd="sng">
-                      <a:noFill/>
-                      <a:prstDash val="solid"/>
-                    </a:lnTlToBr>
-                    <a:lnBlToTr w="12700" cmpd="sng">
-                      <a:noFill/>
-                      <a:prstDash val="solid"/>
-                    </a:lnBlToTr>
-                  </a:tcPr>
-                </a:tc>
-              </a:tr>
-              <a:tr h="423840">
-                <a:tc>
-                  <a:txBody>
-                    <a:bodyPr/>
-                    <a:lstStyle/>
-                    <a:p>
-                      <a:pPr marL="0" marR="0" indent="0" algn="l" defTabSz="914400" rtl="0" eaLnBrk="1" fontAlgn="auto" latinLnBrk="0" hangingPunct="1">
-                        <a:lnSpc>
-                          <a:spcPct val="100000"/>
-                        </a:lnSpc>
-                        <a:spcBef>
-                          <a:spcPts val="0"/>
-                        </a:spcBef>
-                        <a:spcAft>
-                          <a:spcPts val="0"/>
-                        </a:spcAft>
-                        <a:buClrTx/>
-                        <a:buSzTx/>
-                        <a:buFontTx/>
-                        <a:buNone/>
-                        <a:tabLst/>
-                        <a:defRPr/>
-                      </a:pPr>
-                      <a:r>
-                        <a:rPr lang="de-DE" sz="1600" dirty="0" smtClean="0"/>
-                        <a:t>Ø - Verfügbare Ladezeit</a:t>
-                      </a:r>
-                      <a:endParaRPr lang="de-DE" sz="1600" dirty="0" smtClean="0">
-                        <a:latin typeface="+mn-lt"/>
-                      </a:endParaRPr>
-                    </a:p>
-                  </a:txBody>
-                  <a:tcPr marL="0" marR="0" marT="180000" marB="0" anchor="ctr">
-                    <a:lnL w="12700" cmpd="sng">
-                      <a:noFill/>
-                    </a:lnL>
-                    <a:lnR w="12700" cmpd="sng">
-                      <a:noFill/>
-                    </a:lnR>
-                    <a:lnT w="12700" cmpd="sng">
-                      <a:noFill/>
-                    </a:lnT>
-                    <a:lnB w="12700" cmpd="sng">
-                      <a:noFill/>
-                    </a:lnB>
-                    <a:lnTlToBr w="12700" cmpd="sng">
-                      <a:noFill/>
-                      <a:prstDash val="solid"/>
-                    </a:lnTlToBr>
-                    <a:lnBlToTr w="12700" cmpd="sng">
-                      <a:noFill/>
-                      <a:prstDash val="solid"/>
-                    </a:lnBlToTr>
-                  </a:tcPr>
-                </a:tc>
-                <a:tc>
-                  <a:txBody>
-                    <a:bodyPr/>
-                    <a:lstStyle/>
-                    <a:p>
-                      <a:pPr marL="0" marR="0" indent="0" algn="l" defTabSz="914400" rtl="0" eaLnBrk="1" fontAlgn="auto" latinLnBrk="0" hangingPunct="1">
-                        <a:lnSpc>
-                          <a:spcPct val="100000"/>
-                        </a:lnSpc>
-                        <a:spcBef>
-                          <a:spcPts val="0"/>
-                        </a:spcBef>
-                        <a:spcAft>
-                          <a:spcPts val="0"/>
-                        </a:spcAft>
-                        <a:buClrTx/>
-                        <a:buSzTx/>
-                        <a:buFontTx/>
-                        <a:buNone/>
-                        <a:tabLst/>
-                        <a:defRPr/>
-                      </a:pPr>
-                      <a:r>
-                        <a:rPr lang="de-DE" sz="1600" dirty="0" smtClean="0"/>
-                        <a:t>22 h/Tag</a:t>
-                      </a:r>
-                      <a:endParaRPr lang="de-DE" sz="1600" dirty="0" smtClean="0">
-                        <a:latin typeface="+mn-lt"/>
-                      </a:endParaRPr>
-                    </a:p>
-                  </a:txBody>
-                  <a:tcPr marL="0" marR="0" marT="180000" marB="0" anchor="ctr">
-                    <a:lnL w="12700" cmpd="sng">
-                      <a:noFill/>
-                    </a:lnL>
-                    <a:lnR w="12700" cmpd="sng">
-                      <a:noFill/>
-                    </a:lnR>
-                    <a:lnT w="12700" cmpd="sng">
-                      <a:noFill/>
-                    </a:lnT>
-                    <a:lnB w="12700" cmpd="sng">
-                      <a:noFill/>
-                    </a:lnB>
-                    <a:lnTlToBr w="12700" cmpd="sng">
-                      <a:noFill/>
-                      <a:prstDash val="solid"/>
-                    </a:lnTlToBr>
-                    <a:lnBlToTr w="12700" cmpd="sng">
-                      <a:noFill/>
-                      <a:prstDash val="solid"/>
-                    </a:lnBlToTr>
-                  </a:tcPr>
-                </a:tc>
-              </a:tr>
-              <a:tr h="423840">
-                <a:tc>
-                  <a:txBody>
-                    <a:bodyPr/>
-                    <a:lstStyle/>
-                    <a:p>
-                      <a:pPr marL="0" marR="0" indent="0" algn="l" defTabSz="914400" rtl="0" eaLnBrk="1" fontAlgn="auto" latinLnBrk="0" hangingPunct="1">
-                        <a:lnSpc>
-                          <a:spcPct val="100000"/>
-                        </a:lnSpc>
-                        <a:spcBef>
-                          <a:spcPts val="0"/>
-                        </a:spcBef>
-                        <a:spcAft>
-                          <a:spcPts val="0"/>
-                        </a:spcAft>
-                        <a:buClrTx/>
-                        <a:buSzTx/>
-                        <a:buFontTx/>
-                        <a:buNone/>
-                        <a:tabLst/>
-                        <a:defRPr/>
-                      </a:pPr>
-                      <a:r>
-                        <a:rPr lang="de-DE" sz="1600" dirty="0" smtClean="0"/>
-                        <a:t>Kosten</a:t>
-                      </a:r>
-                      <a:endParaRPr lang="de-DE" sz="1600" dirty="0" smtClean="0">
-                        <a:latin typeface="+mn-lt"/>
-                      </a:endParaRPr>
-                    </a:p>
-                  </a:txBody>
-                  <a:tcPr marL="0" marR="0" marT="180000" marB="0" anchor="ctr">
-                    <a:lnL w="12700" cmpd="sng">
-                      <a:noFill/>
-                    </a:lnL>
-                    <a:lnR w="12700" cmpd="sng">
-                      <a:noFill/>
-                    </a:lnR>
-                    <a:lnT w="12700" cmpd="sng">
-                      <a:noFill/>
-                    </a:lnT>
-                    <a:lnB w="12700" cmpd="sng">
-                      <a:noFill/>
-                    </a:lnB>
-                    <a:lnTlToBr w="12700" cmpd="sng">
-                      <a:noFill/>
-                      <a:prstDash val="solid"/>
-                    </a:lnTlToBr>
-                    <a:lnBlToTr w="12700" cmpd="sng">
-                      <a:noFill/>
-                      <a:prstDash val="solid"/>
-                    </a:lnBlToTr>
-                  </a:tcPr>
-                </a:tc>
-                <a:tc>
-                  <a:txBody>
-                    <a:bodyPr/>
-                    <a:lstStyle/>
-                    <a:p>
-                      <a:pPr marL="0" marR="0" lvl="0" indent="0" algn="l" defTabSz="914400" rtl="0" eaLnBrk="1" fontAlgn="auto" latinLnBrk="0" hangingPunct="1">
-                        <a:lnSpc>
-                          <a:spcPct val="100000"/>
-                        </a:lnSpc>
-                        <a:spcBef>
-                          <a:spcPts val="0"/>
-                        </a:spcBef>
-                        <a:spcAft>
-                          <a:spcPts val="0"/>
-                        </a:spcAft>
-                        <a:buClrTx/>
-                        <a:buSzTx/>
-                        <a:buFontTx/>
-                        <a:buNone/>
-                        <a:tabLst/>
-                        <a:defRPr/>
-                      </a:pPr>
-                      <a:r>
-                        <a:rPr lang="de-DE" sz="1600" dirty="0" smtClean="0"/>
-                        <a:t>Kleinwagen mit Verbrennungsmotor</a:t>
-                      </a:r>
-                      <a:endParaRPr lang="de-DE" sz="1600" dirty="0" smtClean="0">
-                        <a:latin typeface="+mn-lt"/>
-                      </a:endParaRPr>
-                    </a:p>
-                  </a:txBody>
-                  <a:tcPr marL="0" marR="0" marT="180000" marB="0" anchor="ctr">
-                    <a:lnL w="12700" cmpd="sng">
-                      <a:noFill/>
-                    </a:lnL>
-                    <a:lnR w="12700" cmpd="sng">
-                      <a:noFill/>
-                    </a:lnR>
-                    <a:lnT w="12700" cmpd="sng">
-                      <a:noFill/>
-                    </a:lnT>
-                    <a:lnB w="12700" cmpd="sng">
-                      <a:noFill/>
-                    </a:lnB>
-                    <a:lnTlToBr w="12700" cmpd="sng">
-                      <a:noFill/>
-                      <a:prstDash val="solid"/>
-                    </a:lnTlToBr>
-                    <a:lnBlToTr w="12700" cmpd="sng">
-                      <a:noFill/>
-                      <a:prstDash val="solid"/>
-                    </a:lnBlToTr>
-                  </a:tcPr>
-                </a:tc>
-              </a:tr>
-              <a:tr h="423840">
-                <a:tc>
-                  <a:txBody>
-                    <a:bodyPr/>
-                    <a:lstStyle/>
-                    <a:p>
-                      <a:pPr marL="0" marR="0" indent="0" algn="l" defTabSz="914400" rtl="0" eaLnBrk="1" fontAlgn="auto" latinLnBrk="0" hangingPunct="1">
-                        <a:lnSpc>
-                          <a:spcPct val="100000"/>
-                        </a:lnSpc>
-                        <a:spcBef>
-                          <a:spcPts val="0"/>
-                        </a:spcBef>
-                        <a:spcAft>
-                          <a:spcPts val="0"/>
-                        </a:spcAft>
-                        <a:buClrTx/>
-                        <a:buSzTx/>
-                        <a:buFontTx/>
-                        <a:buNone/>
-                        <a:tabLst/>
-                        <a:defRPr/>
-                      </a:pPr>
-                      <a:r>
-                        <a:rPr lang="de-DE" sz="1600" dirty="0" smtClean="0"/>
-                        <a:t>Einsatzgebiet</a:t>
-                      </a:r>
-                      <a:endParaRPr lang="de-DE" sz="1600" b="0" dirty="0" smtClean="0">
-                        <a:latin typeface="+mn-lt"/>
-                      </a:endParaRPr>
-                    </a:p>
-                  </a:txBody>
-                  <a:tcPr marL="0" marR="0" marT="180000" marB="0" anchor="ctr">
-                    <a:lnL w="12700" cmpd="sng">
-                      <a:noFill/>
-                    </a:lnL>
-                    <a:lnR w="12700" cmpd="sng">
-                      <a:noFill/>
-                    </a:lnR>
-                    <a:lnT w="12700" cmpd="sng">
-                      <a:noFill/>
-                    </a:lnT>
-                    <a:lnB w="12700" cmpd="sng">
-                      <a:noFill/>
-                    </a:lnB>
-                    <a:lnTlToBr w="12700" cmpd="sng">
-                      <a:noFill/>
-                      <a:prstDash val="solid"/>
-                    </a:lnTlToBr>
-                    <a:lnBlToTr w="12700" cmpd="sng">
-                      <a:noFill/>
-                      <a:prstDash val="solid"/>
-                    </a:lnBlToTr>
-                  </a:tcPr>
-                </a:tc>
-                <a:tc>
-                  <a:txBody>
-                    <a:bodyPr/>
-                    <a:lstStyle/>
-                    <a:p>
-                      <a:pPr marL="0" marR="0" indent="0" algn="l" defTabSz="914400" rtl="0" eaLnBrk="1" fontAlgn="auto" latinLnBrk="0" hangingPunct="1">
-                        <a:lnSpc>
-                          <a:spcPct val="100000"/>
-                        </a:lnSpc>
-                        <a:spcBef>
-                          <a:spcPts val="0"/>
-                        </a:spcBef>
-                        <a:spcAft>
-                          <a:spcPts val="0"/>
-                        </a:spcAft>
-                        <a:buClrTx/>
-                        <a:buSzTx/>
-                        <a:buFontTx/>
-                        <a:buNone/>
-                        <a:tabLst/>
-                        <a:defRPr/>
-                      </a:pPr>
-                      <a:r>
-                        <a:rPr lang="de-DE" sz="1600" dirty="0" smtClean="0"/>
-                        <a:t>Stadt und Umland</a:t>
-                      </a:r>
-                      <a:endParaRPr lang="de-DE" sz="1600" dirty="0" smtClean="0">
-                        <a:latin typeface="+mn-lt"/>
-                      </a:endParaRPr>
-                    </a:p>
-                  </a:txBody>
-                  <a:tcPr marL="0" marR="0" marT="180000" marB="0" anchor="ctr">
-                    <a:lnL w="12700" cmpd="sng">
-                      <a:noFill/>
-                    </a:lnL>
-                    <a:lnR w="12700" cmpd="sng">
-                      <a:noFill/>
-                    </a:lnR>
-                    <a:lnT w="12700" cmpd="sng">
-                      <a:noFill/>
-                    </a:lnT>
-                    <a:lnB w="12700" cmpd="sng">
-                      <a:noFill/>
-                    </a:lnB>
-                    <a:lnTlToBr w="12700" cmpd="sng">
-                      <a:noFill/>
-                      <a:prstDash val="solid"/>
-                    </a:lnTlToBr>
-                    <a:lnBlToTr w="12700" cmpd="sng">
-                      <a:noFill/>
-                      <a:prstDash val="solid"/>
-                    </a:lnBlToTr>
-                  </a:tcPr>
-                </a:tc>
-              </a:tr>
-            </a:tbl>
-          </a:graphicData>
-        </a:graphic>
-      </p:graphicFrame>
-      <p:sp>
-        <p:nvSpPr>
-          <p:cNvPr id="10" name="Fußzeilenplatzhalter 4"/>
-          <p:cNvSpPr>
-            <a:spLocks noGrp="1"/>
-          </p:cNvSpPr>
-          <p:nvPr>
-            <p:ph type="ftr" sz="quarter" idx="12"/>
-          </p:nvPr>
-        </p:nvSpPr>
-        <p:spPr/>
-        <p:txBody>
-          <a:bodyPr/>
-          <a:lstStyle/>
-          <a:p>
-            <a:r>
-              <a:rPr lang="de-DE" smtClean="0"/>
-              <a:t>Dr. rer. nat. Erika Mustermann (TUM) | kann beliebig erweitert werden | Infos mit Strich trennen</a:t>
-            </a:r>
-            <a:endParaRPr lang="en-US" dirty="0" smtClean="0"/>
-          </a:p>
-        </p:txBody>
-      </p:sp>
-      <p:sp>
-        <p:nvSpPr>
-          <p:cNvPr id="2" name="Textplatzhalter 1"/>
-          <p:cNvSpPr>
-            <a:spLocks noGrp="1"/>
-          </p:cNvSpPr>
-          <p:nvPr>
-            <p:ph type="body" sz="quarter" idx="13"/>
-          </p:nvPr>
-        </p:nvSpPr>
-        <p:spPr/>
-        <p:txBody>
-          <a:bodyPr/>
-          <a:lstStyle/>
-          <a:p>
-            <a:r>
-              <a:rPr lang="de-DE" smtClean="0"/>
-              <a:t>Tabelle ohne Farbe und kein Rand</a:t>
-            </a:r>
-            <a:br>
-              <a:rPr lang="de-DE" smtClean="0"/>
-            </a:br>
-            <a:r>
-              <a:rPr lang="de-DE" smtClean="0"/>
-              <a:t>innerer Seitenrand links 0 cm, oben z.B. 0,5 cm (für genug Zeilenabstand innerhalb) </a:t>
-            </a:r>
-            <a:endParaRPr lang="de-DE" dirty="0"/>
-          </a:p>
-        </p:txBody>
-      </p:sp>
-      <p:sp>
-        <p:nvSpPr>
-          <p:cNvPr id="3" name="Titel 2"/>
-          <p:cNvSpPr>
-            <a:spLocks noGrp="1"/>
-          </p:cNvSpPr>
-          <p:nvPr>
-            <p:ph type="title"/>
-          </p:nvPr>
-        </p:nvSpPr>
-        <p:spPr/>
-        <p:txBody>
-          <a:bodyPr/>
-          <a:lstStyle/>
-          <a:p>
-            <a:r>
-              <a:rPr lang="de-DE" smtClean="0"/>
-              <a:t>Tabelle – Beispiel 1</a:t>
-            </a:r>
-            <a:endParaRPr lang="de-DE" dirty="0"/>
-          </a:p>
-        </p:txBody>
-      </p:sp>
-    </p:spTree>
-  </p:cSld>
-  <p:clrMapOvr>
-    <a:masterClrMapping/>
-  </p:clrMapOvr>
-  <p:timing>
-    <p:tnLst>
-      <p:par>
-        <p:cTn id="1" dur="indefinite" restart="never" nodeType="tmRoot"/>
-      </p:par>
-    </p:tnLst>
-  </p:timing>
-</p:sld>
-</file>
-
-<file path=ppt/slides/slide28.xml><?xml version="1.0" encoding="utf-8"?>
-<p:sld xmlns:a="http://schemas.openxmlformats.org/drawingml/2006/main" xmlns:r="http://schemas.openxmlformats.org/officeDocument/2006/relationships" xmlns:p="http://schemas.openxmlformats.org/presentationml/2006/main">
-  <p:cSld>
-    <p:spTree>
-      <p:nvGrpSpPr>
-        <p:cNvPr id="1" name=""/>
-        <p:cNvGrpSpPr/>
-        <p:nvPr/>
-      </p:nvGrpSpPr>
-      <p:grpSpPr>
-        <a:xfrm>
-          <a:off x="0" y="0"/>
-          <a:ext cx="0" cy="0"/>
-          <a:chOff x="0" y="0"/>
-          <a:chExt cx="0" cy="0"/>
-        </a:xfrm>
-      </p:grpSpPr>
-      <p:graphicFrame>
-        <p:nvGraphicFramePr>
-          <p:cNvPr id="7" name="Inhaltsplatzhalter 6"/>
-          <p:cNvGraphicFramePr>
-            <a:graphicFrameLocks noGrp="1"/>
-          </p:cNvGraphicFramePr>
-          <p:nvPr>
-            <p:ph idx="1"/>
-          </p:nvPr>
-        </p:nvGraphicFramePr>
-        <p:xfrm>
-          <a:off x="319088" y="2498725"/>
-          <a:ext cx="8509507" cy="2119200"/>
-        </p:xfrm>
-        <a:graphic>
-          <a:graphicData uri="http://schemas.openxmlformats.org/drawingml/2006/table">
-            <a:tbl>
-              <a:tblPr bandRow="1">
-                <a:tableStyleId>{5940675A-B579-460E-94D1-54222C63F5DA}</a:tableStyleId>
-              </a:tblPr>
-              <a:tblGrid>
-                <a:gridCol w="3493889"/>
-                <a:gridCol w="5015618"/>
-              </a:tblGrid>
-              <a:tr h="423840">
-                <a:tc>
-                  <a:txBody>
-                    <a:bodyPr/>
-                    <a:lstStyle/>
-                    <a:p>
-                      <a:pPr marL="0" marR="0" indent="0" algn="l" defTabSz="914400" rtl="0" eaLnBrk="1" fontAlgn="auto" latinLnBrk="0" hangingPunct="1">
-                        <a:lnSpc>
-                          <a:spcPct val="100000"/>
-                        </a:lnSpc>
-                        <a:spcBef>
-                          <a:spcPts val="0"/>
-                        </a:spcBef>
-                        <a:spcAft>
-                          <a:spcPts val="0"/>
-                        </a:spcAft>
-                        <a:buClrTx/>
-                        <a:buSzTx/>
-                        <a:buFontTx/>
-                        <a:buNone/>
-                        <a:tabLst/>
-                        <a:defRPr/>
-                      </a:pPr>
-                      <a:r>
-                        <a:rPr lang="de-DE" sz="1600" dirty="0" smtClean="0"/>
-                        <a:t>Ø - Strecke</a:t>
-                      </a:r>
-                      <a:endParaRPr lang="de-DE" sz="1600" dirty="0" smtClean="0">
-                        <a:latin typeface="+mn-lt"/>
-                      </a:endParaRPr>
-                    </a:p>
-                  </a:txBody>
-                  <a:tcPr marL="54000" marR="0" marT="180000" marB="0" anchor="ctr"/>
-                </a:tc>
-                <a:tc>
-                  <a:txBody>
-                    <a:bodyPr/>
-                    <a:lstStyle/>
-                    <a:p>
-                      <a:pPr marL="0" marR="0" indent="0" algn="l" defTabSz="914400" rtl="0" eaLnBrk="1" fontAlgn="auto" latinLnBrk="0" hangingPunct="1">
-                        <a:lnSpc>
-                          <a:spcPct val="100000"/>
-                        </a:lnSpc>
-                        <a:spcBef>
-                          <a:spcPts val="0"/>
-                        </a:spcBef>
-                        <a:spcAft>
-                          <a:spcPts val="0"/>
-                        </a:spcAft>
-                        <a:buClrTx/>
-                        <a:buSzTx/>
-                        <a:buFontTx/>
-                        <a:buNone/>
-                        <a:tabLst/>
-                        <a:defRPr/>
-                      </a:pPr>
-                      <a:r>
-                        <a:rPr lang="de-DE" sz="1600" dirty="0" smtClean="0"/>
-                        <a:t>39 km/Tag (14.360 km/Jahr)</a:t>
-                      </a:r>
-                      <a:endParaRPr lang="de-DE" sz="1600" dirty="0" smtClean="0">
-                        <a:latin typeface="+mn-lt"/>
-                      </a:endParaRPr>
-                    </a:p>
-                  </a:txBody>
-                  <a:tcPr marL="54000" marR="0" marT="180000" marB="0" anchor="ctr"/>
-                </a:tc>
-              </a:tr>
-              <a:tr h="423840">
-                <a:tc>
-                  <a:txBody>
-                    <a:bodyPr/>
-                    <a:lstStyle/>
-                    <a:p>
-                      <a:pPr marL="0" marR="0" lvl="0" indent="0" algn="l" defTabSz="914400" rtl="0" eaLnBrk="1" fontAlgn="auto" latinLnBrk="0" hangingPunct="1">
-                        <a:lnSpc>
-                          <a:spcPct val="100000"/>
-                        </a:lnSpc>
-                        <a:spcBef>
-                          <a:spcPts val="0"/>
-                        </a:spcBef>
-                        <a:spcAft>
-                          <a:spcPts val="0"/>
-                        </a:spcAft>
-                        <a:buClrTx/>
-                        <a:buSzTx/>
-                        <a:buFontTx/>
-                        <a:buNone/>
-                        <a:tabLst/>
-                        <a:defRPr/>
-                      </a:pPr>
-                      <a:r>
-                        <a:rPr lang="de-DE" sz="1600" dirty="0" smtClean="0"/>
-                        <a:t>Ø - Geschwindigkeit</a:t>
-                      </a:r>
-                      <a:endParaRPr lang="de-DE" sz="1600" dirty="0" smtClean="0">
-                        <a:latin typeface="+mn-lt"/>
-                      </a:endParaRPr>
-                    </a:p>
-                  </a:txBody>
-                  <a:tcPr marL="54000" marR="0" marT="180000" marB="0" anchor="ctr"/>
-                </a:tc>
-                <a:tc>
-                  <a:txBody>
-                    <a:bodyPr/>
-                    <a:lstStyle/>
-                    <a:p>
-                      <a:pPr marL="0" marR="0" indent="0" algn="l" defTabSz="914400" rtl="0" eaLnBrk="1" fontAlgn="auto" latinLnBrk="0" hangingPunct="1">
-                        <a:lnSpc>
-                          <a:spcPct val="100000"/>
-                        </a:lnSpc>
-                        <a:spcBef>
-                          <a:spcPts val="0"/>
-                        </a:spcBef>
-                        <a:spcAft>
-                          <a:spcPts val="0"/>
-                        </a:spcAft>
-                        <a:buClrTx/>
-                        <a:buSzTx/>
-                        <a:buFontTx/>
-                        <a:buNone/>
-                        <a:tabLst/>
-                        <a:defRPr/>
-                      </a:pPr>
-                      <a:r>
-                        <a:rPr lang="de-DE" sz="1600" dirty="0" smtClean="0"/>
-                        <a:t>25 km/h</a:t>
-                      </a:r>
-                      <a:endParaRPr lang="de-DE" sz="1600" dirty="0">
-                        <a:latin typeface="+mn-lt"/>
-                      </a:endParaRPr>
-                    </a:p>
-                  </a:txBody>
-                  <a:tcPr marL="54000" marR="0" marT="180000" marB="0" anchor="ctr"/>
-                </a:tc>
-              </a:tr>
-              <a:tr h="423840">
-                <a:tc>
-                  <a:txBody>
-                    <a:bodyPr/>
-                    <a:lstStyle/>
-                    <a:p>
-                      <a:pPr marL="0" marR="0" indent="0" algn="l" defTabSz="914400" rtl="0" eaLnBrk="1" fontAlgn="auto" latinLnBrk="0" hangingPunct="1">
-                        <a:lnSpc>
-                          <a:spcPct val="100000"/>
-                        </a:lnSpc>
-                        <a:spcBef>
-                          <a:spcPts val="0"/>
-                        </a:spcBef>
-                        <a:spcAft>
-                          <a:spcPts val="0"/>
-                        </a:spcAft>
-                        <a:buClrTx/>
-                        <a:buSzTx/>
-                        <a:buFontTx/>
-                        <a:buNone/>
-                        <a:tabLst/>
-                        <a:defRPr/>
-                      </a:pPr>
-                      <a:r>
-                        <a:rPr lang="de-DE" sz="1600" dirty="0" smtClean="0"/>
-                        <a:t>Ø - Verfügbare Ladezeit</a:t>
-                      </a:r>
-                      <a:endParaRPr lang="de-DE" sz="1600" dirty="0" smtClean="0">
-                        <a:latin typeface="+mn-lt"/>
-                      </a:endParaRPr>
-                    </a:p>
-                  </a:txBody>
-                  <a:tcPr marL="54000" marR="0" marT="180000" marB="0" anchor="ctr"/>
-                </a:tc>
-                <a:tc>
-                  <a:txBody>
-                    <a:bodyPr/>
-                    <a:lstStyle/>
-                    <a:p>
-                      <a:pPr marL="0" marR="0" indent="0" algn="l" defTabSz="914400" rtl="0" eaLnBrk="1" fontAlgn="auto" latinLnBrk="0" hangingPunct="1">
-                        <a:lnSpc>
-                          <a:spcPct val="100000"/>
-                        </a:lnSpc>
-                        <a:spcBef>
-                          <a:spcPts val="0"/>
-                        </a:spcBef>
-                        <a:spcAft>
-                          <a:spcPts val="0"/>
-                        </a:spcAft>
-                        <a:buClrTx/>
-                        <a:buSzTx/>
-                        <a:buFontTx/>
-                        <a:buNone/>
-                        <a:tabLst/>
-                        <a:defRPr/>
-                      </a:pPr>
-                      <a:r>
-                        <a:rPr lang="de-DE" sz="1600" dirty="0" smtClean="0"/>
-                        <a:t>22 h/Tag</a:t>
-                      </a:r>
-                      <a:endParaRPr lang="de-DE" sz="1600" dirty="0" smtClean="0">
-                        <a:latin typeface="+mn-lt"/>
-                      </a:endParaRPr>
-                    </a:p>
-                  </a:txBody>
-                  <a:tcPr marL="54000" marR="0" marT="180000" marB="0" anchor="ctr"/>
-                </a:tc>
-              </a:tr>
-              <a:tr h="423840">
-                <a:tc>
-                  <a:txBody>
-                    <a:bodyPr/>
-                    <a:lstStyle/>
-                    <a:p>
-                      <a:pPr marL="0" marR="0" indent="0" algn="l" defTabSz="914400" rtl="0" eaLnBrk="1" fontAlgn="auto" latinLnBrk="0" hangingPunct="1">
-                        <a:lnSpc>
-                          <a:spcPct val="100000"/>
-                        </a:lnSpc>
-                        <a:spcBef>
-                          <a:spcPts val="0"/>
-                        </a:spcBef>
-                        <a:spcAft>
-                          <a:spcPts val="0"/>
-                        </a:spcAft>
-                        <a:buClrTx/>
-                        <a:buSzTx/>
-                        <a:buFontTx/>
-                        <a:buNone/>
-                        <a:tabLst/>
-                        <a:defRPr/>
-                      </a:pPr>
-                      <a:r>
-                        <a:rPr lang="de-DE" sz="1600" dirty="0" smtClean="0"/>
-                        <a:t>Kosten</a:t>
-                      </a:r>
-                      <a:endParaRPr lang="de-DE" sz="1600" dirty="0" smtClean="0">
-                        <a:latin typeface="+mn-lt"/>
-                      </a:endParaRPr>
-                    </a:p>
-                  </a:txBody>
-                  <a:tcPr marL="54000" marR="0" marT="180000" marB="0" anchor="ctr"/>
-                </a:tc>
-                <a:tc>
-                  <a:txBody>
-                    <a:bodyPr/>
-                    <a:lstStyle/>
-                    <a:p>
-                      <a:pPr marL="0" marR="0" lvl="0" indent="0" algn="l" defTabSz="914400" rtl="0" eaLnBrk="1" fontAlgn="auto" latinLnBrk="0" hangingPunct="1">
-                        <a:lnSpc>
-                          <a:spcPct val="100000"/>
-                        </a:lnSpc>
-                        <a:spcBef>
-                          <a:spcPts val="0"/>
-                        </a:spcBef>
-                        <a:spcAft>
-                          <a:spcPts val="0"/>
-                        </a:spcAft>
-                        <a:buClrTx/>
-                        <a:buSzTx/>
-                        <a:buFontTx/>
-                        <a:buNone/>
-                        <a:tabLst/>
-                        <a:defRPr/>
-                      </a:pPr>
-                      <a:r>
-                        <a:rPr lang="de-DE" sz="1600" dirty="0" smtClean="0"/>
-                        <a:t>Kleinwagen mit Verbrennungsmotor</a:t>
-                      </a:r>
-                      <a:endParaRPr lang="de-DE" sz="1600" dirty="0" smtClean="0">
-                        <a:latin typeface="+mn-lt"/>
-                      </a:endParaRPr>
-                    </a:p>
-                  </a:txBody>
-                  <a:tcPr marL="54000" marR="0" marT="180000" marB="0" anchor="ctr"/>
-                </a:tc>
-              </a:tr>
-              <a:tr h="423840">
-                <a:tc>
-                  <a:txBody>
-                    <a:bodyPr/>
-                    <a:lstStyle/>
-                    <a:p>
-                      <a:pPr marL="0" marR="0" indent="0" algn="l" defTabSz="914400" rtl="0" eaLnBrk="1" fontAlgn="auto" latinLnBrk="0" hangingPunct="1">
-                        <a:lnSpc>
-                          <a:spcPct val="100000"/>
-                        </a:lnSpc>
-                        <a:spcBef>
-                          <a:spcPts val="0"/>
-                        </a:spcBef>
-                        <a:spcAft>
-                          <a:spcPts val="0"/>
-                        </a:spcAft>
-                        <a:buClrTx/>
-                        <a:buSzTx/>
-                        <a:buFontTx/>
-                        <a:buNone/>
-                        <a:tabLst/>
-                        <a:defRPr/>
-                      </a:pPr>
-                      <a:r>
-                        <a:rPr lang="de-DE" sz="1600" dirty="0" smtClean="0"/>
-                        <a:t>Einsatzgebiet</a:t>
-                      </a:r>
-                      <a:endParaRPr lang="de-DE" sz="1600" b="0" dirty="0" smtClean="0">
-                        <a:latin typeface="+mn-lt"/>
-                      </a:endParaRPr>
-                    </a:p>
-                  </a:txBody>
-                  <a:tcPr marL="54000" marR="0" marT="180000" marB="0" anchor="ctr"/>
-                </a:tc>
-                <a:tc>
-                  <a:txBody>
-                    <a:bodyPr/>
-                    <a:lstStyle/>
-                    <a:p>
-                      <a:pPr marL="0" marR="0" indent="0" algn="l" defTabSz="914400" rtl="0" eaLnBrk="1" fontAlgn="auto" latinLnBrk="0" hangingPunct="1">
-                        <a:lnSpc>
-                          <a:spcPct val="100000"/>
-                        </a:lnSpc>
-                        <a:spcBef>
-                          <a:spcPts val="0"/>
-                        </a:spcBef>
-                        <a:spcAft>
-                          <a:spcPts val="0"/>
-                        </a:spcAft>
-                        <a:buClrTx/>
-                        <a:buSzTx/>
-                        <a:buFontTx/>
-                        <a:buNone/>
-                        <a:tabLst/>
-                        <a:defRPr/>
-                      </a:pPr>
-                      <a:r>
-                        <a:rPr lang="de-DE" sz="1600" dirty="0" smtClean="0"/>
-                        <a:t>Stadt und Umland</a:t>
-                      </a:r>
-                      <a:endParaRPr lang="de-DE" sz="1600" dirty="0" smtClean="0">
-                        <a:latin typeface="+mn-lt"/>
-                      </a:endParaRPr>
-                    </a:p>
-                  </a:txBody>
-                  <a:tcPr marL="54000" marR="0" marT="180000" marB="0" anchor="ctr"/>
-                </a:tc>
-              </a:tr>
-            </a:tbl>
-          </a:graphicData>
-        </a:graphic>
-      </p:graphicFrame>
-      <p:sp>
-        <p:nvSpPr>
-          <p:cNvPr id="10" name="Fußzeilenplatzhalter 4"/>
-          <p:cNvSpPr>
-            <a:spLocks noGrp="1"/>
-          </p:cNvSpPr>
-          <p:nvPr>
-            <p:ph type="ftr" sz="quarter" idx="12"/>
-          </p:nvPr>
-        </p:nvSpPr>
-        <p:spPr/>
-        <p:txBody>
-          <a:bodyPr/>
-          <a:lstStyle/>
-          <a:p>
-            <a:r>
-              <a:rPr lang="de-DE" smtClean="0"/>
-              <a:t>Dr. rer. nat. Erika Mustermann (TUM) | kann beliebig erweitert werden | Infos mit Strich trennen</a:t>
-            </a:r>
-            <a:endParaRPr lang="en-US" dirty="0" smtClean="0"/>
-          </a:p>
-        </p:txBody>
-      </p:sp>
-      <p:sp>
-        <p:nvSpPr>
-          <p:cNvPr id="2" name="Textplatzhalter 1"/>
-          <p:cNvSpPr>
-            <a:spLocks noGrp="1"/>
-          </p:cNvSpPr>
-          <p:nvPr>
-            <p:ph type="body" sz="quarter" idx="13"/>
-          </p:nvPr>
-        </p:nvSpPr>
-        <p:spPr/>
-        <p:txBody>
-          <a:bodyPr/>
-          <a:lstStyle/>
-          <a:p>
-            <a:r>
-              <a:rPr lang="de-DE" smtClean="0"/>
-              <a:t>Tabelle mit schwarzem Rand</a:t>
-            </a:r>
-            <a:br>
-              <a:rPr lang="de-DE" smtClean="0"/>
-            </a:br>
-            <a:r>
-              <a:rPr lang="de-DE" smtClean="0"/>
-              <a:t>innerer Seitenrand links 0,15 cm, oben z.B. 0,5 cm (für genug Zeilenabstand innerhalb) </a:t>
-            </a:r>
-            <a:endParaRPr lang="de-DE" dirty="0"/>
-          </a:p>
-        </p:txBody>
-      </p:sp>
-      <p:sp>
-        <p:nvSpPr>
-          <p:cNvPr id="3" name="Titel 2"/>
-          <p:cNvSpPr>
-            <a:spLocks noGrp="1"/>
-          </p:cNvSpPr>
-          <p:nvPr>
-            <p:ph type="title"/>
-          </p:nvPr>
-        </p:nvSpPr>
-        <p:spPr/>
-        <p:txBody>
-          <a:bodyPr/>
-          <a:lstStyle/>
-          <a:p>
-            <a:r>
-              <a:rPr lang="de-DE" smtClean="0"/>
-              <a:t>Tabelle – Beispiel 2</a:t>
-            </a:r>
-            <a:endParaRPr lang="de-DE" dirty="0"/>
-          </a:p>
-        </p:txBody>
-      </p:sp>
-    </p:spTree>
-  </p:cSld>
-  <p:clrMapOvr>
-    <a:masterClrMapping/>
-  </p:clrMapOvr>
-  <p:timing>
-    <p:tnLst>
-      <p:par>
-        <p:cTn id="1" dur="indefinite" restart="never" nodeType="tmRoot"/>
-      </p:par>
-    </p:tnLst>
-  </p:timing>
-</p:sld>
-</file>
-
-<file path=ppt/slides/slide29.xml><?xml version="1.0" encoding="utf-8"?>
-<p:sld xmlns:a="http://schemas.openxmlformats.org/drawingml/2006/main" xmlns:r="http://schemas.openxmlformats.org/officeDocument/2006/relationships" xmlns:p="http://schemas.openxmlformats.org/presentationml/2006/main">
-  <p:cSld>
-    <p:spTree>
-      <p:nvGrpSpPr>
-        <p:cNvPr id="1" name=""/>
-        <p:cNvGrpSpPr/>
-        <p:nvPr/>
-      </p:nvGrpSpPr>
-      <p:grpSpPr>
-        <a:xfrm>
-          <a:off x="0" y="0"/>
-          <a:ext cx="0" cy="0"/>
-          <a:chOff x="0" y="0"/>
-          <a:chExt cx="0" cy="0"/>
-        </a:xfrm>
-      </p:grpSpPr>
-      <p:sp>
-        <p:nvSpPr>
-          <p:cNvPr id="9" name="Fußzeilenplatzhalter 4"/>
-          <p:cNvSpPr>
-            <a:spLocks noGrp="1"/>
-          </p:cNvSpPr>
-          <p:nvPr>
-            <p:ph type="ftr" sz="quarter" idx="12"/>
-          </p:nvPr>
-        </p:nvSpPr>
-        <p:spPr/>
-        <p:txBody>
-          <a:bodyPr/>
-          <a:lstStyle/>
-          <a:p>
-            <a:r>
-              <a:rPr lang="de-DE" smtClean="0"/>
-              <a:t>Dr. rer. nat. Erika Mustermann (TUM) | kann beliebig erweitert werden | Infos mit Strich trennen</a:t>
-            </a:r>
-            <a:endParaRPr lang="en-US" dirty="0" smtClean="0"/>
-          </a:p>
-        </p:txBody>
-      </p:sp>
-      <p:sp>
-        <p:nvSpPr>
-          <p:cNvPr id="3" name="Textplatzhalter 2"/>
-          <p:cNvSpPr>
-            <a:spLocks noGrp="1"/>
-          </p:cNvSpPr>
-          <p:nvPr>
-            <p:ph type="body" sz="quarter" idx="13"/>
-          </p:nvPr>
-        </p:nvSpPr>
-        <p:spPr/>
-        <p:txBody>
-          <a:bodyPr/>
-          <a:lstStyle/>
-          <a:p>
-            <a:r>
-              <a:rPr lang="de-DE" dirty="0" smtClean="0"/>
-              <a:t>Nach Möglichkeit linksbündig bleiben</a:t>
-            </a:r>
-            <a:br>
-              <a:rPr lang="de-DE" dirty="0" smtClean="0"/>
-            </a:br>
-            <a:r>
-              <a:rPr lang="de-DE" dirty="0" smtClean="0"/>
-              <a:t>Unnötige Striche und Balken vermeiden</a:t>
-            </a:r>
-            <a:endParaRPr lang="de-DE" dirty="0"/>
-          </a:p>
-        </p:txBody>
-      </p:sp>
-      <p:sp>
-        <p:nvSpPr>
-          <p:cNvPr id="4" name="Titel 3"/>
-          <p:cNvSpPr>
-            <a:spLocks noGrp="1"/>
-          </p:cNvSpPr>
-          <p:nvPr>
-            <p:ph type="title"/>
-          </p:nvPr>
-        </p:nvSpPr>
-        <p:spPr/>
-        <p:txBody>
-          <a:bodyPr/>
-          <a:lstStyle/>
-          <a:p>
-            <a:r>
-              <a:rPr lang="de-DE" smtClean="0"/>
-              <a:t>Diagramme – Beispiel 1</a:t>
-            </a:r>
-            <a:endParaRPr lang="de-DE" dirty="0"/>
-          </a:p>
-        </p:txBody>
-      </p:sp>
-      <p:graphicFrame>
-        <p:nvGraphicFramePr>
-          <p:cNvPr id="14" name="Diagramm 13"/>
-          <p:cNvGraphicFramePr/>
-          <p:nvPr>
-            <p:extLst/>
-          </p:nvPr>
-        </p:nvGraphicFramePr>
-        <p:xfrm>
-          <a:off x="209868" y="2388199"/>
-          <a:ext cx="8515032" cy="4207865"/>
-        </p:xfrm>
-        <a:graphic>
-          <a:graphicData uri="http://schemas.openxmlformats.org/drawingml/2006/chart">
-            <c:chart xmlns:c="http://schemas.openxmlformats.org/drawingml/2006/chart" xmlns:r="http://schemas.openxmlformats.org/officeDocument/2006/relationships" r:id="rId2"/>
-          </a:graphicData>
-        </a:graphic>
-      </p:graphicFrame>
     </p:spTree>
   </p:cSld>
   <p:clrMapOvr>
@@ -24692,6 +25522,1294 @@
       </p:grpSpPr>
       <p:graphicFrame>
         <p:nvGraphicFramePr>
+          <p:cNvPr id="7" name="Inhaltsplatzhalter 6"/>
+          <p:cNvGraphicFramePr>
+            <a:graphicFrameLocks noGrp="1"/>
+          </p:cNvGraphicFramePr>
+          <p:nvPr>
+            <p:ph idx="1"/>
+          </p:nvPr>
+        </p:nvGraphicFramePr>
+        <p:xfrm>
+          <a:off x="319088" y="2498725"/>
+          <a:ext cx="8509507" cy="2119200"/>
+        </p:xfrm>
+        <a:graphic>
+          <a:graphicData uri="http://schemas.openxmlformats.org/drawingml/2006/table">
+            <a:tbl>
+              <a:tblPr bandRow="1">
+                <a:tableStyleId>{5940675A-B579-460E-94D1-54222C63F5DA}</a:tableStyleId>
+              </a:tblPr>
+              <a:tblGrid>
+                <a:gridCol w="3493889"/>
+                <a:gridCol w="5015618"/>
+              </a:tblGrid>
+              <a:tr h="423840">
+                <a:tc>
+                  <a:txBody>
+                    <a:bodyPr/>
+                    <a:lstStyle/>
+                    <a:p>
+                      <a:pPr marL="0" marR="0" indent="0" algn="l" defTabSz="914400" rtl="0" eaLnBrk="1" fontAlgn="auto" latinLnBrk="0" hangingPunct="1">
+                        <a:lnSpc>
+                          <a:spcPct val="100000"/>
+                        </a:lnSpc>
+                        <a:spcBef>
+                          <a:spcPts val="0"/>
+                        </a:spcBef>
+                        <a:spcAft>
+                          <a:spcPts val="0"/>
+                        </a:spcAft>
+                        <a:buClrTx/>
+                        <a:buSzTx/>
+                        <a:buFontTx/>
+                        <a:buNone/>
+                        <a:tabLst/>
+                        <a:defRPr/>
+                      </a:pPr>
+                      <a:r>
+                        <a:rPr lang="de-DE" sz="1600" dirty="0" smtClean="0"/>
+                        <a:t>Ø - Strecke</a:t>
+                      </a:r>
+                      <a:endParaRPr lang="de-DE" sz="1600" dirty="0" smtClean="0">
+                        <a:latin typeface="+mn-lt"/>
+                      </a:endParaRPr>
+                    </a:p>
+                  </a:txBody>
+                  <a:tcPr marL="0" marR="0" marT="180000" marB="0" anchor="ctr">
+                    <a:lnL w="12700" cmpd="sng">
+                      <a:noFill/>
+                    </a:lnL>
+                    <a:lnR w="12700" cmpd="sng">
+                      <a:noFill/>
+                    </a:lnR>
+                    <a:lnT w="12700" cmpd="sng">
+                      <a:noFill/>
+                    </a:lnT>
+                    <a:lnB w="12700" cmpd="sng">
+                      <a:noFill/>
+                    </a:lnB>
+                    <a:lnTlToBr w="12700" cmpd="sng">
+                      <a:noFill/>
+                      <a:prstDash val="solid"/>
+                    </a:lnTlToBr>
+                    <a:lnBlToTr w="12700" cmpd="sng">
+                      <a:noFill/>
+                      <a:prstDash val="solid"/>
+                    </a:lnBlToTr>
+                  </a:tcPr>
+                </a:tc>
+                <a:tc>
+                  <a:txBody>
+                    <a:bodyPr/>
+                    <a:lstStyle/>
+                    <a:p>
+                      <a:pPr marL="0" marR="0" indent="0" algn="l" defTabSz="914400" rtl="0" eaLnBrk="1" fontAlgn="auto" latinLnBrk="0" hangingPunct="1">
+                        <a:lnSpc>
+                          <a:spcPct val="100000"/>
+                        </a:lnSpc>
+                        <a:spcBef>
+                          <a:spcPts val="0"/>
+                        </a:spcBef>
+                        <a:spcAft>
+                          <a:spcPts val="0"/>
+                        </a:spcAft>
+                        <a:buClrTx/>
+                        <a:buSzTx/>
+                        <a:buFontTx/>
+                        <a:buNone/>
+                        <a:tabLst/>
+                        <a:defRPr/>
+                      </a:pPr>
+                      <a:r>
+                        <a:rPr lang="de-DE" sz="1600" dirty="0" smtClean="0"/>
+                        <a:t>39 km/Tag (14.360 km/Jahr)</a:t>
+                      </a:r>
+                      <a:endParaRPr lang="de-DE" sz="1600" dirty="0" smtClean="0">
+                        <a:latin typeface="+mn-lt"/>
+                      </a:endParaRPr>
+                    </a:p>
+                  </a:txBody>
+                  <a:tcPr marL="0" marR="0" marT="180000" marB="0" anchor="ctr">
+                    <a:lnL w="12700" cmpd="sng">
+                      <a:noFill/>
+                    </a:lnL>
+                    <a:lnR w="12700" cmpd="sng">
+                      <a:noFill/>
+                    </a:lnR>
+                    <a:lnT w="12700" cmpd="sng">
+                      <a:noFill/>
+                    </a:lnT>
+                    <a:lnB w="12700" cmpd="sng">
+                      <a:noFill/>
+                    </a:lnB>
+                    <a:lnTlToBr w="12700" cmpd="sng">
+                      <a:noFill/>
+                      <a:prstDash val="solid"/>
+                    </a:lnTlToBr>
+                    <a:lnBlToTr w="12700" cmpd="sng">
+                      <a:noFill/>
+                      <a:prstDash val="solid"/>
+                    </a:lnBlToTr>
+                  </a:tcPr>
+                </a:tc>
+              </a:tr>
+              <a:tr h="423840">
+                <a:tc>
+                  <a:txBody>
+                    <a:bodyPr/>
+                    <a:lstStyle/>
+                    <a:p>
+                      <a:pPr marL="0" marR="0" lvl="0" indent="0" algn="l" defTabSz="914400" rtl="0" eaLnBrk="1" fontAlgn="auto" latinLnBrk="0" hangingPunct="1">
+                        <a:lnSpc>
+                          <a:spcPct val="100000"/>
+                        </a:lnSpc>
+                        <a:spcBef>
+                          <a:spcPts val="0"/>
+                        </a:spcBef>
+                        <a:spcAft>
+                          <a:spcPts val="0"/>
+                        </a:spcAft>
+                        <a:buClrTx/>
+                        <a:buSzTx/>
+                        <a:buFontTx/>
+                        <a:buNone/>
+                        <a:tabLst/>
+                        <a:defRPr/>
+                      </a:pPr>
+                      <a:r>
+                        <a:rPr lang="de-DE" sz="1600" dirty="0" smtClean="0"/>
+                        <a:t>Ø - Geschwindigkeit</a:t>
+                      </a:r>
+                      <a:endParaRPr lang="de-DE" sz="1600" dirty="0" smtClean="0">
+                        <a:latin typeface="+mn-lt"/>
+                      </a:endParaRPr>
+                    </a:p>
+                  </a:txBody>
+                  <a:tcPr marL="0" marR="0" marT="180000" marB="0" anchor="ctr">
+                    <a:lnL w="12700" cmpd="sng">
+                      <a:noFill/>
+                    </a:lnL>
+                    <a:lnR w="12700" cmpd="sng">
+                      <a:noFill/>
+                    </a:lnR>
+                    <a:lnT w="12700" cmpd="sng">
+                      <a:noFill/>
+                    </a:lnT>
+                    <a:lnB w="12700" cmpd="sng">
+                      <a:noFill/>
+                    </a:lnB>
+                    <a:lnTlToBr w="12700" cmpd="sng">
+                      <a:noFill/>
+                      <a:prstDash val="solid"/>
+                    </a:lnTlToBr>
+                    <a:lnBlToTr w="12700" cmpd="sng">
+                      <a:noFill/>
+                      <a:prstDash val="solid"/>
+                    </a:lnBlToTr>
+                  </a:tcPr>
+                </a:tc>
+                <a:tc>
+                  <a:txBody>
+                    <a:bodyPr/>
+                    <a:lstStyle/>
+                    <a:p>
+                      <a:pPr marL="0" marR="0" indent="0" algn="l" defTabSz="914400" rtl="0" eaLnBrk="1" fontAlgn="auto" latinLnBrk="0" hangingPunct="1">
+                        <a:lnSpc>
+                          <a:spcPct val="100000"/>
+                        </a:lnSpc>
+                        <a:spcBef>
+                          <a:spcPts val="0"/>
+                        </a:spcBef>
+                        <a:spcAft>
+                          <a:spcPts val="0"/>
+                        </a:spcAft>
+                        <a:buClrTx/>
+                        <a:buSzTx/>
+                        <a:buFontTx/>
+                        <a:buNone/>
+                        <a:tabLst/>
+                        <a:defRPr/>
+                      </a:pPr>
+                      <a:r>
+                        <a:rPr lang="de-DE" sz="1600" dirty="0" smtClean="0"/>
+                        <a:t>25 km/h</a:t>
+                      </a:r>
+                      <a:endParaRPr lang="de-DE" sz="1600" dirty="0">
+                        <a:latin typeface="+mn-lt"/>
+                      </a:endParaRPr>
+                    </a:p>
+                  </a:txBody>
+                  <a:tcPr marL="0" marR="0" marT="180000" marB="0" anchor="ctr">
+                    <a:lnL w="12700" cmpd="sng">
+                      <a:noFill/>
+                    </a:lnL>
+                    <a:lnR w="12700" cmpd="sng">
+                      <a:noFill/>
+                    </a:lnR>
+                    <a:lnT w="12700" cmpd="sng">
+                      <a:noFill/>
+                    </a:lnT>
+                    <a:lnB w="12700" cmpd="sng">
+                      <a:noFill/>
+                    </a:lnB>
+                    <a:lnTlToBr w="12700" cmpd="sng">
+                      <a:noFill/>
+                      <a:prstDash val="solid"/>
+                    </a:lnTlToBr>
+                    <a:lnBlToTr w="12700" cmpd="sng">
+                      <a:noFill/>
+                      <a:prstDash val="solid"/>
+                    </a:lnBlToTr>
+                  </a:tcPr>
+                </a:tc>
+              </a:tr>
+              <a:tr h="423840">
+                <a:tc>
+                  <a:txBody>
+                    <a:bodyPr/>
+                    <a:lstStyle/>
+                    <a:p>
+                      <a:pPr marL="0" marR="0" indent="0" algn="l" defTabSz="914400" rtl="0" eaLnBrk="1" fontAlgn="auto" latinLnBrk="0" hangingPunct="1">
+                        <a:lnSpc>
+                          <a:spcPct val="100000"/>
+                        </a:lnSpc>
+                        <a:spcBef>
+                          <a:spcPts val="0"/>
+                        </a:spcBef>
+                        <a:spcAft>
+                          <a:spcPts val="0"/>
+                        </a:spcAft>
+                        <a:buClrTx/>
+                        <a:buSzTx/>
+                        <a:buFontTx/>
+                        <a:buNone/>
+                        <a:tabLst/>
+                        <a:defRPr/>
+                      </a:pPr>
+                      <a:r>
+                        <a:rPr lang="de-DE" sz="1600" dirty="0" smtClean="0"/>
+                        <a:t>Ø - Verfügbare Ladezeit</a:t>
+                      </a:r>
+                      <a:endParaRPr lang="de-DE" sz="1600" dirty="0" smtClean="0">
+                        <a:latin typeface="+mn-lt"/>
+                      </a:endParaRPr>
+                    </a:p>
+                  </a:txBody>
+                  <a:tcPr marL="0" marR="0" marT="180000" marB="0" anchor="ctr">
+                    <a:lnL w="12700" cmpd="sng">
+                      <a:noFill/>
+                    </a:lnL>
+                    <a:lnR w="12700" cmpd="sng">
+                      <a:noFill/>
+                    </a:lnR>
+                    <a:lnT w="12700" cmpd="sng">
+                      <a:noFill/>
+                    </a:lnT>
+                    <a:lnB w="12700" cmpd="sng">
+                      <a:noFill/>
+                    </a:lnB>
+                    <a:lnTlToBr w="12700" cmpd="sng">
+                      <a:noFill/>
+                      <a:prstDash val="solid"/>
+                    </a:lnTlToBr>
+                    <a:lnBlToTr w="12700" cmpd="sng">
+                      <a:noFill/>
+                      <a:prstDash val="solid"/>
+                    </a:lnBlToTr>
+                  </a:tcPr>
+                </a:tc>
+                <a:tc>
+                  <a:txBody>
+                    <a:bodyPr/>
+                    <a:lstStyle/>
+                    <a:p>
+                      <a:pPr marL="0" marR="0" indent="0" algn="l" defTabSz="914400" rtl="0" eaLnBrk="1" fontAlgn="auto" latinLnBrk="0" hangingPunct="1">
+                        <a:lnSpc>
+                          <a:spcPct val="100000"/>
+                        </a:lnSpc>
+                        <a:spcBef>
+                          <a:spcPts val="0"/>
+                        </a:spcBef>
+                        <a:spcAft>
+                          <a:spcPts val="0"/>
+                        </a:spcAft>
+                        <a:buClrTx/>
+                        <a:buSzTx/>
+                        <a:buFontTx/>
+                        <a:buNone/>
+                        <a:tabLst/>
+                        <a:defRPr/>
+                      </a:pPr>
+                      <a:r>
+                        <a:rPr lang="de-DE" sz="1600" dirty="0" smtClean="0"/>
+                        <a:t>22 h/Tag</a:t>
+                      </a:r>
+                      <a:endParaRPr lang="de-DE" sz="1600" dirty="0" smtClean="0">
+                        <a:latin typeface="+mn-lt"/>
+                      </a:endParaRPr>
+                    </a:p>
+                  </a:txBody>
+                  <a:tcPr marL="0" marR="0" marT="180000" marB="0" anchor="ctr">
+                    <a:lnL w="12700" cmpd="sng">
+                      <a:noFill/>
+                    </a:lnL>
+                    <a:lnR w="12700" cmpd="sng">
+                      <a:noFill/>
+                    </a:lnR>
+                    <a:lnT w="12700" cmpd="sng">
+                      <a:noFill/>
+                    </a:lnT>
+                    <a:lnB w="12700" cmpd="sng">
+                      <a:noFill/>
+                    </a:lnB>
+                    <a:lnTlToBr w="12700" cmpd="sng">
+                      <a:noFill/>
+                      <a:prstDash val="solid"/>
+                    </a:lnTlToBr>
+                    <a:lnBlToTr w="12700" cmpd="sng">
+                      <a:noFill/>
+                      <a:prstDash val="solid"/>
+                    </a:lnBlToTr>
+                  </a:tcPr>
+                </a:tc>
+              </a:tr>
+              <a:tr h="423840">
+                <a:tc>
+                  <a:txBody>
+                    <a:bodyPr/>
+                    <a:lstStyle/>
+                    <a:p>
+                      <a:pPr marL="0" marR="0" indent="0" algn="l" defTabSz="914400" rtl="0" eaLnBrk="1" fontAlgn="auto" latinLnBrk="0" hangingPunct="1">
+                        <a:lnSpc>
+                          <a:spcPct val="100000"/>
+                        </a:lnSpc>
+                        <a:spcBef>
+                          <a:spcPts val="0"/>
+                        </a:spcBef>
+                        <a:spcAft>
+                          <a:spcPts val="0"/>
+                        </a:spcAft>
+                        <a:buClrTx/>
+                        <a:buSzTx/>
+                        <a:buFontTx/>
+                        <a:buNone/>
+                        <a:tabLst/>
+                        <a:defRPr/>
+                      </a:pPr>
+                      <a:r>
+                        <a:rPr lang="de-DE" sz="1600" dirty="0" smtClean="0"/>
+                        <a:t>Kosten</a:t>
+                      </a:r>
+                      <a:endParaRPr lang="de-DE" sz="1600" dirty="0" smtClean="0">
+                        <a:latin typeface="+mn-lt"/>
+                      </a:endParaRPr>
+                    </a:p>
+                  </a:txBody>
+                  <a:tcPr marL="0" marR="0" marT="180000" marB="0" anchor="ctr">
+                    <a:lnL w="12700" cmpd="sng">
+                      <a:noFill/>
+                    </a:lnL>
+                    <a:lnR w="12700" cmpd="sng">
+                      <a:noFill/>
+                    </a:lnR>
+                    <a:lnT w="12700" cmpd="sng">
+                      <a:noFill/>
+                    </a:lnT>
+                    <a:lnB w="12700" cmpd="sng">
+                      <a:noFill/>
+                    </a:lnB>
+                    <a:lnTlToBr w="12700" cmpd="sng">
+                      <a:noFill/>
+                      <a:prstDash val="solid"/>
+                    </a:lnTlToBr>
+                    <a:lnBlToTr w="12700" cmpd="sng">
+                      <a:noFill/>
+                      <a:prstDash val="solid"/>
+                    </a:lnBlToTr>
+                  </a:tcPr>
+                </a:tc>
+                <a:tc>
+                  <a:txBody>
+                    <a:bodyPr/>
+                    <a:lstStyle/>
+                    <a:p>
+                      <a:pPr marL="0" marR="0" lvl="0" indent="0" algn="l" defTabSz="914400" rtl="0" eaLnBrk="1" fontAlgn="auto" latinLnBrk="0" hangingPunct="1">
+                        <a:lnSpc>
+                          <a:spcPct val="100000"/>
+                        </a:lnSpc>
+                        <a:spcBef>
+                          <a:spcPts val="0"/>
+                        </a:spcBef>
+                        <a:spcAft>
+                          <a:spcPts val="0"/>
+                        </a:spcAft>
+                        <a:buClrTx/>
+                        <a:buSzTx/>
+                        <a:buFontTx/>
+                        <a:buNone/>
+                        <a:tabLst/>
+                        <a:defRPr/>
+                      </a:pPr>
+                      <a:r>
+                        <a:rPr lang="de-DE" sz="1600" dirty="0" smtClean="0"/>
+                        <a:t>Kleinwagen mit Verbrennungsmotor</a:t>
+                      </a:r>
+                      <a:endParaRPr lang="de-DE" sz="1600" dirty="0" smtClean="0">
+                        <a:latin typeface="+mn-lt"/>
+                      </a:endParaRPr>
+                    </a:p>
+                  </a:txBody>
+                  <a:tcPr marL="0" marR="0" marT="180000" marB="0" anchor="ctr">
+                    <a:lnL w="12700" cmpd="sng">
+                      <a:noFill/>
+                    </a:lnL>
+                    <a:lnR w="12700" cmpd="sng">
+                      <a:noFill/>
+                    </a:lnR>
+                    <a:lnT w="12700" cmpd="sng">
+                      <a:noFill/>
+                    </a:lnT>
+                    <a:lnB w="12700" cmpd="sng">
+                      <a:noFill/>
+                    </a:lnB>
+                    <a:lnTlToBr w="12700" cmpd="sng">
+                      <a:noFill/>
+                      <a:prstDash val="solid"/>
+                    </a:lnTlToBr>
+                    <a:lnBlToTr w="12700" cmpd="sng">
+                      <a:noFill/>
+                      <a:prstDash val="solid"/>
+                    </a:lnBlToTr>
+                  </a:tcPr>
+                </a:tc>
+              </a:tr>
+              <a:tr h="423840">
+                <a:tc>
+                  <a:txBody>
+                    <a:bodyPr/>
+                    <a:lstStyle/>
+                    <a:p>
+                      <a:pPr marL="0" marR="0" indent="0" algn="l" defTabSz="914400" rtl="0" eaLnBrk="1" fontAlgn="auto" latinLnBrk="0" hangingPunct="1">
+                        <a:lnSpc>
+                          <a:spcPct val="100000"/>
+                        </a:lnSpc>
+                        <a:spcBef>
+                          <a:spcPts val="0"/>
+                        </a:spcBef>
+                        <a:spcAft>
+                          <a:spcPts val="0"/>
+                        </a:spcAft>
+                        <a:buClrTx/>
+                        <a:buSzTx/>
+                        <a:buFontTx/>
+                        <a:buNone/>
+                        <a:tabLst/>
+                        <a:defRPr/>
+                      </a:pPr>
+                      <a:r>
+                        <a:rPr lang="de-DE" sz="1600" dirty="0" smtClean="0"/>
+                        <a:t>Einsatzgebiet</a:t>
+                      </a:r>
+                      <a:endParaRPr lang="de-DE" sz="1600" b="0" dirty="0" smtClean="0">
+                        <a:latin typeface="+mn-lt"/>
+                      </a:endParaRPr>
+                    </a:p>
+                  </a:txBody>
+                  <a:tcPr marL="0" marR="0" marT="180000" marB="0" anchor="ctr">
+                    <a:lnL w="12700" cmpd="sng">
+                      <a:noFill/>
+                    </a:lnL>
+                    <a:lnR w="12700" cmpd="sng">
+                      <a:noFill/>
+                    </a:lnR>
+                    <a:lnT w="12700" cmpd="sng">
+                      <a:noFill/>
+                    </a:lnT>
+                    <a:lnB w="12700" cmpd="sng">
+                      <a:noFill/>
+                    </a:lnB>
+                    <a:lnTlToBr w="12700" cmpd="sng">
+                      <a:noFill/>
+                      <a:prstDash val="solid"/>
+                    </a:lnTlToBr>
+                    <a:lnBlToTr w="12700" cmpd="sng">
+                      <a:noFill/>
+                      <a:prstDash val="solid"/>
+                    </a:lnBlToTr>
+                  </a:tcPr>
+                </a:tc>
+                <a:tc>
+                  <a:txBody>
+                    <a:bodyPr/>
+                    <a:lstStyle/>
+                    <a:p>
+                      <a:pPr marL="0" marR="0" indent="0" algn="l" defTabSz="914400" rtl="0" eaLnBrk="1" fontAlgn="auto" latinLnBrk="0" hangingPunct="1">
+                        <a:lnSpc>
+                          <a:spcPct val="100000"/>
+                        </a:lnSpc>
+                        <a:spcBef>
+                          <a:spcPts val="0"/>
+                        </a:spcBef>
+                        <a:spcAft>
+                          <a:spcPts val="0"/>
+                        </a:spcAft>
+                        <a:buClrTx/>
+                        <a:buSzTx/>
+                        <a:buFontTx/>
+                        <a:buNone/>
+                        <a:tabLst/>
+                        <a:defRPr/>
+                      </a:pPr>
+                      <a:r>
+                        <a:rPr lang="de-DE" sz="1600" dirty="0" smtClean="0"/>
+                        <a:t>Stadt und Umland</a:t>
+                      </a:r>
+                      <a:endParaRPr lang="de-DE" sz="1600" dirty="0" smtClean="0">
+                        <a:latin typeface="+mn-lt"/>
+                      </a:endParaRPr>
+                    </a:p>
+                  </a:txBody>
+                  <a:tcPr marL="0" marR="0" marT="180000" marB="0" anchor="ctr">
+                    <a:lnL w="12700" cmpd="sng">
+                      <a:noFill/>
+                    </a:lnL>
+                    <a:lnR w="12700" cmpd="sng">
+                      <a:noFill/>
+                    </a:lnR>
+                    <a:lnT w="12700" cmpd="sng">
+                      <a:noFill/>
+                    </a:lnT>
+                    <a:lnB w="12700" cmpd="sng">
+                      <a:noFill/>
+                    </a:lnB>
+                    <a:lnTlToBr w="12700" cmpd="sng">
+                      <a:noFill/>
+                      <a:prstDash val="solid"/>
+                    </a:lnTlToBr>
+                    <a:lnBlToTr w="12700" cmpd="sng">
+                      <a:noFill/>
+                      <a:prstDash val="solid"/>
+                    </a:lnBlToTr>
+                  </a:tcPr>
+                </a:tc>
+              </a:tr>
+            </a:tbl>
+          </a:graphicData>
+        </a:graphic>
+      </p:graphicFrame>
+      <p:sp>
+        <p:nvSpPr>
+          <p:cNvPr id="10" name="Fußzeilenplatzhalter 4"/>
+          <p:cNvSpPr>
+            <a:spLocks noGrp="1"/>
+          </p:cNvSpPr>
+          <p:nvPr>
+            <p:ph type="ftr" sz="quarter" idx="12"/>
+          </p:nvPr>
+        </p:nvSpPr>
+        <p:spPr/>
+        <p:txBody>
+          <a:bodyPr/>
+          <a:lstStyle/>
+          <a:p>
+            <a:r>
+              <a:rPr lang="de-DE" smtClean="0"/>
+              <a:t>Dr. rer. nat. Erika Mustermann (TUM) | kann beliebig erweitert werden | Infos mit Strich trennen</a:t>
+            </a:r>
+            <a:endParaRPr lang="en-US" dirty="0" smtClean="0"/>
+          </a:p>
+        </p:txBody>
+      </p:sp>
+      <p:sp>
+        <p:nvSpPr>
+          <p:cNvPr id="2" name="Textplatzhalter 1"/>
+          <p:cNvSpPr>
+            <a:spLocks noGrp="1"/>
+          </p:cNvSpPr>
+          <p:nvPr>
+            <p:ph type="body" sz="quarter" idx="13"/>
+          </p:nvPr>
+        </p:nvSpPr>
+        <p:spPr/>
+        <p:txBody>
+          <a:bodyPr/>
+          <a:lstStyle/>
+          <a:p>
+            <a:r>
+              <a:rPr lang="de-DE" smtClean="0"/>
+              <a:t>Tabelle ohne Farbe und kein Rand</a:t>
+            </a:r>
+            <a:br>
+              <a:rPr lang="de-DE" smtClean="0"/>
+            </a:br>
+            <a:r>
+              <a:rPr lang="de-DE" smtClean="0"/>
+              <a:t>innerer Seitenrand links 0 cm, oben z.B. 0,5 cm (für genug Zeilenabstand innerhalb) </a:t>
+            </a:r>
+            <a:endParaRPr lang="de-DE" dirty="0"/>
+          </a:p>
+        </p:txBody>
+      </p:sp>
+      <p:sp>
+        <p:nvSpPr>
+          <p:cNvPr id="3" name="Titel 2"/>
+          <p:cNvSpPr>
+            <a:spLocks noGrp="1"/>
+          </p:cNvSpPr>
+          <p:nvPr>
+            <p:ph type="title"/>
+          </p:nvPr>
+        </p:nvSpPr>
+        <p:spPr/>
+        <p:txBody>
+          <a:bodyPr/>
+          <a:lstStyle/>
+          <a:p>
+            <a:r>
+              <a:rPr lang="de-DE" smtClean="0"/>
+              <a:t>Tabelle – Beispiel 1</a:t>
+            </a:r>
+            <a:endParaRPr lang="de-DE" dirty="0"/>
+          </a:p>
+        </p:txBody>
+      </p:sp>
+    </p:spTree>
+  </p:cSld>
+  <p:clrMapOvr>
+    <a:masterClrMapping/>
+  </p:clrMapOvr>
+  <p:timing>
+    <p:tnLst>
+      <p:par>
+        <p:cTn id="1" dur="indefinite" restart="never" nodeType="tmRoot"/>
+      </p:par>
+    </p:tnLst>
+  </p:timing>
+</p:sld>
+</file>
+
+<file path=ppt/slides/slide31.xml><?xml version="1.0" encoding="utf-8"?>
+<p:sld xmlns:a="http://schemas.openxmlformats.org/drawingml/2006/main" xmlns:r="http://schemas.openxmlformats.org/officeDocument/2006/relationships" xmlns:p="http://schemas.openxmlformats.org/presentationml/2006/main">
+  <p:cSld>
+    <p:spTree>
+      <p:nvGrpSpPr>
+        <p:cNvPr id="1" name=""/>
+        <p:cNvGrpSpPr/>
+        <p:nvPr/>
+      </p:nvGrpSpPr>
+      <p:grpSpPr>
+        <a:xfrm>
+          <a:off x="0" y="0"/>
+          <a:ext cx="0" cy="0"/>
+          <a:chOff x="0" y="0"/>
+          <a:chExt cx="0" cy="0"/>
+        </a:xfrm>
+      </p:grpSpPr>
+      <p:graphicFrame>
+        <p:nvGraphicFramePr>
+          <p:cNvPr id="7" name="Inhaltsplatzhalter 6"/>
+          <p:cNvGraphicFramePr>
+            <a:graphicFrameLocks noGrp="1"/>
+          </p:cNvGraphicFramePr>
+          <p:nvPr>
+            <p:ph idx="1"/>
+          </p:nvPr>
+        </p:nvGraphicFramePr>
+        <p:xfrm>
+          <a:off x="319088" y="2498725"/>
+          <a:ext cx="8509507" cy="2119200"/>
+        </p:xfrm>
+        <a:graphic>
+          <a:graphicData uri="http://schemas.openxmlformats.org/drawingml/2006/table">
+            <a:tbl>
+              <a:tblPr bandRow="1">
+                <a:tableStyleId>{5940675A-B579-460E-94D1-54222C63F5DA}</a:tableStyleId>
+              </a:tblPr>
+              <a:tblGrid>
+                <a:gridCol w="3493889"/>
+                <a:gridCol w="5015618"/>
+              </a:tblGrid>
+              <a:tr h="423840">
+                <a:tc>
+                  <a:txBody>
+                    <a:bodyPr/>
+                    <a:lstStyle/>
+                    <a:p>
+                      <a:pPr marL="0" marR="0" indent="0" algn="l" defTabSz="914400" rtl="0" eaLnBrk="1" fontAlgn="auto" latinLnBrk="0" hangingPunct="1">
+                        <a:lnSpc>
+                          <a:spcPct val="100000"/>
+                        </a:lnSpc>
+                        <a:spcBef>
+                          <a:spcPts val="0"/>
+                        </a:spcBef>
+                        <a:spcAft>
+                          <a:spcPts val="0"/>
+                        </a:spcAft>
+                        <a:buClrTx/>
+                        <a:buSzTx/>
+                        <a:buFontTx/>
+                        <a:buNone/>
+                        <a:tabLst/>
+                        <a:defRPr/>
+                      </a:pPr>
+                      <a:r>
+                        <a:rPr lang="de-DE" sz="1600" dirty="0" smtClean="0"/>
+                        <a:t>Ø - Strecke</a:t>
+                      </a:r>
+                      <a:endParaRPr lang="de-DE" sz="1600" dirty="0" smtClean="0">
+                        <a:latin typeface="+mn-lt"/>
+                      </a:endParaRPr>
+                    </a:p>
+                  </a:txBody>
+                  <a:tcPr marL="54000" marR="0" marT="180000" marB="0" anchor="ctr"/>
+                </a:tc>
+                <a:tc>
+                  <a:txBody>
+                    <a:bodyPr/>
+                    <a:lstStyle/>
+                    <a:p>
+                      <a:pPr marL="0" marR="0" indent="0" algn="l" defTabSz="914400" rtl="0" eaLnBrk="1" fontAlgn="auto" latinLnBrk="0" hangingPunct="1">
+                        <a:lnSpc>
+                          <a:spcPct val="100000"/>
+                        </a:lnSpc>
+                        <a:spcBef>
+                          <a:spcPts val="0"/>
+                        </a:spcBef>
+                        <a:spcAft>
+                          <a:spcPts val="0"/>
+                        </a:spcAft>
+                        <a:buClrTx/>
+                        <a:buSzTx/>
+                        <a:buFontTx/>
+                        <a:buNone/>
+                        <a:tabLst/>
+                        <a:defRPr/>
+                      </a:pPr>
+                      <a:r>
+                        <a:rPr lang="de-DE" sz="1600" dirty="0" smtClean="0"/>
+                        <a:t>39 km/Tag (14.360 km/Jahr)</a:t>
+                      </a:r>
+                      <a:endParaRPr lang="de-DE" sz="1600" dirty="0" smtClean="0">
+                        <a:latin typeface="+mn-lt"/>
+                      </a:endParaRPr>
+                    </a:p>
+                  </a:txBody>
+                  <a:tcPr marL="54000" marR="0" marT="180000" marB="0" anchor="ctr"/>
+                </a:tc>
+              </a:tr>
+              <a:tr h="423840">
+                <a:tc>
+                  <a:txBody>
+                    <a:bodyPr/>
+                    <a:lstStyle/>
+                    <a:p>
+                      <a:pPr marL="0" marR="0" lvl="0" indent="0" algn="l" defTabSz="914400" rtl="0" eaLnBrk="1" fontAlgn="auto" latinLnBrk="0" hangingPunct="1">
+                        <a:lnSpc>
+                          <a:spcPct val="100000"/>
+                        </a:lnSpc>
+                        <a:spcBef>
+                          <a:spcPts val="0"/>
+                        </a:spcBef>
+                        <a:spcAft>
+                          <a:spcPts val="0"/>
+                        </a:spcAft>
+                        <a:buClrTx/>
+                        <a:buSzTx/>
+                        <a:buFontTx/>
+                        <a:buNone/>
+                        <a:tabLst/>
+                        <a:defRPr/>
+                      </a:pPr>
+                      <a:r>
+                        <a:rPr lang="de-DE" sz="1600" dirty="0" smtClean="0"/>
+                        <a:t>Ø - Geschwindigkeit</a:t>
+                      </a:r>
+                      <a:endParaRPr lang="de-DE" sz="1600" dirty="0" smtClean="0">
+                        <a:latin typeface="+mn-lt"/>
+                      </a:endParaRPr>
+                    </a:p>
+                  </a:txBody>
+                  <a:tcPr marL="54000" marR="0" marT="180000" marB="0" anchor="ctr"/>
+                </a:tc>
+                <a:tc>
+                  <a:txBody>
+                    <a:bodyPr/>
+                    <a:lstStyle/>
+                    <a:p>
+                      <a:pPr marL="0" marR="0" indent="0" algn="l" defTabSz="914400" rtl="0" eaLnBrk="1" fontAlgn="auto" latinLnBrk="0" hangingPunct="1">
+                        <a:lnSpc>
+                          <a:spcPct val="100000"/>
+                        </a:lnSpc>
+                        <a:spcBef>
+                          <a:spcPts val="0"/>
+                        </a:spcBef>
+                        <a:spcAft>
+                          <a:spcPts val="0"/>
+                        </a:spcAft>
+                        <a:buClrTx/>
+                        <a:buSzTx/>
+                        <a:buFontTx/>
+                        <a:buNone/>
+                        <a:tabLst/>
+                        <a:defRPr/>
+                      </a:pPr>
+                      <a:r>
+                        <a:rPr lang="de-DE" sz="1600" dirty="0" smtClean="0"/>
+                        <a:t>25 km/h</a:t>
+                      </a:r>
+                      <a:endParaRPr lang="de-DE" sz="1600" dirty="0">
+                        <a:latin typeface="+mn-lt"/>
+                      </a:endParaRPr>
+                    </a:p>
+                  </a:txBody>
+                  <a:tcPr marL="54000" marR="0" marT="180000" marB="0" anchor="ctr"/>
+                </a:tc>
+              </a:tr>
+              <a:tr h="423840">
+                <a:tc>
+                  <a:txBody>
+                    <a:bodyPr/>
+                    <a:lstStyle/>
+                    <a:p>
+                      <a:pPr marL="0" marR="0" indent="0" algn="l" defTabSz="914400" rtl="0" eaLnBrk="1" fontAlgn="auto" latinLnBrk="0" hangingPunct="1">
+                        <a:lnSpc>
+                          <a:spcPct val="100000"/>
+                        </a:lnSpc>
+                        <a:spcBef>
+                          <a:spcPts val="0"/>
+                        </a:spcBef>
+                        <a:spcAft>
+                          <a:spcPts val="0"/>
+                        </a:spcAft>
+                        <a:buClrTx/>
+                        <a:buSzTx/>
+                        <a:buFontTx/>
+                        <a:buNone/>
+                        <a:tabLst/>
+                        <a:defRPr/>
+                      </a:pPr>
+                      <a:r>
+                        <a:rPr lang="de-DE" sz="1600" dirty="0" smtClean="0"/>
+                        <a:t>Ø - Verfügbare Ladezeit</a:t>
+                      </a:r>
+                      <a:endParaRPr lang="de-DE" sz="1600" dirty="0" smtClean="0">
+                        <a:latin typeface="+mn-lt"/>
+                      </a:endParaRPr>
+                    </a:p>
+                  </a:txBody>
+                  <a:tcPr marL="54000" marR="0" marT="180000" marB="0" anchor="ctr"/>
+                </a:tc>
+                <a:tc>
+                  <a:txBody>
+                    <a:bodyPr/>
+                    <a:lstStyle/>
+                    <a:p>
+                      <a:pPr marL="0" marR="0" indent="0" algn="l" defTabSz="914400" rtl="0" eaLnBrk="1" fontAlgn="auto" latinLnBrk="0" hangingPunct="1">
+                        <a:lnSpc>
+                          <a:spcPct val="100000"/>
+                        </a:lnSpc>
+                        <a:spcBef>
+                          <a:spcPts val="0"/>
+                        </a:spcBef>
+                        <a:spcAft>
+                          <a:spcPts val="0"/>
+                        </a:spcAft>
+                        <a:buClrTx/>
+                        <a:buSzTx/>
+                        <a:buFontTx/>
+                        <a:buNone/>
+                        <a:tabLst/>
+                        <a:defRPr/>
+                      </a:pPr>
+                      <a:r>
+                        <a:rPr lang="de-DE" sz="1600" dirty="0" smtClean="0"/>
+                        <a:t>22 h/Tag</a:t>
+                      </a:r>
+                      <a:endParaRPr lang="de-DE" sz="1600" dirty="0" smtClean="0">
+                        <a:latin typeface="+mn-lt"/>
+                      </a:endParaRPr>
+                    </a:p>
+                  </a:txBody>
+                  <a:tcPr marL="54000" marR="0" marT="180000" marB="0" anchor="ctr"/>
+                </a:tc>
+              </a:tr>
+              <a:tr h="423840">
+                <a:tc>
+                  <a:txBody>
+                    <a:bodyPr/>
+                    <a:lstStyle/>
+                    <a:p>
+                      <a:pPr marL="0" marR="0" indent="0" algn="l" defTabSz="914400" rtl="0" eaLnBrk="1" fontAlgn="auto" latinLnBrk="0" hangingPunct="1">
+                        <a:lnSpc>
+                          <a:spcPct val="100000"/>
+                        </a:lnSpc>
+                        <a:spcBef>
+                          <a:spcPts val="0"/>
+                        </a:spcBef>
+                        <a:spcAft>
+                          <a:spcPts val="0"/>
+                        </a:spcAft>
+                        <a:buClrTx/>
+                        <a:buSzTx/>
+                        <a:buFontTx/>
+                        <a:buNone/>
+                        <a:tabLst/>
+                        <a:defRPr/>
+                      </a:pPr>
+                      <a:r>
+                        <a:rPr lang="de-DE" sz="1600" dirty="0" smtClean="0"/>
+                        <a:t>Kosten</a:t>
+                      </a:r>
+                      <a:endParaRPr lang="de-DE" sz="1600" dirty="0" smtClean="0">
+                        <a:latin typeface="+mn-lt"/>
+                      </a:endParaRPr>
+                    </a:p>
+                  </a:txBody>
+                  <a:tcPr marL="54000" marR="0" marT="180000" marB="0" anchor="ctr"/>
+                </a:tc>
+                <a:tc>
+                  <a:txBody>
+                    <a:bodyPr/>
+                    <a:lstStyle/>
+                    <a:p>
+                      <a:pPr marL="0" marR="0" lvl="0" indent="0" algn="l" defTabSz="914400" rtl="0" eaLnBrk="1" fontAlgn="auto" latinLnBrk="0" hangingPunct="1">
+                        <a:lnSpc>
+                          <a:spcPct val="100000"/>
+                        </a:lnSpc>
+                        <a:spcBef>
+                          <a:spcPts val="0"/>
+                        </a:spcBef>
+                        <a:spcAft>
+                          <a:spcPts val="0"/>
+                        </a:spcAft>
+                        <a:buClrTx/>
+                        <a:buSzTx/>
+                        <a:buFontTx/>
+                        <a:buNone/>
+                        <a:tabLst/>
+                        <a:defRPr/>
+                      </a:pPr>
+                      <a:r>
+                        <a:rPr lang="de-DE" sz="1600" dirty="0" smtClean="0"/>
+                        <a:t>Kleinwagen mit Verbrennungsmotor</a:t>
+                      </a:r>
+                      <a:endParaRPr lang="de-DE" sz="1600" dirty="0" smtClean="0">
+                        <a:latin typeface="+mn-lt"/>
+                      </a:endParaRPr>
+                    </a:p>
+                  </a:txBody>
+                  <a:tcPr marL="54000" marR="0" marT="180000" marB="0" anchor="ctr"/>
+                </a:tc>
+              </a:tr>
+              <a:tr h="423840">
+                <a:tc>
+                  <a:txBody>
+                    <a:bodyPr/>
+                    <a:lstStyle/>
+                    <a:p>
+                      <a:pPr marL="0" marR="0" indent="0" algn="l" defTabSz="914400" rtl="0" eaLnBrk="1" fontAlgn="auto" latinLnBrk="0" hangingPunct="1">
+                        <a:lnSpc>
+                          <a:spcPct val="100000"/>
+                        </a:lnSpc>
+                        <a:spcBef>
+                          <a:spcPts val="0"/>
+                        </a:spcBef>
+                        <a:spcAft>
+                          <a:spcPts val="0"/>
+                        </a:spcAft>
+                        <a:buClrTx/>
+                        <a:buSzTx/>
+                        <a:buFontTx/>
+                        <a:buNone/>
+                        <a:tabLst/>
+                        <a:defRPr/>
+                      </a:pPr>
+                      <a:r>
+                        <a:rPr lang="de-DE" sz="1600" dirty="0" smtClean="0"/>
+                        <a:t>Einsatzgebiet</a:t>
+                      </a:r>
+                      <a:endParaRPr lang="de-DE" sz="1600" b="0" dirty="0" smtClean="0">
+                        <a:latin typeface="+mn-lt"/>
+                      </a:endParaRPr>
+                    </a:p>
+                  </a:txBody>
+                  <a:tcPr marL="54000" marR="0" marT="180000" marB="0" anchor="ctr"/>
+                </a:tc>
+                <a:tc>
+                  <a:txBody>
+                    <a:bodyPr/>
+                    <a:lstStyle/>
+                    <a:p>
+                      <a:pPr marL="0" marR="0" indent="0" algn="l" defTabSz="914400" rtl="0" eaLnBrk="1" fontAlgn="auto" latinLnBrk="0" hangingPunct="1">
+                        <a:lnSpc>
+                          <a:spcPct val="100000"/>
+                        </a:lnSpc>
+                        <a:spcBef>
+                          <a:spcPts val="0"/>
+                        </a:spcBef>
+                        <a:spcAft>
+                          <a:spcPts val="0"/>
+                        </a:spcAft>
+                        <a:buClrTx/>
+                        <a:buSzTx/>
+                        <a:buFontTx/>
+                        <a:buNone/>
+                        <a:tabLst/>
+                        <a:defRPr/>
+                      </a:pPr>
+                      <a:r>
+                        <a:rPr lang="de-DE" sz="1600" dirty="0" smtClean="0"/>
+                        <a:t>Stadt und Umland</a:t>
+                      </a:r>
+                      <a:endParaRPr lang="de-DE" sz="1600" dirty="0" smtClean="0">
+                        <a:latin typeface="+mn-lt"/>
+                      </a:endParaRPr>
+                    </a:p>
+                  </a:txBody>
+                  <a:tcPr marL="54000" marR="0" marT="180000" marB="0" anchor="ctr"/>
+                </a:tc>
+              </a:tr>
+            </a:tbl>
+          </a:graphicData>
+        </a:graphic>
+      </p:graphicFrame>
+      <p:sp>
+        <p:nvSpPr>
+          <p:cNvPr id="10" name="Fußzeilenplatzhalter 4"/>
+          <p:cNvSpPr>
+            <a:spLocks noGrp="1"/>
+          </p:cNvSpPr>
+          <p:nvPr>
+            <p:ph type="ftr" sz="quarter" idx="12"/>
+          </p:nvPr>
+        </p:nvSpPr>
+        <p:spPr/>
+        <p:txBody>
+          <a:bodyPr/>
+          <a:lstStyle/>
+          <a:p>
+            <a:r>
+              <a:rPr lang="de-DE" smtClean="0"/>
+              <a:t>Dr. rer. nat. Erika Mustermann (TUM) | kann beliebig erweitert werden | Infos mit Strich trennen</a:t>
+            </a:r>
+            <a:endParaRPr lang="en-US" dirty="0" smtClean="0"/>
+          </a:p>
+        </p:txBody>
+      </p:sp>
+      <p:sp>
+        <p:nvSpPr>
+          <p:cNvPr id="2" name="Textplatzhalter 1"/>
+          <p:cNvSpPr>
+            <a:spLocks noGrp="1"/>
+          </p:cNvSpPr>
+          <p:nvPr>
+            <p:ph type="body" sz="quarter" idx="13"/>
+          </p:nvPr>
+        </p:nvSpPr>
+        <p:spPr/>
+        <p:txBody>
+          <a:bodyPr/>
+          <a:lstStyle/>
+          <a:p>
+            <a:r>
+              <a:rPr lang="de-DE" smtClean="0"/>
+              <a:t>Tabelle mit schwarzem Rand</a:t>
+            </a:r>
+            <a:br>
+              <a:rPr lang="de-DE" smtClean="0"/>
+            </a:br>
+            <a:r>
+              <a:rPr lang="de-DE" smtClean="0"/>
+              <a:t>innerer Seitenrand links 0,15 cm, oben z.B. 0,5 cm (für genug Zeilenabstand innerhalb) </a:t>
+            </a:r>
+            <a:endParaRPr lang="de-DE" dirty="0"/>
+          </a:p>
+        </p:txBody>
+      </p:sp>
+      <p:sp>
+        <p:nvSpPr>
+          <p:cNvPr id="3" name="Titel 2"/>
+          <p:cNvSpPr>
+            <a:spLocks noGrp="1"/>
+          </p:cNvSpPr>
+          <p:nvPr>
+            <p:ph type="title"/>
+          </p:nvPr>
+        </p:nvSpPr>
+        <p:spPr/>
+        <p:txBody>
+          <a:bodyPr/>
+          <a:lstStyle/>
+          <a:p>
+            <a:r>
+              <a:rPr lang="de-DE" smtClean="0"/>
+              <a:t>Tabelle – Beispiel 2</a:t>
+            </a:r>
+            <a:endParaRPr lang="de-DE" dirty="0"/>
+          </a:p>
+        </p:txBody>
+      </p:sp>
+    </p:spTree>
+  </p:cSld>
+  <p:clrMapOvr>
+    <a:masterClrMapping/>
+  </p:clrMapOvr>
+  <p:timing>
+    <p:tnLst>
+      <p:par>
+        <p:cTn id="1" dur="indefinite" restart="never" nodeType="tmRoot"/>
+      </p:par>
+    </p:tnLst>
+  </p:timing>
+</p:sld>
+</file>
+
+<file path=ppt/slides/slide32.xml><?xml version="1.0" encoding="utf-8"?>
+<p:sld xmlns:a="http://schemas.openxmlformats.org/drawingml/2006/main" xmlns:r="http://schemas.openxmlformats.org/officeDocument/2006/relationships" xmlns:p="http://schemas.openxmlformats.org/presentationml/2006/main">
+  <p:cSld>
+    <p:spTree>
+      <p:nvGrpSpPr>
+        <p:cNvPr id="1" name=""/>
+        <p:cNvGrpSpPr/>
+        <p:nvPr/>
+      </p:nvGrpSpPr>
+      <p:grpSpPr>
+        <a:xfrm>
+          <a:off x="0" y="0"/>
+          <a:ext cx="0" cy="0"/>
+          <a:chOff x="0" y="0"/>
+          <a:chExt cx="0" cy="0"/>
+        </a:xfrm>
+      </p:grpSpPr>
+      <p:sp>
+        <p:nvSpPr>
+          <p:cNvPr id="9" name="Fußzeilenplatzhalter 4"/>
+          <p:cNvSpPr>
+            <a:spLocks noGrp="1"/>
+          </p:cNvSpPr>
+          <p:nvPr>
+            <p:ph type="ftr" sz="quarter" idx="12"/>
+          </p:nvPr>
+        </p:nvSpPr>
+        <p:spPr/>
+        <p:txBody>
+          <a:bodyPr/>
+          <a:lstStyle/>
+          <a:p>
+            <a:r>
+              <a:rPr lang="de-DE" smtClean="0"/>
+              <a:t>Dr. rer. nat. Erika Mustermann (TUM) | kann beliebig erweitert werden | Infos mit Strich trennen</a:t>
+            </a:r>
+            <a:endParaRPr lang="en-US" dirty="0" smtClean="0"/>
+          </a:p>
+        </p:txBody>
+      </p:sp>
+      <p:sp>
+        <p:nvSpPr>
+          <p:cNvPr id="3" name="Textplatzhalter 2"/>
+          <p:cNvSpPr>
+            <a:spLocks noGrp="1"/>
+          </p:cNvSpPr>
+          <p:nvPr>
+            <p:ph type="body" sz="quarter" idx="13"/>
+          </p:nvPr>
+        </p:nvSpPr>
+        <p:spPr/>
+        <p:txBody>
+          <a:bodyPr/>
+          <a:lstStyle/>
+          <a:p>
+            <a:r>
+              <a:rPr lang="de-DE" dirty="0" smtClean="0"/>
+              <a:t>Nach Möglichkeit linksbündig bleiben</a:t>
+            </a:r>
+            <a:br>
+              <a:rPr lang="de-DE" dirty="0" smtClean="0"/>
+            </a:br>
+            <a:r>
+              <a:rPr lang="de-DE" dirty="0" smtClean="0"/>
+              <a:t>Unnötige Striche und Balken vermeiden</a:t>
+            </a:r>
+            <a:endParaRPr lang="de-DE" dirty="0"/>
+          </a:p>
+        </p:txBody>
+      </p:sp>
+      <p:sp>
+        <p:nvSpPr>
+          <p:cNvPr id="4" name="Titel 3"/>
+          <p:cNvSpPr>
+            <a:spLocks noGrp="1"/>
+          </p:cNvSpPr>
+          <p:nvPr>
+            <p:ph type="title"/>
+          </p:nvPr>
+        </p:nvSpPr>
+        <p:spPr/>
+        <p:txBody>
+          <a:bodyPr/>
+          <a:lstStyle/>
+          <a:p>
+            <a:r>
+              <a:rPr lang="de-DE" smtClean="0"/>
+              <a:t>Diagramme – Beispiel 1</a:t>
+            </a:r>
+            <a:endParaRPr lang="de-DE" dirty="0"/>
+          </a:p>
+        </p:txBody>
+      </p:sp>
+      <p:graphicFrame>
+        <p:nvGraphicFramePr>
+          <p:cNvPr id="14" name="Diagramm 13"/>
+          <p:cNvGraphicFramePr/>
+          <p:nvPr>
+            <p:extLst/>
+          </p:nvPr>
+        </p:nvGraphicFramePr>
+        <p:xfrm>
+          <a:off x="209868" y="2388199"/>
+          <a:ext cx="8515032" cy="4207865"/>
+        </p:xfrm>
+        <a:graphic>
+          <a:graphicData uri="http://schemas.openxmlformats.org/drawingml/2006/chart">
+            <c:chart xmlns:c="http://schemas.openxmlformats.org/drawingml/2006/chart" xmlns:r="http://schemas.openxmlformats.org/officeDocument/2006/relationships" r:id="rId2"/>
+          </a:graphicData>
+        </a:graphic>
+      </p:graphicFrame>
+    </p:spTree>
+  </p:cSld>
+  <p:clrMapOvr>
+    <a:masterClrMapping/>
+  </p:clrMapOvr>
+  <p:timing>
+    <p:tnLst>
+      <p:par>
+        <p:cTn id="1" dur="indefinite" restart="never" nodeType="tmRoot"/>
+      </p:par>
+    </p:tnLst>
+  </p:timing>
+</p:sld>
+</file>
+
+<file path=ppt/slides/slide33.xml><?xml version="1.0" encoding="utf-8"?>
+<p:sld xmlns:a="http://schemas.openxmlformats.org/drawingml/2006/main" xmlns:r="http://schemas.openxmlformats.org/officeDocument/2006/relationships" xmlns:p="http://schemas.openxmlformats.org/presentationml/2006/main">
+  <p:cSld>
+    <p:spTree>
+      <p:nvGrpSpPr>
+        <p:cNvPr id="1" name=""/>
+        <p:cNvGrpSpPr/>
+        <p:nvPr/>
+      </p:nvGrpSpPr>
+      <p:grpSpPr>
+        <a:xfrm>
+          <a:off x="0" y="0"/>
+          <a:ext cx="0" cy="0"/>
+          <a:chOff x="0" y="0"/>
+          <a:chExt cx="0" cy="0"/>
+        </a:xfrm>
+      </p:grpSpPr>
+      <p:graphicFrame>
+        <p:nvGraphicFramePr>
           <p:cNvPr id="6" name="Inhaltsplatzhalter 5"/>
           <p:cNvGraphicFramePr>
             <a:graphicFrameLocks noGrp="1"/>
@@ -24884,26 +27002,26 @@
               <a:buChar char="•"/>
             </a:pPr>
             <a:r>
-              <a:rPr lang="de-DE" sz="2200" dirty="0" err="1" smtClean="0"/>
-              <a:t>Stepwise</a:t>
-            </a:r>
-            <a:r>
-              <a:rPr lang="de-DE" sz="2200" dirty="0" smtClean="0"/>
+              <a:rPr lang="de-DE" sz="2200" dirty="0" err="1"/>
+              <a:t>Recursive</a:t>
+            </a:r>
+            <a:r>
+              <a:rPr lang="de-DE" sz="2200" dirty="0"/>
               <a:t> </a:t>
             </a:r>
             <a:r>
-              <a:rPr lang="de-DE" sz="2200" dirty="0" err="1" smtClean="0"/>
-              <a:t>deformation</a:t>
-            </a:r>
-            <a:r>
-              <a:rPr lang="de-DE" sz="2200" dirty="0" smtClean="0"/>
+              <a:rPr lang="de-DE" sz="2200" dirty="0" err="1"/>
+              <a:t>stepwise</a:t>
+            </a:r>
+            <a:r>
+              <a:rPr lang="de-DE" sz="2200" dirty="0"/>
               <a:t> </a:t>
             </a:r>
             <a:r>
-              <a:rPr lang="de-DE" sz="2200" dirty="0" err="1" smtClean="0"/>
+              <a:rPr lang="de-DE" sz="2200" dirty="0" err="1"/>
               <a:t>method</a:t>
             </a:r>
-            <a:endParaRPr lang="de-DE" sz="2200" dirty="0" smtClean="0"/>
+            <a:endParaRPr lang="de-DE" sz="2200" dirty="0"/>
           </a:p>
           <a:p>
             <a:pPr marL="342900" indent="-342900">
@@ -24911,8 +27029,12 @@
               <a:buChar char="•"/>
             </a:pPr>
             <a:r>
+              <a:rPr lang="en-US" sz="2200" dirty="0" smtClean="0"/>
+              <a:t>Further </a:t>
+            </a:r>
+            <a:r>
               <a:rPr lang="en-US" sz="2200" dirty="0"/>
-              <a:t>Further strategies to reduce complexity and present the </a:t>
+              <a:t>strategies to reduce complexity and present the </a:t>
             </a:r>
             <a:r>
               <a:rPr lang="en-US" sz="2200" dirty="0" smtClean="0"/>
@@ -25020,23 +27142,7 @@
           <a:p>
             <a:r>
               <a:rPr lang="en-US" sz="2800" dirty="0" smtClean="0"/>
-              <a:t>When </a:t>
-            </a:r>
-            <a:r>
-              <a:rPr lang="en-US" sz="2800" dirty="0" smtClean="0"/>
-              <a:t>did </a:t>
-            </a:r>
-            <a:r>
-              <a:rPr lang="en-US" sz="2800" dirty="0" smtClean="0"/>
-              <a:t>the </a:t>
-            </a:r>
-            <a:r>
-              <a:rPr lang="en-US" sz="2800" dirty="0" smtClean="0"/>
-              <a:t>previous assumptions </a:t>
-            </a:r>
-            <a:r>
-              <a:rPr lang="en-US" sz="2800" dirty="0" smtClean="0"/>
-              <a:t>fail?</a:t>
+              <a:t>When did the previous assumptions fail?</a:t>
             </a:r>
             <a:endParaRPr lang="en-GB" sz="2800" dirty="0"/>
           </a:p>
@@ -30459,7 +32565,7 @@
             </a:pPr>
             <a:r>
               <a:rPr lang="de-DE" sz="2200" dirty="0" err="1" smtClean="0"/>
-              <a:t>Stepwise</a:t>
+              <a:t>Recursive</a:t>
             </a:r>
             <a:r>
               <a:rPr lang="de-DE" sz="2200" dirty="0" smtClean="0"/>
@@ -30467,7 +32573,7 @@
             </a:r>
             <a:r>
               <a:rPr lang="de-DE" sz="2200" dirty="0" err="1" smtClean="0"/>
-              <a:t>deformation</a:t>
+              <a:t>stepwise</a:t>
             </a:r>
             <a:r>
               <a:rPr lang="de-DE" sz="2200" dirty="0" smtClean="0"/>
@@ -30648,15 +32754,15 @@
               <a:buChar char="•"/>
             </a:pPr>
             <a:r>
-              <a:rPr lang="de-DE" sz="2200" dirty="0" err="1" smtClean="0">
+              <a:rPr lang="de-DE" sz="2200" dirty="0" err="1">
                 <a:solidFill>
                   <a:schemeClr val="bg2"/>
                 </a:solidFill>
               </a:rPr>
-              <a:t>Stepwise</a:t>
-            </a:r>
-            <a:r>
-              <a:rPr lang="de-DE" sz="2200" dirty="0" smtClean="0">
+              <a:t>Recursive</a:t>
+            </a:r>
+            <a:r>
+              <a:rPr lang="de-DE" sz="2200" dirty="0">
                 <a:solidFill>
                   <a:schemeClr val="bg2"/>
                 </a:solidFill>
@@ -30664,15 +32770,15 @@
               <a:t> </a:t>
             </a:r>
             <a:r>
-              <a:rPr lang="de-DE" sz="2200" dirty="0" err="1" smtClean="0">
+              <a:rPr lang="de-DE" sz="2200" dirty="0" err="1">
                 <a:solidFill>
                   <a:schemeClr val="bg2"/>
                 </a:solidFill>
               </a:rPr>
-              <a:t>deformation</a:t>
-            </a:r>
-            <a:r>
-              <a:rPr lang="de-DE" sz="2200" dirty="0" smtClean="0">
+              <a:t>stepwise</a:t>
+            </a:r>
+            <a:r>
+              <a:rPr lang="de-DE" sz="2200" dirty="0">
                 <a:solidFill>
                   <a:schemeClr val="bg2"/>
                 </a:solidFill>
@@ -30680,14 +32786,14 @@
               <a:t> </a:t>
             </a:r>
             <a:r>
-              <a:rPr lang="de-DE" sz="2200" dirty="0" err="1" smtClean="0">
+              <a:rPr lang="de-DE" sz="2200" dirty="0" err="1">
                 <a:solidFill>
                   <a:schemeClr val="bg2"/>
                 </a:solidFill>
               </a:rPr>
               <a:t>method</a:t>
             </a:r>
-            <a:endParaRPr lang="de-DE" sz="2200" dirty="0" smtClean="0">
+            <a:endParaRPr lang="de-DE" sz="2200" dirty="0">
               <a:solidFill>
                 <a:schemeClr val="bg2"/>
               </a:solidFill>
@@ -30699,8 +32805,12 @@
               <a:buChar char="•"/>
             </a:pPr>
             <a:r>
+              <a:rPr lang="en-US" sz="2200" dirty="0" smtClean="0"/>
+              <a:t>Further </a:t>
+            </a:r>
+            <a:r>
               <a:rPr lang="en-US" sz="2200" dirty="0"/>
-              <a:t>Further strategies to reduce complexity and present the </a:t>
+              <a:t>strategies to reduce complexity and present the </a:t>
             </a:r>
             <a:r>
               <a:rPr lang="en-US" sz="2200" dirty="0" smtClean="0"/>
@@ -30862,39 +32972,47 @@
               <a:buChar char="•"/>
             </a:pPr>
             <a:r>
-              <a:rPr lang="de-DE" sz="2200" dirty="0" err="1" smtClean="0"/>
-              <a:t>Stepwise</a:t>
-            </a:r>
-            <a:r>
-              <a:rPr lang="de-DE" sz="2200" dirty="0" smtClean="0"/>
+              <a:rPr lang="de-DE" sz="2200" dirty="0" err="1"/>
+              <a:t>Recursive</a:t>
+            </a:r>
+            <a:r>
+              <a:rPr lang="de-DE" sz="2200" dirty="0"/>
               <a:t> </a:t>
             </a:r>
             <a:r>
-              <a:rPr lang="de-DE" sz="2200" dirty="0" err="1" smtClean="0"/>
-              <a:t>deformation</a:t>
-            </a:r>
-            <a:r>
-              <a:rPr lang="de-DE" sz="2200" dirty="0" smtClean="0"/>
+              <a:rPr lang="de-DE" sz="2200" dirty="0" err="1"/>
+              <a:t>stepwise</a:t>
+            </a:r>
+            <a:r>
+              <a:rPr lang="de-DE" sz="2200" dirty="0"/>
               <a:t> </a:t>
             </a:r>
             <a:r>
-              <a:rPr lang="de-DE" sz="2200" dirty="0" err="1" smtClean="0"/>
+              <a:rPr lang="de-DE" sz="2200" dirty="0" err="1"/>
               <a:t>method</a:t>
             </a:r>
-            <a:endParaRPr lang="de-DE" sz="2200" dirty="0" smtClean="0"/>
+            <a:endParaRPr lang="de-DE" sz="2200" dirty="0"/>
           </a:p>
           <a:p>
             <a:pPr marL="342900" indent="-342900">
               <a:buFont typeface="Arial" charset="0"/>
               <a:buChar char="•"/>
             </a:pPr>
+            <a:r>
+              <a:rPr lang="en-US" sz="2200" dirty="0" smtClean="0">
+                <a:solidFill>
+                  <a:schemeClr val="bg2"/>
+                </a:solidFill>
+              </a:rPr>
+              <a:t>Further </a:t>
+            </a:r>
             <a:r>
               <a:rPr lang="en-US" sz="2200" dirty="0">
                 <a:solidFill>
                   <a:schemeClr val="bg2"/>
                 </a:solidFill>
               </a:rPr>
-              <a:t>Further strategies to reduce complexity and present the </a:t>
+              <a:t>strategies to reduce complexity and present the </a:t>
             </a:r>
             <a:r>
               <a:rPr lang="en-US" sz="2200" dirty="0" smtClean="0">
